--- a/Job-Application-Tracker.pptx
+++ b/Job-Application-Tracker.pptx
@@ -12,12 +12,12 @@
     <p:sldId id="257" r:id="rId3"/>
     <p:sldId id="258" r:id="rId4"/>
     <p:sldId id="274" r:id="rId5"/>
-    <p:sldId id="279" r:id="rId6"/>
-    <p:sldId id="280" r:id="rId7"/>
-    <p:sldId id="278" r:id="rId8"/>
-    <p:sldId id="277" r:id="rId9"/>
-    <p:sldId id="276" r:id="rId10"/>
-    <p:sldId id="275" r:id="rId11"/>
+    <p:sldId id="282" r:id="rId6"/>
+    <p:sldId id="283" r:id="rId7"/>
+    <p:sldId id="285" r:id="rId8"/>
+    <p:sldId id="287" r:id="rId9"/>
+    <p:sldId id="288" r:id="rId10"/>
+    <p:sldId id="286" r:id="rId11"/>
     <p:sldId id="264" r:id="rId12"/>
     <p:sldId id="265" r:id="rId13"/>
     <p:sldId id="267" r:id="rId14"/>
@@ -280,6 +280,13 @@
           </p:nvPr>
         </p:nvSpPr>
         <p:spPr/>
+        <p:txBody>
+          <a:bodyPr/>
+          <a:lstStyle/>
+          <a:p>
+            <a:endParaRPr lang="en-IN"/>
+          </a:p>
+        </p:txBody>
       </p:sp>
       <p:sp>
         <p:nvSpPr>
@@ -344,7 +351,7 @@
         <p:cNvPr id="1" name="">
           <a:extLst>
             <a:ext uri="{FF2B5EF4-FFF2-40B4-BE49-F238E27FC236}">
-              <a16:creationId xmlns:a16="http://schemas.microsoft.com/office/drawing/2014/main" id="{F15CF7FA-C532-579A-2D0E-3E44DB4EF45D}"/>
+              <a16:creationId xmlns:a16="http://schemas.microsoft.com/office/drawing/2014/main" id="{D5554446-FA58-A8D8-AC39-EFDAB622A57D}"/>
             </a:ext>
           </a:extLst>
         </p:cNvPr>
@@ -364,7 +371,7 @@
           <p:cNvPr id="2" name="Slide Image Placeholder 1">
             <a:extLst>
               <a:ext uri="{FF2B5EF4-FFF2-40B4-BE49-F238E27FC236}">
-                <a16:creationId xmlns:a16="http://schemas.microsoft.com/office/drawing/2014/main" id="{48C634A3-FEA6-AFD8-9EBC-9F6BDEE4CDA9}"/>
+                <a16:creationId xmlns:a16="http://schemas.microsoft.com/office/drawing/2014/main" id="{82F185C6-02D1-C227-E89E-4079EB1344F4}"/>
               </a:ext>
             </a:extLst>
           </p:cNvPr>
@@ -376,13 +383,20 @@
           </p:nvPr>
         </p:nvSpPr>
         <p:spPr/>
+        <p:txBody>
+          <a:bodyPr/>
+          <a:lstStyle/>
+          <a:p>
+            <a:endParaRPr lang="en-IN"/>
+          </a:p>
+        </p:txBody>
       </p:sp>
       <p:sp>
         <p:nvSpPr>
           <p:cNvPr id="3" name="Notes Placeholder 2">
             <a:extLst>
               <a:ext uri="{FF2B5EF4-FFF2-40B4-BE49-F238E27FC236}">
-                <a16:creationId xmlns:a16="http://schemas.microsoft.com/office/drawing/2014/main" id="{91105C28-EFB7-B747-D8E3-7BBE6F0A53EF}"/>
+                <a16:creationId xmlns:a16="http://schemas.microsoft.com/office/drawing/2014/main" id="{7C644ACD-32FB-1C82-8A41-8508F1050437}"/>
               </a:ext>
             </a:extLst>
           </p:cNvPr>
@@ -407,7 +421,7 @@
           <p:cNvPr id="4" name="Slide Number Placeholder 3">
             <a:extLst>
               <a:ext uri="{FF2B5EF4-FFF2-40B4-BE49-F238E27FC236}">
-                <a16:creationId xmlns:a16="http://schemas.microsoft.com/office/drawing/2014/main" id="{40ACE776-6165-7990-F679-CB19A72038E4}"/>
+                <a16:creationId xmlns:a16="http://schemas.microsoft.com/office/drawing/2014/main" id="{50B5CE65-337D-E749-A2F4-ECD52783F565}"/>
               </a:ext>
             </a:extLst>
           </p:cNvPr>
@@ -434,7 +448,7 @@
     </p:spTree>
     <p:extLst>
       <p:ext uri="{BB962C8B-B14F-4D97-AF65-F5344CB8AC3E}">
-        <p14:creationId xmlns:p14="http://schemas.microsoft.com/office/powerpoint/2010/main" val="1619080809"/>
+        <p14:creationId xmlns:p14="http://schemas.microsoft.com/office/powerpoint/2010/main" val="1819231465"/>
       </p:ext>
     </p:extLst>
   </p:cSld>
@@ -472,6 +486,13 @@
           </p:nvPr>
         </p:nvSpPr>
         <p:spPr/>
+        <p:txBody>
+          <a:bodyPr/>
+          <a:lstStyle/>
+          <a:p>
+            <a:endParaRPr lang="en-IN"/>
+          </a:p>
+        </p:txBody>
       </p:sp>
       <p:sp>
         <p:nvSpPr>
@@ -556,6 +577,13 @@
           </p:nvPr>
         </p:nvSpPr>
         <p:spPr/>
+        <p:txBody>
+          <a:bodyPr/>
+          <a:lstStyle/>
+          <a:p>
+            <a:endParaRPr lang="en-IN"/>
+          </a:p>
+        </p:txBody>
       </p:sp>
       <p:sp>
         <p:nvSpPr>
@@ -652,6 +680,13 @@
           </p:nvPr>
         </p:nvSpPr>
         <p:spPr/>
+        <p:txBody>
+          <a:bodyPr/>
+          <a:lstStyle/>
+          <a:p>
+            <a:endParaRPr lang="en-IN"/>
+          </a:p>
+        </p:txBody>
       </p:sp>
       <p:sp>
         <p:nvSpPr>
@@ -748,6 +783,13 @@
           </p:nvPr>
         </p:nvSpPr>
         <p:spPr/>
+        <p:txBody>
+          <a:bodyPr/>
+          <a:lstStyle/>
+          <a:p>
+            <a:endParaRPr lang="en-IN"/>
+          </a:p>
+        </p:txBody>
       </p:sp>
       <p:sp>
         <p:nvSpPr>
@@ -832,6 +874,13 @@
           </p:nvPr>
         </p:nvSpPr>
         <p:spPr/>
+        <p:txBody>
+          <a:bodyPr/>
+          <a:lstStyle/>
+          <a:p>
+            <a:endParaRPr lang="en-IN"/>
+          </a:p>
+        </p:txBody>
       </p:sp>
       <p:sp>
         <p:nvSpPr>
@@ -928,6 +977,13 @@
           </p:nvPr>
         </p:nvSpPr>
         <p:spPr/>
+        <p:txBody>
+          <a:bodyPr/>
+          <a:lstStyle/>
+          <a:p>
+            <a:endParaRPr lang="en-IN"/>
+          </a:p>
+        </p:txBody>
       </p:sp>
       <p:sp>
         <p:nvSpPr>
@@ -1004,7 +1060,7 @@
         <p:cNvPr id="1" name="">
           <a:extLst>
             <a:ext uri="{FF2B5EF4-FFF2-40B4-BE49-F238E27FC236}">
-              <a16:creationId xmlns:a16="http://schemas.microsoft.com/office/drawing/2014/main" id="{DA475978-AEF9-CAC8-0904-AFBA92A493C4}"/>
+              <a16:creationId xmlns:a16="http://schemas.microsoft.com/office/drawing/2014/main" id="{30F50827-6346-7CB3-3A19-EE9D4662E37F}"/>
             </a:ext>
           </a:extLst>
         </p:cNvPr>
@@ -1024,7 +1080,7 @@
           <p:cNvPr id="2" name="Slide Image Placeholder 1">
             <a:extLst>
               <a:ext uri="{FF2B5EF4-FFF2-40B4-BE49-F238E27FC236}">
-                <a16:creationId xmlns:a16="http://schemas.microsoft.com/office/drawing/2014/main" id="{AFEE1F94-52C4-195C-6958-1AC503968884}"/>
+                <a16:creationId xmlns:a16="http://schemas.microsoft.com/office/drawing/2014/main" id="{BB9D986B-D141-1DCF-D95D-C543C2C0C2D3}"/>
               </a:ext>
             </a:extLst>
           </p:cNvPr>
@@ -1036,13 +1092,20 @@
           </p:nvPr>
         </p:nvSpPr>
         <p:spPr/>
+        <p:txBody>
+          <a:bodyPr/>
+          <a:lstStyle/>
+          <a:p>
+            <a:endParaRPr lang="en-IN"/>
+          </a:p>
+        </p:txBody>
       </p:sp>
       <p:sp>
         <p:nvSpPr>
           <p:cNvPr id="3" name="Notes Placeholder 2">
             <a:extLst>
               <a:ext uri="{FF2B5EF4-FFF2-40B4-BE49-F238E27FC236}">
-                <a16:creationId xmlns:a16="http://schemas.microsoft.com/office/drawing/2014/main" id="{0588A2C3-0C0F-2106-F42B-4FCF992499F3}"/>
+                <a16:creationId xmlns:a16="http://schemas.microsoft.com/office/drawing/2014/main" id="{4B019338-2A5F-C5D4-B874-7AA52B238E6F}"/>
               </a:ext>
             </a:extLst>
           </p:cNvPr>
@@ -1067,7 +1130,7 @@
           <p:cNvPr id="4" name="Slide Number Placeholder 3">
             <a:extLst>
               <a:ext uri="{FF2B5EF4-FFF2-40B4-BE49-F238E27FC236}">
-                <a16:creationId xmlns:a16="http://schemas.microsoft.com/office/drawing/2014/main" id="{D9055CA4-A000-453C-FB26-40B4E8B7A9FB}"/>
+                <a16:creationId xmlns:a16="http://schemas.microsoft.com/office/drawing/2014/main" id="{2CE6EAAC-EB23-11E4-BDB7-3F3CE64FE074}"/>
               </a:ext>
             </a:extLst>
           </p:cNvPr>
@@ -1094,7 +1157,7 @@
     </p:spTree>
     <p:extLst>
       <p:ext uri="{BB962C8B-B14F-4D97-AF65-F5344CB8AC3E}">
-        <p14:creationId xmlns:p14="http://schemas.microsoft.com/office/powerpoint/2010/main" val="1723740638"/>
+        <p14:creationId xmlns:p14="http://schemas.microsoft.com/office/powerpoint/2010/main" val="1359166732"/>
       </p:ext>
     </p:extLst>
   </p:cSld>
@@ -1112,7 +1175,7 @@
         <p:cNvPr id="1" name="">
           <a:extLst>
             <a:ext uri="{FF2B5EF4-FFF2-40B4-BE49-F238E27FC236}">
-              <a16:creationId xmlns:a16="http://schemas.microsoft.com/office/drawing/2014/main" id="{39C5D871-599F-9519-55D4-281730D4FE82}"/>
+              <a16:creationId xmlns:a16="http://schemas.microsoft.com/office/drawing/2014/main" id="{19C067F8-4D0E-95D8-A0AE-81553836ADB8}"/>
             </a:ext>
           </a:extLst>
         </p:cNvPr>
@@ -1132,7 +1195,7 @@
           <p:cNvPr id="2" name="Slide Image Placeholder 1">
             <a:extLst>
               <a:ext uri="{FF2B5EF4-FFF2-40B4-BE49-F238E27FC236}">
-                <a16:creationId xmlns:a16="http://schemas.microsoft.com/office/drawing/2014/main" id="{42C5B615-CB15-212D-1243-449B10E82A96}"/>
+                <a16:creationId xmlns:a16="http://schemas.microsoft.com/office/drawing/2014/main" id="{E13D78D8-935E-976A-B2C0-A3AAEB0C72BE}"/>
               </a:ext>
             </a:extLst>
           </p:cNvPr>
@@ -1144,13 +1207,20 @@
           </p:nvPr>
         </p:nvSpPr>
         <p:spPr/>
+        <p:txBody>
+          <a:bodyPr/>
+          <a:lstStyle/>
+          <a:p>
+            <a:endParaRPr lang="en-IN"/>
+          </a:p>
+        </p:txBody>
       </p:sp>
       <p:sp>
         <p:nvSpPr>
           <p:cNvPr id="3" name="Notes Placeholder 2">
             <a:extLst>
               <a:ext uri="{FF2B5EF4-FFF2-40B4-BE49-F238E27FC236}">
-                <a16:creationId xmlns:a16="http://schemas.microsoft.com/office/drawing/2014/main" id="{8473092A-B77A-4AA0-0967-E663A8856949}"/>
+                <a16:creationId xmlns:a16="http://schemas.microsoft.com/office/drawing/2014/main" id="{8E089434-0994-7276-4A4E-AB6CD5618ADF}"/>
               </a:ext>
             </a:extLst>
           </p:cNvPr>
@@ -1175,7 +1245,7 @@
           <p:cNvPr id="4" name="Slide Number Placeholder 3">
             <a:extLst>
               <a:ext uri="{FF2B5EF4-FFF2-40B4-BE49-F238E27FC236}">
-                <a16:creationId xmlns:a16="http://schemas.microsoft.com/office/drawing/2014/main" id="{83F71F42-1B3E-0789-8D23-85B19F674C59}"/>
+                <a16:creationId xmlns:a16="http://schemas.microsoft.com/office/drawing/2014/main" id="{6EE6BC73-98CB-D6AF-68DC-9C2E4B5F2C19}"/>
               </a:ext>
             </a:extLst>
           </p:cNvPr>
@@ -1202,7 +1272,7 @@
     </p:spTree>
     <p:extLst>
       <p:ext uri="{BB962C8B-B14F-4D97-AF65-F5344CB8AC3E}">
-        <p14:creationId xmlns:p14="http://schemas.microsoft.com/office/powerpoint/2010/main" val="4000001181"/>
+        <p14:creationId xmlns:p14="http://schemas.microsoft.com/office/powerpoint/2010/main" val="1161727750"/>
       </p:ext>
     </p:extLst>
   </p:cSld>
@@ -1220,7 +1290,7 @@
         <p:cNvPr id="1" name="">
           <a:extLst>
             <a:ext uri="{FF2B5EF4-FFF2-40B4-BE49-F238E27FC236}">
-              <a16:creationId xmlns:a16="http://schemas.microsoft.com/office/drawing/2014/main" id="{FEDF9E58-7D92-EDD2-D4DE-CC70EFE7FEF2}"/>
+              <a16:creationId xmlns:a16="http://schemas.microsoft.com/office/drawing/2014/main" id="{B1DDD60C-6545-7F6C-64D0-A77F011F9420}"/>
             </a:ext>
           </a:extLst>
         </p:cNvPr>
@@ -1240,7 +1310,7 @@
           <p:cNvPr id="2" name="Slide Image Placeholder 1">
             <a:extLst>
               <a:ext uri="{FF2B5EF4-FFF2-40B4-BE49-F238E27FC236}">
-                <a16:creationId xmlns:a16="http://schemas.microsoft.com/office/drawing/2014/main" id="{0CE743C9-0DDC-795C-480A-9E64F26691B8}"/>
+                <a16:creationId xmlns:a16="http://schemas.microsoft.com/office/drawing/2014/main" id="{C3816F23-4FA5-E20F-42E9-973193D8B088}"/>
               </a:ext>
             </a:extLst>
           </p:cNvPr>
@@ -1252,13 +1322,20 @@
           </p:nvPr>
         </p:nvSpPr>
         <p:spPr/>
+        <p:txBody>
+          <a:bodyPr/>
+          <a:lstStyle/>
+          <a:p>
+            <a:endParaRPr lang="en-IN"/>
+          </a:p>
+        </p:txBody>
       </p:sp>
       <p:sp>
         <p:nvSpPr>
           <p:cNvPr id="3" name="Notes Placeholder 2">
             <a:extLst>
               <a:ext uri="{FF2B5EF4-FFF2-40B4-BE49-F238E27FC236}">
-                <a16:creationId xmlns:a16="http://schemas.microsoft.com/office/drawing/2014/main" id="{61FA722F-5C26-4EE7-F00C-FA7E092F6BE8}"/>
+                <a16:creationId xmlns:a16="http://schemas.microsoft.com/office/drawing/2014/main" id="{812FE667-76EA-8F84-CC01-3591F5EA547C}"/>
               </a:ext>
             </a:extLst>
           </p:cNvPr>
@@ -1283,7 +1360,7 @@
           <p:cNvPr id="4" name="Slide Number Placeholder 3">
             <a:extLst>
               <a:ext uri="{FF2B5EF4-FFF2-40B4-BE49-F238E27FC236}">
-                <a16:creationId xmlns:a16="http://schemas.microsoft.com/office/drawing/2014/main" id="{DC2A5CE1-4BCA-940F-12DC-A308A958823C}"/>
+                <a16:creationId xmlns:a16="http://schemas.microsoft.com/office/drawing/2014/main" id="{C21B679D-E32C-6D85-9AAC-0DB950892E69}"/>
               </a:ext>
             </a:extLst>
           </p:cNvPr>
@@ -1310,7 +1387,7 @@
     </p:spTree>
     <p:extLst>
       <p:ext uri="{BB962C8B-B14F-4D97-AF65-F5344CB8AC3E}">
-        <p14:creationId xmlns:p14="http://schemas.microsoft.com/office/powerpoint/2010/main" val="657985621"/>
+        <p14:creationId xmlns:p14="http://schemas.microsoft.com/office/powerpoint/2010/main" val="2644837052"/>
       </p:ext>
     </p:extLst>
   </p:cSld>
@@ -1328,7 +1405,7 @@
         <p:cNvPr id="1" name="">
           <a:extLst>
             <a:ext uri="{FF2B5EF4-FFF2-40B4-BE49-F238E27FC236}">
-              <a16:creationId xmlns:a16="http://schemas.microsoft.com/office/drawing/2014/main" id="{7CC9F992-BDBC-39D2-C2CF-B0B39C7C8877}"/>
+              <a16:creationId xmlns:a16="http://schemas.microsoft.com/office/drawing/2014/main" id="{DF46A047-A684-EA17-0FD6-3FF08FA87923}"/>
             </a:ext>
           </a:extLst>
         </p:cNvPr>
@@ -1348,7 +1425,7 @@
           <p:cNvPr id="2" name="Slide Image Placeholder 1">
             <a:extLst>
               <a:ext uri="{FF2B5EF4-FFF2-40B4-BE49-F238E27FC236}">
-                <a16:creationId xmlns:a16="http://schemas.microsoft.com/office/drawing/2014/main" id="{19982257-C89E-88E6-CEFB-983476E26F81}"/>
+                <a16:creationId xmlns:a16="http://schemas.microsoft.com/office/drawing/2014/main" id="{7F97E2BC-E210-9ECB-37B4-CFEE1F85B58A}"/>
               </a:ext>
             </a:extLst>
           </p:cNvPr>
@@ -1360,13 +1437,20 @@
           </p:nvPr>
         </p:nvSpPr>
         <p:spPr/>
+        <p:txBody>
+          <a:bodyPr/>
+          <a:lstStyle/>
+          <a:p>
+            <a:endParaRPr lang="en-IN"/>
+          </a:p>
+        </p:txBody>
       </p:sp>
       <p:sp>
         <p:nvSpPr>
           <p:cNvPr id="3" name="Notes Placeholder 2">
             <a:extLst>
               <a:ext uri="{FF2B5EF4-FFF2-40B4-BE49-F238E27FC236}">
-                <a16:creationId xmlns:a16="http://schemas.microsoft.com/office/drawing/2014/main" id="{64C7B66A-C7B7-5AE5-31D7-098E14C312C4}"/>
+                <a16:creationId xmlns:a16="http://schemas.microsoft.com/office/drawing/2014/main" id="{C97B0BB3-DBEE-8864-4DEB-84AABA18291A}"/>
               </a:ext>
             </a:extLst>
           </p:cNvPr>
@@ -1391,7 +1475,7 @@
           <p:cNvPr id="4" name="Slide Number Placeholder 3">
             <a:extLst>
               <a:ext uri="{FF2B5EF4-FFF2-40B4-BE49-F238E27FC236}">
-                <a16:creationId xmlns:a16="http://schemas.microsoft.com/office/drawing/2014/main" id="{132D7B2C-853E-973E-B5BA-F9C6BB9426A4}"/>
+                <a16:creationId xmlns:a16="http://schemas.microsoft.com/office/drawing/2014/main" id="{3FE4A0A5-5367-93C9-1495-E268ED451CAF}"/>
               </a:ext>
             </a:extLst>
           </p:cNvPr>
@@ -1418,7 +1502,7 @@
     </p:spTree>
     <p:extLst>
       <p:ext uri="{BB962C8B-B14F-4D97-AF65-F5344CB8AC3E}">
-        <p14:creationId xmlns:p14="http://schemas.microsoft.com/office/powerpoint/2010/main" val="2299939254"/>
+        <p14:creationId xmlns:p14="http://schemas.microsoft.com/office/powerpoint/2010/main" val="2061123704"/>
       </p:ext>
     </p:extLst>
   </p:cSld>
@@ -1436,7 +1520,7 @@
         <p:cNvPr id="1" name="">
           <a:extLst>
             <a:ext uri="{FF2B5EF4-FFF2-40B4-BE49-F238E27FC236}">
-              <a16:creationId xmlns:a16="http://schemas.microsoft.com/office/drawing/2014/main" id="{C29CB6E1-CF76-45AD-51B6-BF05CC25557A}"/>
+              <a16:creationId xmlns:a16="http://schemas.microsoft.com/office/drawing/2014/main" id="{FC086E40-D70C-4AAB-2E02-EE9A1B1B9185}"/>
             </a:ext>
           </a:extLst>
         </p:cNvPr>
@@ -1456,7 +1540,7 @@
           <p:cNvPr id="2" name="Slide Image Placeholder 1">
             <a:extLst>
               <a:ext uri="{FF2B5EF4-FFF2-40B4-BE49-F238E27FC236}">
-                <a16:creationId xmlns:a16="http://schemas.microsoft.com/office/drawing/2014/main" id="{1D253ECF-33E1-6FDE-D102-1BA718A2793F}"/>
+                <a16:creationId xmlns:a16="http://schemas.microsoft.com/office/drawing/2014/main" id="{EC2B92EC-8DDF-4A96-B942-757D0A6688B1}"/>
               </a:ext>
             </a:extLst>
           </p:cNvPr>
@@ -1468,13 +1552,20 @@
           </p:nvPr>
         </p:nvSpPr>
         <p:spPr/>
+        <p:txBody>
+          <a:bodyPr/>
+          <a:lstStyle/>
+          <a:p>
+            <a:endParaRPr lang="en-IN"/>
+          </a:p>
+        </p:txBody>
       </p:sp>
       <p:sp>
         <p:nvSpPr>
           <p:cNvPr id="3" name="Notes Placeholder 2">
             <a:extLst>
               <a:ext uri="{FF2B5EF4-FFF2-40B4-BE49-F238E27FC236}">
-                <a16:creationId xmlns:a16="http://schemas.microsoft.com/office/drawing/2014/main" id="{B706567E-7B6C-1F96-2E3A-309DBDB89DD6}"/>
+                <a16:creationId xmlns:a16="http://schemas.microsoft.com/office/drawing/2014/main" id="{7EB73A7C-A8A0-AE6F-FC5A-7799EBABF87E}"/>
               </a:ext>
             </a:extLst>
           </p:cNvPr>
@@ -1499,7 +1590,7 @@
           <p:cNvPr id="4" name="Slide Number Placeholder 3">
             <a:extLst>
               <a:ext uri="{FF2B5EF4-FFF2-40B4-BE49-F238E27FC236}">
-                <a16:creationId xmlns:a16="http://schemas.microsoft.com/office/drawing/2014/main" id="{74BE14DF-12C2-5BAF-5B6E-386D86746551}"/>
+                <a16:creationId xmlns:a16="http://schemas.microsoft.com/office/drawing/2014/main" id="{C35A1045-9094-3960-411E-1D6BA033981F}"/>
               </a:ext>
             </a:extLst>
           </p:cNvPr>
@@ -1526,7 +1617,7 @@
     </p:spTree>
     <p:extLst>
       <p:ext uri="{BB962C8B-B14F-4D97-AF65-F5344CB8AC3E}">
-        <p14:creationId xmlns:p14="http://schemas.microsoft.com/office/powerpoint/2010/main" val="3437024254"/>
+        <p14:creationId xmlns:p14="http://schemas.microsoft.com/office/powerpoint/2010/main" val="4044381151"/>
       </p:ext>
     </p:extLst>
   </p:cSld>
@@ -1539,11 +1630,6 @@
 <file path=ppt/slideLayouts/slideLayout1.xml><?xml version="1.0" encoding="utf-8"?>
 <p:sldLayout xmlns:a="http://schemas.openxmlformats.org/drawingml/2006/main" xmlns:r="http://schemas.openxmlformats.org/officeDocument/2006/relationships" xmlns:p="http://schemas.openxmlformats.org/presentationml/2006/main" preserve="1">
   <p:cSld name="DEFAULT">
-    <p:bg>
-      <p:bgRef idx="1001">
-        <a:schemeClr val="bg1"/>
-      </p:bgRef>
-    </p:bg>
     <p:spTree>
       <p:nvGrpSpPr>
         <p:cNvPr id="1" name=""/>
@@ -1602,6 +1688,13 @@
           </a:solidFill>
           <a:ln/>
         </p:spPr>
+        <p:txBody>
+          <a:bodyPr/>
+          <a:lstStyle/>
+          <a:p>
+            <a:endParaRPr lang="en-IN"/>
+          </a:p>
+        </p:txBody>
       </p:sp>
       <p:sp>
         <p:nvSpPr>
@@ -1622,6 +1715,13 @@
           </a:solidFill>
           <a:ln/>
         </p:spPr>
+        <p:txBody>
+          <a:bodyPr/>
+          <a:lstStyle/>
+          <a:p>
+            <a:endParaRPr lang="en-IN"/>
+          </a:p>
+        </p:txBody>
       </p:sp>
       <p:pic>
         <p:nvPicPr>
@@ -1693,6 +1793,13 @@
           </a:solidFill>
           <a:ln/>
         </p:spPr>
+        <p:txBody>
+          <a:bodyPr/>
+          <a:lstStyle/>
+          <a:p>
+            <a:endParaRPr lang="en-IN"/>
+          </a:p>
+        </p:txBody>
       </p:sp>
       <p:sp>
         <p:nvSpPr>
@@ -1713,6 +1820,13 @@
           </a:solidFill>
           <a:ln/>
         </p:spPr>
+        <p:txBody>
+          <a:bodyPr/>
+          <a:lstStyle/>
+          <a:p>
+            <a:endParaRPr lang="en-IN"/>
+          </a:p>
+        </p:txBody>
       </p:sp>
       <p:pic>
         <p:nvPicPr>
@@ -1784,6 +1898,13 @@
           </a:solidFill>
           <a:ln/>
         </p:spPr>
+        <p:txBody>
+          <a:bodyPr/>
+          <a:lstStyle/>
+          <a:p>
+            <a:endParaRPr lang="en-IN"/>
+          </a:p>
+        </p:txBody>
       </p:sp>
       <p:sp>
         <p:nvSpPr>
@@ -1804,6 +1925,13 @@
           </a:solidFill>
           <a:ln/>
         </p:spPr>
+        <p:txBody>
+          <a:bodyPr/>
+          <a:lstStyle/>
+          <a:p>
+            <a:endParaRPr lang="en-IN"/>
+          </a:p>
+        </p:txBody>
       </p:sp>
       <p:pic>
         <p:nvPicPr>
@@ -1875,6 +2003,13 @@
           </a:solidFill>
           <a:ln/>
         </p:spPr>
+        <p:txBody>
+          <a:bodyPr/>
+          <a:lstStyle/>
+          <a:p>
+            <a:endParaRPr lang="en-IN"/>
+          </a:p>
+        </p:txBody>
       </p:sp>
       <p:sp>
         <p:nvSpPr>
@@ -1895,6 +2030,13 @@
           </a:solidFill>
           <a:ln/>
         </p:spPr>
+        <p:txBody>
+          <a:bodyPr/>
+          <a:lstStyle/>
+          <a:p>
+            <a:endParaRPr lang="en-IN"/>
+          </a:p>
+        </p:txBody>
       </p:sp>
       <p:pic>
         <p:nvPicPr>
@@ -1966,6 +2108,13 @@
           </a:solidFill>
           <a:ln/>
         </p:spPr>
+        <p:txBody>
+          <a:bodyPr/>
+          <a:lstStyle/>
+          <a:p>
+            <a:endParaRPr lang="en-IN"/>
+          </a:p>
+        </p:txBody>
       </p:sp>
       <p:sp>
         <p:nvSpPr>
@@ -1986,6 +2135,13 @@
           </a:solidFill>
           <a:ln/>
         </p:spPr>
+        <p:txBody>
+          <a:bodyPr/>
+          <a:lstStyle/>
+          <a:p>
+            <a:endParaRPr lang="en-IN"/>
+          </a:p>
+        </p:txBody>
       </p:sp>
       <p:pic>
         <p:nvPicPr>
@@ -2057,6 +2213,13 @@
           </a:solidFill>
           <a:ln/>
         </p:spPr>
+        <p:txBody>
+          <a:bodyPr/>
+          <a:lstStyle/>
+          <a:p>
+            <a:endParaRPr lang="en-IN"/>
+          </a:p>
+        </p:txBody>
       </p:sp>
       <p:sp>
         <p:nvSpPr>
@@ -2077,6 +2240,13 @@
           </a:solidFill>
           <a:ln/>
         </p:spPr>
+        <p:txBody>
+          <a:bodyPr/>
+          <a:lstStyle/>
+          <a:p>
+            <a:endParaRPr lang="en-IN"/>
+          </a:p>
+        </p:txBody>
       </p:sp>
       <p:pic>
         <p:nvPicPr>
@@ -2148,6 +2318,13 @@
           </a:solidFill>
           <a:ln/>
         </p:spPr>
+        <p:txBody>
+          <a:bodyPr/>
+          <a:lstStyle/>
+          <a:p>
+            <a:endParaRPr lang="en-IN"/>
+          </a:p>
+        </p:txBody>
       </p:sp>
       <p:sp>
         <p:nvSpPr>
@@ -2168,6 +2345,13 @@
           </a:solidFill>
           <a:ln/>
         </p:spPr>
+        <p:txBody>
+          <a:bodyPr/>
+          <a:lstStyle/>
+          <a:p>
+            <a:endParaRPr lang="en-IN"/>
+          </a:p>
+        </p:txBody>
       </p:sp>
       <p:pic>
         <p:nvPicPr>
@@ -2239,6 +2423,13 @@
           </a:solidFill>
           <a:ln/>
         </p:spPr>
+        <p:txBody>
+          <a:bodyPr/>
+          <a:lstStyle/>
+          <a:p>
+            <a:endParaRPr lang="en-IN"/>
+          </a:p>
+        </p:txBody>
       </p:sp>
       <p:sp>
         <p:nvSpPr>
@@ -2259,6 +2450,13 @@
           </a:solidFill>
           <a:ln/>
         </p:spPr>
+        <p:txBody>
+          <a:bodyPr/>
+          <a:lstStyle/>
+          <a:p>
+            <a:endParaRPr lang="en-IN"/>
+          </a:p>
+        </p:txBody>
       </p:sp>
       <p:pic>
         <p:nvPicPr>
@@ -2330,6 +2528,13 @@
           </a:solidFill>
           <a:ln/>
         </p:spPr>
+        <p:txBody>
+          <a:bodyPr/>
+          <a:lstStyle/>
+          <a:p>
+            <a:endParaRPr lang="en-IN"/>
+          </a:p>
+        </p:txBody>
       </p:sp>
       <p:sp>
         <p:nvSpPr>
@@ -2350,6 +2555,13 @@
           </a:solidFill>
           <a:ln/>
         </p:spPr>
+        <p:txBody>
+          <a:bodyPr/>
+          <a:lstStyle/>
+          <a:p>
+            <a:endParaRPr lang="en-IN"/>
+          </a:p>
+        </p:txBody>
       </p:sp>
       <p:pic>
         <p:nvPicPr>
@@ -2421,6 +2633,13 @@
           </a:solidFill>
           <a:ln/>
         </p:spPr>
+        <p:txBody>
+          <a:bodyPr/>
+          <a:lstStyle/>
+          <a:p>
+            <a:endParaRPr lang="en-IN"/>
+          </a:p>
+        </p:txBody>
       </p:sp>
       <p:sp>
         <p:nvSpPr>
@@ -2441,6 +2660,13 @@
           </a:solidFill>
           <a:ln/>
         </p:spPr>
+        <p:txBody>
+          <a:bodyPr/>
+          <a:lstStyle/>
+          <a:p>
+            <a:endParaRPr lang="en-IN"/>
+          </a:p>
+        </p:txBody>
       </p:sp>
       <p:pic>
         <p:nvPicPr>
@@ -2512,6 +2738,13 @@
           </a:solidFill>
           <a:ln/>
         </p:spPr>
+        <p:txBody>
+          <a:bodyPr/>
+          <a:lstStyle/>
+          <a:p>
+            <a:endParaRPr lang="en-IN"/>
+          </a:p>
+        </p:txBody>
       </p:sp>
       <p:sp>
         <p:nvSpPr>
@@ -2532,6 +2765,13 @@
           </a:solidFill>
           <a:ln/>
         </p:spPr>
+        <p:txBody>
+          <a:bodyPr/>
+          <a:lstStyle/>
+          <a:p>
+            <a:endParaRPr lang="en-IN"/>
+          </a:p>
+        </p:txBody>
       </p:sp>
       <p:pic>
         <p:nvPicPr>
@@ -2571,9 +2811,14 @@
 <p:sldMaster xmlns:a="http://schemas.openxmlformats.org/drawingml/2006/main" xmlns:r="http://schemas.openxmlformats.org/officeDocument/2006/relationships" xmlns:p="http://schemas.openxmlformats.org/presentationml/2006/main">
   <p:cSld>
     <p:bg>
-      <p:bgRef idx="1001">
-        <a:schemeClr val="bg1"/>
-      </p:bgRef>
+      <p:bgPr>
+        <a:solidFill>
+          <a:schemeClr val="bg1">
+            <a:alpha val="94000"/>
+          </a:schemeClr>
+        </a:solidFill>
+        <a:effectLst/>
+      </p:bgPr>
     </p:bg>
     <p:spTree>
       <p:nvGrpSpPr>
@@ -3131,7 +3376,7 @@
         <p:cNvPr id="1" name="">
           <a:extLst>
             <a:ext uri="{FF2B5EF4-FFF2-40B4-BE49-F238E27FC236}">
-              <a16:creationId xmlns:a16="http://schemas.microsoft.com/office/drawing/2014/main" id="{A36F9476-1530-8117-2AF6-30473F1F3930}"/>
+              <a16:creationId xmlns:a16="http://schemas.microsoft.com/office/drawing/2014/main" id="{A5239E4D-48BC-4970-17ED-B905F479444B}"/>
             </a:ext>
           </a:extLst>
         </p:cNvPr>
@@ -3151,7 +3396,7 @@
           <p:cNvPr id="2" name="Text 0">
             <a:extLst>
               <a:ext uri="{FF2B5EF4-FFF2-40B4-BE49-F238E27FC236}">
-                <a16:creationId xmlns:a16="http://schemas.microsoft.com/office/drawing/2014/main" id="{6BD93AC8-5A3C-8581-A46B-662340EA3509}"/>
+                <a16:creationId xmlns:a16="http://schemas.microsoft.com/office/drawing/2014/main" id="{45DEF7EA-1E3E-DDD4-0B2C-2392E4326DD9}"/>
               </a:ext>
             </a:extLst>
           </p:cNvPr>
@@ -3161,7 +3406,7 @@
         <p:spPr>
           <a:xfrm>
             <a:off x="413147" y="324564"/>
-            <a:ext cx="5767387" cy="368856"/>
+            <a:ext cx="6275329" cy="288959"/>
           </a:xfrm>
           <a:prstGeom prst="rect">
             <a:avLst/>
@@ -3173,11 +3418,10 @@
           <a:bodyPr wrap="none" lIns="0" tIns="0" rIns="0" bIns="0" rtlCol="0" anchor="t"/>
           <a:lstStyle/>
           <a:p>
-            <a:pPr marL="0" indent="0" algn="l">
+            <a:pPr>
               <a:lnSpc>
                 <a:spcPts val="2900"/>
               </a:lnSpc>
-              <a:buNone/>
             </a:pPr>
             <a:r>
               <a:rPr lang="en-US" sz="2300" dirty="0">
@@ -3188,7 +3432,7 @@
                 <a:ea typeface="Noto Serif Medium" pitchFamily="34" charset="-122"/>
                 <a:cs typeface="Noto Serif Medium" pitchFamily="34" charset="-120"/>
               </a:rPr>
-              <a:t>SQL Query: Application Status Overview</a:t>
+              <a:t>SQL Query: Top 5 most applied job roles</a:t>
             </a:r>
             <a:endParaRPr lang="en-US" sz="2300" dirty="0"/>
           </a:p>
@@ -3196,19 +3440,575 @@
       </p:sp>
       <p:sp>
         <p:nvSpPr>
-          <p:cNvPr id="3" name="Text 1">
-            <a:extLst>
-              <a:ext uri="{FF2B5EF4-FFF2-40B4-BE49-F238E27FC236}">
-                <a16:creationId xmlns:a16="http://schemas.microsoft.com/office/drawing/2014/main" id="{D9223F14-1197-048B-D5C4-10BBED4C8B6D}"/>
-              </a:ext>
-            </a:extLst>
-          </p:cNvPr>
-          <p:cNvSpPr/>
-          <p:nvPr/>
-        </p:nvSpPr>
-        <p:spPr>
-          <a:xfrm>
-            <a:off x="413147" y="929521"/>
+          <p:cNvPr id="4" name="Shape 2">
+            <a:extLst>
+              <a:ext uri="{FF2B5EF4-FFF2-40B4-BE49-F238E27FC236}">
+                <a16:creationId xmlns:a16="http://schemas.microsoft.com/office/drawing/2014/main" id="{A36D0C8D-E3A1-4A7A-BC9D-5CD565DC944F}"/>
+              </a:ext>
+            </a:extLst>
+          </p:cNvPr>
+          <p:cNvSpPr/>
+          <p:nvPr/>
+        </p:nvSpPr>
+        <p:spPr>
+          <a:xfrm>
+            <a:off x="413147" y="911898"/>
+            <a:ext cx="13804106" cy="1040191"/>
+          </a:xfrm>
+          <a:prstGeom prst="roundRect">
+            <a:avLst>
+              <a:gd name="adj" fmla="val 5316"/>
+            </a:avLst>
+          </a:prstGeom>
+          <a:solidFill>
+            <a:srgbClr val="F0EEEA"/>
+          </a:solidFill>
+          <a:ln/>
+        </p:spPr>
+        <p:txBody>
+          <a:bodyPr/>
+          <a:lstStyle/>
+          <a:p>
+            <a:endParaRPr lang="en-IN"/>
+          </a:p>
+        </p:txBody>
+      </p:sp>
+      <p:sp>
+        <p:nvSpPr>
+          <p:cNvPr id="6" name="Text 4">
+            <a:extLst>
+              <a:ext uri="{FF2B5EF4-FFF2-40B4-BE49-F238E27FC236}">
+                <a16:creationId xmlns:a16="http://schemas.microsoft.com/office/drawing/2014/main" id="{B79AE4C5-8BBE-8C78-9474-CDA8DCE13917}"/>
+              </a:ext>
+            </a:extLst>
+          </p:cNvPr>
+          <p:cNvSpPr/>
+          <p:nvPr/>
+        </p:nvSpPr>
+        <p:spPr>
+          <a:xfrm>
+            <a:off x="413147" y="1042588"/>
+            <a:ext cx="13579793" cy="755809"/>
+          </a:xfrm>
+          <a:prstGeom prst="rect">
+            <a:avLst/>
+          </a:prstGeom>
+          <a:noFill/>
+          <a:ln/>
+        </p:spPr>
+        <p:txBody>
+          <a:bodyPr wrap="square" lIns="0" tIns="0" rIns="0" bIns="0" rtlCol="0" anchor="t"/>
+          <a:lstStyle/>
+          <a:p>
+            <a:pPr>
+              <a:lnSpc>
+                <a:spcPts val="1450"/>
+              </a:lnSpc>
+            </a:pPr>
+            <a:r>
+              <a:rPr lang="en-US" sz="1400" dirty="0">
+                <a:solidFill>
+                  <a:srgbClr val="4C4C4C"/>
+                </a:solidFill>
+                <a:latin typeface="Consolas" pitchFamily="34" charset="0"/>
+                <a:ea typeface="Consolas" pitchFamily="34" charset="-122"/>
+                <a:cs typeface="Consolas" pitchFamily="34" charset="-120"/>
+              </a:rPr>
+              <a:t> select </a:t>
+            </a:r>
+            <a:r>
+              <a:rPr lang="en-US" sz="1400" dirty="0" err="1">
+                <a:solidFill>
+                  <a:srgbClr val="4C4C4C"/>
+                </a:solidFill>
+                <a:latin typeface="Consolas" pitchFamily="34" charset="0"/>
+                <a:ea typeface="Consolas" pitchFamily="34" charset="-122"/>
+                <a:cs typeface="Consolas" pitchFamily="34" charset="-120"/>
+              </a:rPr>
+              <a:t>job_role,count</a:t>
+            </a:r>
+            <a:r>
+              <a:rPr lang="en-US" sz="1400" dirty="0">
+                <a:solidFill>
+                  <a:srgbClr val="4C4C4C"/>
+                </a:solidFill>
+                <a:latin typeface="Consolas" pitchFamily="34" charset="0"/>
+                <a:ea typeface="Consolas" pitchFamily="34" charset="-122"/>
+                <a:cs typeface="Consolas" pitchFamily="34" charset="-120"/>
+              </a:rPr>
+              <a:t>(*) as </a:t>
+            </a:r>
+            <a:r>
+              <a:rPr lang="en-US" sz="1400" dirty="0" err="1">
+                <a:solidFill>
+                  <a:srgbClr val="4C4C4C"/>
+                </a:solidFill>
+                <a:latin typeface="Consolas" pitchFamily="34" charset="0"/>
+                <a:ea typeface="Consolas" pitchFamily="34" charset="-122"/>
+                <a:cs typeface="Consolas" pitchFamily="34" charset="-120"/>
+              </a:rPr>
+              <a:t>Number_of_application</a:t>
+            </a:r>
+            <a:r>
+              <a:rPr lang="en-US" sz="1400" dirty="0">
+                <a:solidFill>
+                  <a:srgbClr val="4C4C4C"/>
+                </a:solidFill>
+                <a:latin typeface="Consolas" pitchFamily="34" charset="0"/>
+                <a:ea typeface="Consolas" pitchFamily="34" charset="-122"/>
+                <a:cs typeface="Consolas" pitchFamily="34" charset="-120"/>
+              </a:rPr>
+              <a:t>           </a:t>
+            </a:r>
+          </a:p>
+          <a:p>
+            <a:pPr>
+              <a:lnSpc>
+                <a:spcPts val="1450"/>
+              </a:lnSpc>
+            </a:pPr>
+            <a:r>
+              <a:rPr lang="en-US" sz="1400" dirty="0">
+                <a:solidFill>
+                  <a:srgbClr val="4C4C4C"/>
+                </a:solidFill>
+                <a:latin typeface="Consolas" pitchFamily="34" charset="0"/>
+                <a:ea typeface="Consolas" pitchFamily="34" charset="-122"/>
+                <a:cs typeface="Consolas" pitchFamily="34" charset="-120"/>
+              </a:rPr>
+              <a:t> from applications           </a:t>
+            </a:r>
+          </a:p>
+          <a:p>
+            <a:pPr>
+              <a:lnSpc>
+                <a:spcPts val="1450"/>
+              </a:lnSpc>
+            </a:pPr>
+            <a:r>
+              <a:rPr lang="en-US" sz="1400" dirty="0">
+                <a:solidFill>
+                  <a:srgbClr val="4C4C4C"/>
+                </a:solidFill>
+                <a:latin typeface="Consolas" pitchFamily="34" charset="0"/>
+                <a:ea typeface="Consolas" pitchFamily="34" charset="-122"/>
+                <a:cs typeface="Consolas" pitchFamily="34" charset="-120"/>
+              </a:rPr>
+              <a:t> group by </a:t>
+            </a:r>
+            <a:r>
+              <a:rPr lang="en-US" sz="1400" dirty="0" err="1">
+                <a:solidFill>
+                  <a:srgbClr val="4C4C4C"/>
+                </a:solidFill>
+                <a:latin typeface="Consolas" pitchFamily="34" charset="0"/>
+                <a:ea typeface="Consolas" pitchFamily="34" charset="-122"/>
+                <a:cs typeface="Consolas" pitchFamily="34" charset="-120"/>
+              </a:rPr>
+              <a:t>job_role</a:t>
+            </a:r>
+            <a:r>
+              <a:rPr lang="en-US" sz="1400" dirty="0">
+                <a:solidFill>
+                  <a:srgbClr val="4C4C4C"/>
+                </a:solidFill>
+                <a:latin typeface="Consolas" pitchFamily="34" charset="0"/>
+                <a:ea typeface="Consolas" pitchFamily="34" charset="-122"/>
+                <a:cs typeface="Consolas" pitchFamily="34" charset="-120"/>
+              </a:rPr>
+              <a:t>           </a:t>
+            </a:r>
+          </a:p>
+          <a:p>
+            <a:pPr>
+              <a:lnSpc>
+                <a:spcPts val="1450"/>
+              </a:lnSpc>
+            </a:pPr>
+            <a:r>
+              <a:rPr lang="en-US" sz="1400" dirty="0">
+                <a:solidFill>
+                  <a:srgbClr val="4C4C4C"/>
+                </a:solidFill>
+                <a:latin typeface="Consolas" pitchFamily="34" charset="0"/>
+                <a:ea typeface="Consolas" pitchFamily="34" charset="-122"/>
+                <a:cs typeface="Consolas" pitchFamily="34" charset="-120"/>
+              </a:rPr>
+              <a:t> order by </a:t>
+            </a:r>
+            <a:r>
+              <a:rPr lang="en-US" sz="1400" dirty="0" err="1">
+                <a:solidFill>
+                  <a:srgbClr val="4C4C4C"/>
+                </a:solidFill>
+                <a:latin typeface="Consolas" pitchFamily="34" charset="0"/>
+                <a:ea typeface="Consolas" pitchFamily="34" charset="-122"/>
+                <a:cs typeface="Consolas" pitchFamily="34" charset="-120"/>
+              </a:rPr>
+              <a:t>Number_of_application</a:t>
+            </a:r>
+            <a:r>
+              <a:rPr lang="en-US" sz="1400" dirty="0">
+                <a:solidFill>
+                  <a:srgbClr val="4C4C4C"/>
+                </a:solidFill>
+                <a:latin typeface="Consolas" pitchFamily="34" charset="0"/>
+                <a:ea typeface="Consolas" pitchFamily="34" charset="-122"/>
+                <a:cs typeface="Consolas" pitchFamily="34" charset="-120"/>
+              </a:rPr>
+              <a:t> desc limit 5;</a:t>
+            </a:r>
+            <a:endParaRPr lang="en-US" sz="1400" dirty="0"/>
+          </a:p>
+        </p:txBody>
+      </p:sp>
+      <p:sp>
+        <p:nvSpPr>
+          <p:cNvPr id="8" name="Shape 5">
+            <a:extLst>
+              <a:ext uri="{FF2B5EF4-FFF2-40B4-BE49-F238E27FC236}">
+                <a16:creationId xmlns:a16="http://schemas.microsoft.com/office/drawing/2014/main" id="{6440796D-4271-4FE9-CA4C-D510828FBE8A}"/>
+              </a:ext>
+            </a:extLst>
+          </p:cNvPr>
+          <p:cNvSpPr/>
+          <p:nvPr/>
+        </p:nvSpPr>
+        <p:spPr>
+          <a:xfrm>
+            <a:off x="3132892" y="9928860"/>
+            <a:ext cx="117991" cy="117991"/>
+          </a:xfrm>
+          <a:prstGeom prst="roundRect">
+            <a:avLst>
+              <a:gd name="adj" fmla="val 15499"/>
+            </a:avLst>
+          </a:prstGeom>
+          <a:solidFill>
+            <a:srgbClr val="2B2722"/>
+          </a:solidFill>
+          <a:ln/>
+        </p:spPr>
+        <p:txBody>
+          <a:bodyPr/>
+          <a:lstStyle/>
+          <a:p>
+            <a:endParaRPr lang="en-IN"/>
+          </a:p>
+        </p:txBody>
+      </p:sp>
+      <p:sp>
+        <p:nvSpPr>
+          <p:cNvPr id="9" name="Text 6">
+            <a:extLst>
+              <a:ext uri="{FF2B5EF4-FFF2-40B4-BE49-F238E27FC236}">
+                <a16:creationId xmlns:a16="http://schemas.microsoft.com/office/drawing/2014/main" id="{BE37AB67-C718-E554-2567-FF54225CBB78}"/>
+              </a:ext>
+            </a:extLst>
+          </p:cNvPr>
+          <p:cNvSpPr/>
+          <p:nvPr/>
+        </p:nvSpPr>
+        <p:spPr>
+          <a:xfrm>
+            <a:off x="3311843" y="9928860"/>
+            <a:ext cx="438031" cy="118110"/>
+          </a:xfrm>
+          <a:prstGeom prst="rect">
+            <a:avLst/>
+          </a:prstGeom>
+          <a:noFill/>
+          <a:ln/>
+        </p:spPr>
+        <p:txBody>
+          <a:bodyPr wrap="none" lIns="0" tIns="0" rIns="0" bIns="0" rtlCol="0" anchor="t"/>
+          <a:lstStyle/>
+          <a:p>
+            <a:pPr marL="0" indent="0" algn="l">
+              <a:lnSpc>
+                <a:spcPts val="900"/>
+              </a:lnSpc>
+              <a:buNone/>
+            </a:pPr>
+            <a:r>
+              <a:rPr lang="en-US" sz="900" dirty="0">
+                <a:solidFill>
+                  <a:srgbClr val="4C4C4C"/>
+                </a:solidFill>
+                <a:latin typeface="Noto Serif" pitchFamily="34" charset="0"/>
+                <a:ea typeface="Noto Serif" pitchFamily="34" charset="-122"/>
+                <a:cs typeface="Noto Serif" pitchFamily="34" charset="-120"/>
+              </a:rPr>
+              <a:t>Applied</a:t>
+            </a:r>
+            <a:endParaRPr lang="en-US" sz="900" dirty="0"/>
+          </a:p>
+        </p:txBody>
+      </p:sp>
+      <p:sp>
+        <p:nvSpPr>
+          <p:cNvPr id="10" name="Shape 7">
+            <a:extLst>
+              <a:ext uri="{FF2B5EF4-FFF2-40B4-BE49-F238E27FC236}">
+                <a16:creationId xmlns:a16="http://schemas.microsoft.com/office/drawing/2014/main" id="{31536128-F1B4-5082-8047-B36B844CAAF2}"/>
+              </a:ext>
+            </a:extLst>
+          </p:cNvPr>
+          <p:cNvSpPr/>
+          <p:nvPr/>
+        </p:nvSpPr>
+        <p:spPr>
+          <a:xfrm>
+            <a:off x="5205889" y="9928860"/>
+            <a:ext cx="117991" cy="117991"/>
+          </a:xfrm>
+          <a:prstGeom prst="roundRect">
+            <a:avLst>
+              <a:gd name="adj" fmla="val 15499"/>
+            </a:avLst>
+          </a:prstGeom>
+          <a:solidFill>
+            <a:srgbClr val="5D554A"/>
+          </a:solidFill>
+          <a:ln/>
+        </p:spPr>
+        <p:txBody>
+          <a:bodyPr/>
+          <a:lstStyle/>
+          <a:p>
+            <a:endParaRPr lang="en-IN"/>
+          </a:p>
+        </p:txBody>
+      </p:sp>
+      <p:sp>
+        <p:nvSpPr>
+          <p:cNvPr id="11" name="Text 8">
+            <a:extLst>
+              <a:ext uri="{FF2B5EF4-FFF2-40B4-BE49-F238E27FC236}">
+                <a16:creationId xmlns:a16="http://schemas.microsoft.com/office/drawing/2014/main" id="{902E6502-A078-D091-EFFD-F94AB73C70B1}"/>
+              </a:ext>
+            </a:extLst>
+          </p:cNvPr>
+          <p:cNvSpPr/>
+          <p:nvPr/>
+        </p:nvSpPr>
+        <p:spPr>
+          <a:xfrm>
+            <a:off x="5384840" y="9928860"/>
+            <a:ext cx="550545" cy="118110"/>
+          </a:xfrm>
+          <a:prstGeom prst="rect">
+            <a:avLst/>
+          </a:prstGeom>
+          <a:noFill/>
+          <a:ln/>
+        </p:spPr>
+        <p:txBody>
+          <a:bodyPr wrap="none" lIns="0" tIns="0" rIns="0" bIns="0" rtlCol="0" anchor="t"/>
+          <a:lstStyle/>
+          <a:p>
+            <a:pPr marL="0" indent="0" algn="l">
+              <a:lnSpc>
+                <a:spcPts val="900"/>
+              </a:lnSpc>
+              <a:buNone/>
+            </a:pPr>
+            <a:r>
+              <a:rPr lang="en-US" sz="900" dirty="0">
+                <a:solidFill>
+                  <a:srgbClr val="4C4C4C"/>
+                </a:solidFill>
+                <a:latin typeface="Noto Serif" pitchFamily="34" charset="0"/>
+                <a:ea typeface="Noto Serif" pitchFamily="34" charset="-122"/>
+                <a:cs typeface="Noto Serif" pitchFamily="34" charset="-120"/>
+              </a:rPr>
+              <a:t>Interview</a:t>
+            </a:r>
+            <a:endParaRPr lang="en-US" sz="900" dirty="0"/>
+          </a:p>
+        </p:txBody>
+      </p:sp>
+      <p:sp>
+        <p:nvSpPr>
+          <p:cNvPr id="12" name="Shape 9">
+            <a:extLst>
+              <a:ext uri="{FF2B5EF4-FFF2-40B4-BE49-F238E27FC236}">
+                <a16:creationId xmlns:a16="http://schemas.microsoft.com/office/drawing/2014/main" id="{6175E156-484A-DAE4-7FFD-8708E8C2ED42}"/>
+              </a:ext>
+            </a:extLst>
+          </p:cNvPr>
+          <p:cNvSpPr/>
+          <p:nvPr/>
+        </p:nvSpPr>
+        <p:spPr>
+          <a:xfrm>
+            <a:off x="8733115" y="9928860"/>
+            <a:ext cx="117991" cy="117991"/>
+          </a:xfrm>
+          <a:prstGeom prst="roundRect">
+            <a:avLst>
+              <a:gd name="adj" fmla="val 15499"/>
+            </a:avLst>
+          </a:prstGeom>
+          <a:solidFill>
+            <a:srgbClr val="8F8473"/>
+          </a:solidFill>
+          <a:ln/>
+        </p:spPr>
+        <p:txBody>
+          <a:bodyPr/>
+          <a:lstStyle/>
+          <a:p>
+            <a:endParaRPr lang="en-IN"/>
+          </a:p>
+        </p:txBody>
+      </p:sp>
+      <p:sp>
+        <p:nvSpPr>
+          <p:cNvPr id="13" name="Text 10">
+            <a:extLst>
+              <a:ext uri="{FF2B5EF4-FFF2-40B4-BE49-F238E27FC236}">
+                <a16:creationId xmlns:a16="http://schemas.microsoft.com/office/drawing/2014/main" id="{9C368220-6E2B-70D9-D48B-DEADD42B3CC7}"/>
+              </a:ext>
+            </a:extLst>
+          </p:cNvPr>
+          <p:cNvSpPr/>
+          <p:nvPr/>
+        </p:nvSpPr>
+        <p:spPr>
+          <a:xfrm>
+            <a:off x="8912066" y="9928860"/>
+            <a:ext cx="474226" cy="118110"/>
+          </a:xfrm>
+          <a:prstGeom prst="rect">
+            <a:avLst/>
+          </a:prstGeom>
+          <a:noFill/>
+          <a:ln/>
+        </p:spPr>
+        <p:txBody>
+          <a:bodyPr wrap="none" lIns="0" tIns="0" rIns="0" bIns="0" rtlCol="0" anchor="t"/>
+          <a:lstStyle/>
+          <a:p>
+            <a:pPr marL="0" indent="0" algn="l">
+              <a:lnSpc>
+                <a:spcPts val="900"/>
+              </a:lnSpc>
+              <a:buNone/>
+            </a:pPr>
+            <a:r>
+              <a:rPr lang="en-US" sz="900" dirty="0">
+                <a:solidFill>
+                  <a:srgbClr val="4C4C4C"/>
+                </a:solidFill>
+                <a:latin typeface="Noto Serif" pitchFamily="34" charset="0"/>
+                <a:ea typeface="Noto Serif" pitchFamily="34" charset="-122"/>
+                <a:cs typeface="Noto Serif" pitchFamily="34" charset="-120"/>
+              </a:rPr>
+              <a:t>Rejected</a:t>
+            </a:r>
+            <a:endParaRPr lang="en-US" sz="900" dirty="0"/>
+          </a:p>
+        </p:txBody>
+      </p:sp>
+      <p:sp>
+        <p:nvSpPr>
+          <p:cNvPr id="14" name="Shape 11">
+            <a:extLst>
+              <a:ext uri="{FF2B5EF4-FFF2-40B4-BE49-F238E27FC236}">
+                <a16:creationId xmlns:a16="http://schemas.microsoft.com/office/drawing/2014/main" id="{58BC96F2-C0CF-8D66-481E-75E4ED1D2359}"/>
+              </a:ext>
+            </a:extLst>
+          </p:cNvPr>
+          <p:cNvSpPr/>
+          <p:nvPr/>
+        </p:nvSpPr>
+        <p:spPr>
+          <a:xfrm>
+            <a:off x="10880527" y="9928860"/>
+            <a:ext cx="117991" cy="117991"/>
+          </a:xfrm>
+          <a:prstGeom prst="roundRect">
+            <a:avLst>
+              <a:gd name="adj" fmla="val 15499"/>
+            </a:avLst>
+          </a:prstGeom>
+          <a:solidFill>
+            <a:srgbClr val="B7B0A5"/>
+          </a:solidFill>
+          <a:ln/>
+        </p:spPr>
+        <p:txBody>
+          <a:bodyPr/>
+          <a:lstStyle/>
+          <a:p>
+            <a:endParaRPr lang="en-IN"/>
+          </a:p>
+        </p:txBody>
+      </p:sp>
+      <p:sp>
+        <p:nvSpPr>
+          <p:cNvPr id="15" name="Text 12">
+            <a:extLst>
+              <a:ext uri="{FF2B5EF4-FFF2-40B4-BE49-F238E27FC236}">
+                <a16:creationId xmlns:a16="http://schemas.microsoft.com/office/drawing/2014/main" id="{96A1F2D1-4918-C7DC-4D98-6624983795C5}"/>
+              </a:ext>
+            </a:extLst>
+          </p:cNvPr>
+          <p:cNvSpPr/>
+          <p:nvPr/>
+        </p:nvSpPr>
+        <p:spPr>
+          <a:xfrm>
+            <a:off x="11059478" y="9928860"/>
+            <a:ext cx="293370" cy="118110"/>
+          </a:xfrm>
+          <a:prstGeom prst="rect">
+            <a:avLst/>
+          </a:prstGeom>
+          <a:noFill/>
+          <a:ln/>
+        </p:spPr>
+        <p:txBody>
+          <a:bodyPr wrap="none" lIns="0" tIns="0" rIns="0" bIns="0" rtlCol="0" anchor="t"/>
+          <a:lstStyle/>
+          <a:p>
+            <a:pPr marL="0" indent="0" algn="l">
+              <a:lnSpc>
+                <a:spcPts val="900"/>
+              </a:lnSpc>
+              <a:buNone/>
+            </a:pPr>
+            <a:r>
+              <a:rPr lang="en-US" sz="900" dirty="0">
+                <a:solidFill>
+                  <a:srgbClr val="4C4C4C"/>
+                </a:solidFill>
+                <a:latin typeface="Noto Serif" pitchFamily="34" charset="0"/>
+                <a:ea typeface="Noto Serif" pitchFamily="34" charset="-122"/>
+                <a:cs typeface="Noto Serif" pitchFamily="34" charset="-120"/>
+              </a:rPr>
+              <a:t>Offer</a:t>
+            </a:r>
+            <a:endParaRPr lang="en-US" sz="900" dirty="0"/>
+          </a:p>
+        </p:txBody>
+      </p:sp>
+      <p:sp>
+        <p:nvSpPr>
+          <p:cNvPr id="16" name="Text 13">
+            <a:extLst>
+              <a:ext uri="{FF2B5EF4-FFF2-40B4-BE49-F238E27FC236}">
+                <a16:creationId xmlns:a16="http://schemas.microsoft.com/office/drawing/2014/main" id="{BE2D3EF7-C77A-9E87-7540-F0F4EA7CE5D5}"/>
+              </a:ext>
+            </a:extLst>
+          </p:cNvPr>
+          <p:cNvSpPr/>
+          <p:nvPr/>
+        </p:nvSpPr>
+        <p:spPr>
+          <a:xfrm>
+            <a:off x="413147" y="10179725"/>
             <a:ext cx="13804106" cy="188952"/>
           </a:xfrm>
           <a:prstGeom prst="rect">
@@ -3236,180 +4036,8 @@
                 <a:ea typeface="Noto Serif" pitchFamily="34" charset="-122"/>
                 <a:cs typeface="Noto Serif" pitchFamily="34" charset="-120"/>
               </a:rPr>
-              <a:t>Total applications by status across all submissions</a:t>
-            </a:r>
-            <a:endParaRPr lang="en-US" sz="900" dirty="0"/>
-          </a:p>
-        </p:txBody>
-      </p:sp>
-      <p:sp>
-        <p:nvSpPr>
-          <p:cNvPr id="4" name="Shape 2">
-            <a:extLst>
-              <a:ext uri="{FF2B5EF4-FFF2-40B4-BE49-F238E27FC236}">
-                <a16:creationId xmlns:a16="http://schemas.microsoft.com/office/drawing/2014/main" id="{01ED1302-326B-2D59-862C-8186A9F3FFEF}"/>
-              </a:ext>
-            </a:extLst>
-          </p:cNvPr>
-          <p:cNvSpPr/>
-          <p:nvPr/>
-        </p:nvSpPr>
-        <p:spPr>
-          <a:xfrm>
-            <a:off x="413147" y="1251228"/>
-            <a:ext cx="13804106" cy="932736"/>
-          </a:xfrm>
-          <a:prstGeom prst="roundRect">
-            <a:avLst>
-              <a:gd name="adj" fmla="val 5316"/>
-            </a:avLst>
-          </a:prstGeom>
-          <a:solidFill>
-            <a:srgbClr val="F0EEEA"/>
-          </a:solidFill>
-          <a:ln/>
-        </p:spPr>
-      </p:sp>
-      <p:sp>
-        <p:nvSpPr>
-          <p:cNvPr id="5" name="Shape 3">
-            <a:extLst>
-              <a:ext uri="{FF2B5EF4-FFF2-40B4-BE49-F238E27FC236}">
-                <a16:creationId xmlns:a16="http://schemas.microsoft.com/office/drawing/2014/main" id="{63F10A0B-7A8D-0585-0837-BE9466089377}"/>
-              </a:ext>
-            </a:extLst>
-          </p:cNvPr>
-          <p:cNvSpPr/>
-          <p:nvPr/>
-        </p:nvSpPr>
-        <p:spPr>
-          <a:xfrm>
-            <a:off x="407313" y="1251228"/>
-            <a:ext cx="13815774" cy="932736"/>
-          </a:xfrm>
-          <a:prstGeom prst="roundRect">
-            <a:avLst>
-              <a:gd name="adj" fmla="val 1899"/>
-            </a:avLst>
-          </a:prstGeom>
-          <a:solidFill>
-            <a:srgbClr val="F0EEEA"/>
-          </a:solidFill>
-          <a:ln/>
-        </p:spPr>
-      </p:sp>
-      <p:sp>
-        <p:nvSpPr>
-          <p:cNvPr id="6" name="Text 4">
-            <a:extLst>
-              <a:ext uri="{FF2B5EF4-FFF2-40B4-BE49-F238E27FC236}">
-                <a16:creationId xmlns:a16="http://schemas.microsoft.com/office/drawing/2014/main" id="{B4621515-4659-4350-478A-9136B4112330}"/>
-              </a:ext>
-            </a:extLst>
-          </p:cNvPr>
-          <p:cNvSpPr/>
-          <p:nvPr/>
-        </p:nvSpPr>
-        <p:spPr>
-          <a:xfrm>
-            <a:off x="525304" y="1339691"/>
-            <a:ext cx="13579793" cy="755809"/>
-          </a:xfrm>
-          <a:prstGeom prst="rect">
-            <a:avLst/>
-          </a:prstGeom>
-          <a:noFill/>
-          <a:ln/>
-        </p:spPr>
-        <p:txBody>
-          <a:bodyPr wrap="square" lIns="0" tIns="0" rIns="0" bIns="0" rtlCol="0" anchor="t"/>
-          <a:lstStyle/>
-          <a:p>
-            <a:pPr marL="0" indent="0" algn="l">
-              <a:lnSpc>
-                <a:spcPts val="1450"/>
-              </a:lnSpc>
-              <a:buNone/>
-            </a:pPr>
-            <a:r>
-              <a:rPr lang="en-US" sz="900" dirty="0">
-                <a:solidFill>
-                  <a:srgbClr val="4C4C4C"/>
-                </a:solidFill>
-                <a:highlight>
-                  <a:srgbClr val="F0EEEA"/>
-                </a:highlight>
-                <a:latin typeface="Consolas" pitchFamily="34" charset="0"/>
-                <a:ea typeface="Consolas" pitchFamily="34" charset="-122"/>
-                <a:cs typeface="Consolas" pitchFamily="34" charset="-120"/>
-              </a:rPr>
-              <a:t>SELECT status, COUNT(*) as total_countFROM applicationsGROUP BY statusORDER BY total_count DESC;</a:t>
-            </a:r>
-            <a:endParaRPr lang="en-US" sz="900" dirty="0"/>
-          </a:p>
-        </p:txBody>
-      </p:sp>
-      <p:sp>
-        <p:nvSpPr>
-          <p:cNvPr id="8" name="Shape 5">
-            <a:extLst>
-              <a:ext uri="{FF2B5EF4-FFF2-40B4-BE49-F238E27FC236}">
-                <a16:creationId xmlns:a16="http://schemas.microsoft.com/office/drawing/2014/main" id="{F04600AF-ADE6-8B12-CC00-8B0F74DFC728}"/>
-              </a:ext>
-            </a:extLst>
-          </p:cNvPr>
-          <p:cNvSpPr/>
-          <p:nvPr/>
-        </p:nvSpPr>
-        <p:spPr>
-          <a:xfrm>
-            <a:off x="3132892" y="9928860"/>
-            <a:ext cx="117991" cy="117991"/>
-          </a:xfrm>
-          <a:prstGeom prst="roundRect">
-            <a:avLst>
-              <a:gd name="adj" fmla="val 15499"/>
-            </a:avLst>
-          </a:prstGeom>
-          <a:solidFill>
-            <a:srgbClr val="2B2722"/>
-          </a:solidFill>
-          <a:ln/>
-        </p:spPr>
-      </p:sp>
-      <p:sp>
-        <p:nvSpPr>
-          <p:cNvPr id="9" name="Text 6">
-            <a:extLst>
-              <a:ext uri="{FF2B5EF4-FFF2-40B4-BE49-F238E27FC236}">
-                <a16:creationId xmlns:a16="http://schemas.microsoft.com/office/drawing/2014/main" id="{85828537-2B11-C025-4CBB-07EDBD1B52B8}"/>
-              </a:ext>
-            </a:extLst>
-          </p:cNvPr>
-          <p:cNvSpPr/>
-          <p:nvPr/>
-        </p:nvSpPr>
-        <p:spPr>
-          <a:xfrm>
-            <a:off x="3311843" y="9928860"/>
-            <a:ext cx="438031" cy="118110"/>
-          </a:xfrm>
-          <a:prstGeom prst="rect">
-            <a:avLst/>
-          </a:prstGeom>
-          <a:noFill/>
-          <a:ln/>
-        </p:spPr>
-        <p:txBody>
-          <a:bodyPr wrap="none" lIns="0" tIns="0" rIns="0" bIns="0" rtlCol="0" anchor="t"/>
-          <a:lstStyle/>
-          <a:p>
-            <a:pPr marL="0" indent="0" algn="l">
-              <a:lnSpc>
-                <a:spcPts val="900"/>
-              </a:lnSpc>
-              <a:buNone/>
-            </a:pPr>
+              <a:t>Key Insight:</a:t>
+            </a:r>
             <a:r>
               <a:rPr lang="en-US" sz="900" dirty="0">
                 <a:solidFill>
@@ -3419,7 +4047,7 @@
                 <a:ea typeface="Noto Serif" pitchFamily="34" charset="-122"/>
                 <a:cs typeface="Noto Serif" pitchFamily="34" charset="-120"/>
               </a:rPr>
-              <a:t>Applied</a:t>
+              <a:t> 45 applications remain in progress, while 28 rejections indicate competitive screening processes requiring strategic focus.</a:t>
             </a:r>
             <a:endParaRPr lang="en-US" sz="900" dirty="0"/>
           </a:p>
@@ -3427,48 +4055,20 @@
       </p:sp>
       <p:sp>
         <p:nvSpPr>
-          <p:cNvPr id="10" name="Shape 7">
-            <a:extLst>
-              <a:ext uri="{FF2B5EF4-FFF2-40B4-BE49-F238E27FC236}">
-                <a16:creationId xmlns:a16="http://schemas.microsoft.com/office/drawing/2014/main" id="{54F4021B-5ACA-FA45-1709-8DBB1966EF60}"/>
-              </a:ext>
-            </a:extLst>
-          </p:cNvPr>
-          <p:cNvSpPr/>
-          <p:nvPr/>
-        </p:nvSpPr>
-        <p:spPr>
-          <a:xfrm>
-            <a:off x="5205889" y="9928860"/>
-            <a:ext cx="117991" cy="117991"/>
-          </a:xfrm>
-          <a:prstGeom prst="roundRect">
-            <a:avLst>
-              <a:gd name="adj" fmla="val 15499"/>
-            </a:avLst>
-          </a:prstGeom>
-          <a:solidFill>
-            <a:srgbClr val="5D554A"/>
-          </a:solidFill>
-          <a:ln/>
-        </p:spPr>
-      </p:sp>
-      <p:sp>
-        <p:nvSpPr>
-          <p:cNvPr id="11" name="Text 8">
-            <a:extLst>
-              <a:ext uri="{FF2B5EF4-FFF2-40B4-BE49-F238E27FC236}">
-                <a16:creationId xmlns:a16="http://schemas.microsoft.com/office/drawing/2014/main" id="{CCA723E5-EF13-D4BE-DEF5-20AEBE7AF7CF}"/>
-              </a:ext>
-            </a:extLst>
-          </p:cNvPr>
-          <p:cNvSpPr/>
-          <p:nvPr/>
-        </p:nvSpPr>
-        <p:spPr>
-          <a:xfrm>
-            <a:off x="5384840" y="9928860"/>
-            <a:ext cx="550545" cy="118110"/>
+          <p:cNvPr id="17" name="Text 6">
+            <a:extLst>
+              <a:ext uri="{FF2B5EF4-FFF2-40B4-BE49-F238E27FC236}">
+                <a16:creationId xmlns:a16="http://schemas.microsoft.com/office/drawing/2014/main" id="{F502B1E2-81DD-B095-F640-52587F9C290D}"/>
+              </a:ext>
+            </a:extLst>
+          </p:cNvPr>
+          <p:cNvSpPr/>
+          <p:nvPr/>
+        </p:nvSpPr>
+        <p:spPr>
+          <a:xfrm>
+            <a:off x="668042" y="7587461"/>
+            <a:ext cx="13042821" cy="362903"/>
           </a:xfrm>
           <a:prstGeom prst="rect">
             <a:avLst/>
@@ -3480,292 +4080,44 @@
           <a:bodyPr wrap="none" lIns="0" tIns="0" rIns="0" bIns="0" rtlCol="0" anchor="t"/>
           <a:lstStyle/>
           <a:p>
-            <a:pPr marL="0" indent="0" algn="l">
-              <a:lnSpc>
-                <a:spcPts val="900"/>
-              </a:lnSpc>
-              <a:buNone/>
-            </a:pPr>
-            <a:r>
-              <a:rPr lang="en-US" sz="900" dirty="0">
-                <a:solidFill>
-                  <a:srgbClr val="4C4C4C"/>
-                </a:solidFill>
-                <a:latin typeface="Noto Serif" pitchFamily="34" charset="0"/>
-                <a:ea typeface="Noto Serif" pitchFamily="34" charset="-122"/>
-                <a:cs typeface="Noto Serif" pitchFamily="34" charset="-120"/>
-              </a:rPr>
-              <a:t>Interview</a:t>
-            </a:r>
-            <a:endParaRPr lang="en-US" sz="900" dirty="0"/>
-          </a:p>
-        </p:txBody>
-      </p:sp>
-      <p:sp>
-        <p:nvSpPr>
-          <p:cNvPr id="12" name="Shape 9">
-            <a:extLst>
-              <a:ext uri="{FF2B5EF4-FFF2-40B4-BE49-F238E27FC236}">
-                <a16:creationId xmlns:a16="http://schemas.microsoft.com/office/drawing/2014/main" id="{B785F6E9-ABB2-1E38-E43A-DF9AB9F52C26}"/>
-              </a:ext>
-            </a:extLst>
-          </p:cNvPr>
-          <p:cNvSpPr/>
-          <p:nvPr/>
-        </p:nvSpPr>
-        <p:spPr>
-          <a:xfrm>
-            <a:off x="8733115" y="9928860"/>
-            <a:ext cx="117991" cy="117991"/>
-          </a:xfrm>
-          <a:prstGeom prst="roundRect">
-            <a:avLst>
-              <a:gd name="adj" fmla="val 15499"/>
-            </a:avLst>
-          </a:prstGeom>
-          <a:solidFill>
-            <a:srgbClr val="8F8473"/>
-          </a:solidFill>
-          <a:ln/>
-        </p:spPr>
-      </p:sp>
-      <p:sp>
-        <p:nvSpPr>
-          <p:cNvPr id="13" name="Text 10">
-            <a:extLst>
-              <a:ext uri="{FF2B5EF4-FFF2-40B4-BE49-F238E27FC236}">
-                <a16:creationId xmlns:a16="http://schemas.microsoft.com/office/drawing/2014/main" id="{1173FA5B-1ABC-F86D-C5D1-0EBB25A80F59}"/>
-              </a:ext>
-            </a:extLst>
-          </p:cNvPr>
-          <p:cNvSpPr/>
-          <p:nvPr/>
-        </p:nvSpPr>
-        <p:spPr>
-          <a:xfrm>
-            <a:off x="8912066" y="9928860"/>
-            <a:ext cx="474226" cy="118110"/>
-          </a:xfrm>
-          <a:prstGeom prst="rect">
-            <a:avLst/>
-          </a:prstGeom>
-          <a:noFill/>
-          <a:ln/>
-        </p:spPr>
-        <p:txBody>
-          <a:bodyPr wrap="none" lIns="0" tIns="0" rIns="0" bIns="0" rtlCol="0" anchor="t"/>
-          <a:lstStyle/>
-          <a:p>
-            <a:pPr marL="0" indent="0" algn="l">
-              <a:lnSpc>
-                <a:spcPts val="900"/>
-              </a:lnSpc>
-              <a:buNone/>
-            </a:pPr>
-            <a:r>
-              <a:rPr lang="en-US" sz="900" dirty="0">
-                <a:solidFill>
-                  <a:srgbClr val="4C4C4C"/>
-                </a:solidFill>
-                <a:latin typeface="Noto Serif" pitchFamily="34" charset="0"/>
-                <a:ea typeface="Noto Serif" pitchFamily="34" charset="-122"/>
-                <a:cs typeface="Noto Serif" pitchFamily="34" charset="-120"/>
-              </a:rPr>
-              <a:t>Rejected</a:t>
-            </a:r>
-            <a:endParaRPr lang="en-US" sz="900" dirty="0"/>
-          </a:p>
-        </p:txBody>
-      </p:sp>
-      <p:sp>
-        <p:nvSpPr>
-          <p:cNvPr id="14" name="Shape 11">
-            <a:extLst>
-              <a:ext uri="{FF2B5EF4-FFF2-40B4-BE49-F238E27FC236}">
-                <a16:creationId xmlns:a16="http://schemas.microsoft.com/office/drawing/2014/main" id="{11440F47-6641-77A0-B094-F8A743937274}"/>
-              </a:ext>
-            </a:extLst>
-          </p:cNvPr>
-          <p:cNvSpPr/>
-          <p:nvPr/>
-        </p:nvSpPr>
-        <p:spPr>
-          <a:xfrm>
-            <a:off x="10880527" y="9928860"/>
-            <a:ext cx="117991" cy="117991"/>
-          </a:xfrm>
-          <a:prstGeom prst="roundRect">
-            <a:avLst>
-              <a:gd name="adj" fmla="val 15499"/>
-            </a:avLst>
-          </a:prstGeom>
-          <a:solidFill>
-            <a:srgbClr val="B7B0A5"/>
-          </a:solidFill>
-          <a:ln/>
-        </p:spPr>
-      </p:sp>
-      <p:sp>
-        <p:nvSpPr>
-          <p:cNvPr id="15" name="Text 12">
-            <a:extLst>
-              <a:ext uri="{FF2B5EF4-FFF2-40B4-BE49-F238E27FC236}">
-                <a16:creationId xmlns:a16="http://schemas.microsoft.com/office/drawing/2014/main" id="{DC145EAC-78EE-FA31-EDC7-42E95ABD91E5}"/>
-              </a:ext>
-            </a:extLst>
-          </p:cNvPr>
-          <p:cNvSpPr/>
-          <p:nvPr/>
-        </p:nvSpPr>
-        <p:spPr>
-          <a:xfrm>
-            <a:off x="11059478" y="9928860"/>
-            <a:ext cx="293370" cy="118110"/>
-          </a:xfrm>
-          <a:prstGeom prst="rect">
-            <a:avLst/>
-          </a:prstGeom>
-          <a:noFill/>
-          <a:ln/>
-        </p:spPr>
-        <p:txBody>
-          <a:bodyPr wrap="none" lIns="0" tIns="0" rIns="0" bIns="0" rtlCol="0" anchor="t"/>
-          <a:lstStyle/>
-          <a:p>
-            <a:pPr marL="0" indent="0" algn="l">
-              <a:lnSpc>
-                <a:spcPts val="900"/>
-              </a:lnSpc>
-              <a:buNone/>
-            </a:pPr>
-            <a:r>
-              <a:rPr lang="en-US" sz="900" dirty="0">
-                <a:solidFill>
-                  <a:srgbClr val="4C4C4C"/>
-                </a:solidFill>
-                <a:latin typeface="Noto Serif" pitchFamily="34" charset="0"/>
-                <a:ea typeface="Noto Serif" pitchFamily="34" charset="-122"/>
-                <a:cs typeface="Noto Serif" pitchFamily="34" charset="-120"/>
-              </a:rPr>
-              <a:t>Offer</a:t>
-            </a:r>
-            <a:endParaRPr lang="en-US" sz="900" dirty="0"/>
-          </a:p>
-        </p:txBody>
-      </p:sp>
-      <p:sp>
-        <p:nvSpPr>
-          <p:cNvPr id="16" name="Text 13">
-            <a:extLst>
-              <a:ext uri="{FF2B5EF4-FFF2-40B4-BE49-F238E27FC236}">
-                <a16:creationId xmlns:a16="http://schemas.microsoft.com/office/drawing/2014/main" id="{587AD856-5AF7-65AD-BF91-D22044CE4D7B}"/>
-              </a:ext>
-            </a:extLst>
-          </p:cNvPr>
-          <p:cNvSpPr/>
-          <p:nvPr/>
-        </p:nvSpPr>
-        <p:spPr>
-          <a:xfrm>
-            <a:off x="413147" y="10179725"/>
-            <a:ext cx="13804106" cy="188952"/>
-          </a:xfrm>
-          <a:prstGeom prst="rect">
-            <a:avLst/>
-          </a:prstGeom>
-          <a:noFill/>
-          <a:ln/>
-        </p:spPr>
-        <p:txBody>
-          <a:bodyPr wrap="none" lIns="0" tIns="0" rIns="0" bIns="0" rtlCol="0" anchor="t"/>
-          <a:lstStyle/>
-          <a:p>
-            <a:pPr marL="0" indent="0" algn="l">
-              <a:lnSpc>
-                <a:spcPts val="1450"/>
-              </a:lnSpc>
-              <a:buNone/>
-            </a:pPr>
-            <a:r>
-              <a:rPr lang="en-US" sz="900" b="1" dirty="0">
-                <a:solidFill>
-                  <a:srgbClr val="4C4C4C"/>
-                </a:solidFill>
-                <a:latin typeface="Noto Serif" pitchFamily="34" charset="0"/>
-                <a:ea typeface="Noto Serif" pitchFamily="34" charset="-122"/>
-                <a:cs typeface="Noto Serif" pitchFamily="34" charset="-120"/>
-              </a:rPr>
-              <a:t>Key Insight:</a:t>
-            </a:r>
-            <a:r>
-              <a:rPr lang="en-US" sz="900" dirty="0">
-                <a:solidFill>
-                  <a:srgbClr val="4C4C4C"/>
-                </a:solidFill>
-                <a:latin typeface="Noto Serif" pitchFamily="34" charset="0"/>
-                <a:ea typeface="Noto Serif" pitchFamily="34" charset="-122"/>
-                <a:cs typeface="Noto Serif" pitchFamily="34" charset="-120"/>
-              </a:rPr>
-              <a:t> 45 applications remain in progress, while 28 rejections indicate competitive screening processes requiring strategic focus.</a:t>
-            </a:r>
-            <a:endParaRPr lang="en-US" sz="900" dirty="0"/>
-          </a:p>
-        </p:txBody>
-      </p:sp>
-      <p:sp>
-        <p:nvSpPr>
-          <p:cNvPr id="17" name="Text 6">
-            <a:extLst>
-              <a:ext uri="{FF2B5EF4-FFF2-40B4-BE49-F238E27FC236}">
-                <a16:creationId xmlns:a16="http://schemas.microsoft.com/office/drawing/2014/main" id="{CEC7FF57-23D7-FD1B-93B1-3E58237BD41A}"/>
-              </a:ext>
-            </a:extLst>
-          </p:cNvPr>
-          <p:cNvSpPr/>
-          <p:nvPr/>
-        </p:nvSpPr>
-        <p:spPr>
-          <a:xfrm>
-            <a:off x="793790" y="6954798"/>
-            <a:ext cx="13042821" cy="362903"/>
-          </a:xfrm>
-          <a:prstGeom prst="rect">
-            <a:avLst/>
-          </a:prstGeom>
-          <a:noFill/>
-          <a:ln/>
-        </p:spPr>
-        <p:txBody>
-          <a:bodyPr wrap="none" lIns="0" tIns="0" rIns="0" bIns="0" rtlCol="0" anchor="t"/>
-          <a:lstStyle/>
-          <a:p>
-            <a:pPr marL="0" indent="0" algn="l">
+            <a:pPr>
               <a:lnSpc>
                 <a:spcPts val="2850"/>
               </a:lnSpc>
-              <a:buNone/>
             </a:pPr>
             <a:r>
               <a:rPr lang="en-US" sz="1750" b="1" dirty="0">
                 <a:solidFill>
                   <a:srgbClr val="4C4C4C"/>
                 </a:solidFill>
-                <a:latin typeface="Noto Serif" pitchFamily="34" charset="0"/>
                 <a:ea typeface="Noto Serif" pitchFamily="34" charset="-122"/>
                 <a:cs typeface="Noto Serif" pitchFamily="34" charset="-120"/>
               </a:rPr>
-              <a:t>Key Finding:</a:t>
+              <a:t>Key Finding :</a:t>
             </a:r>
             <a:r>
               <a:rPr lang="en-US" sz="1750" dirty="0">
                 <a:solidFill>
                   <a:srgbClr val="4C4C4C"/>
                 </a:solidFill>
-                <a:latin typeface="Noto Serif" pitchFamily="34" charset="0"/>
                 <a:ea typeface="Noto Serif" pitchFamily="34" charset="-122"/>
                 <a:cs typeface="Noto Serif" pitchFamily="34" charset="-120"/>
               </a:rPr>
-              <a:t> Large tech firms show 75% rejection rates; smaller startups average 45%, suggesting better fit potential.</a:t>
+              <a:t> </a:t>
+            </a:r>
+            <a:r>
+              <a:rPr lang="en-US" sz="1750" dirty="0"/>
+              <a:t>Data Analyst and AI Engineer roles are the most sought-after</a:t>
+            </a:r>
+            <a:r>
+              <a:rPr lang="en-US" sz="1750" dirty="0">
+                <a:solidFill>
+                  <a:srgbClr val="4C4C4C"/>
+                </a:solidFill>
+                <a:ea typeface="Noto Serif" pitchFamily="34" charset="-122"/>
+                <a:cs typeface="Noto Serif" pitchFamily="34" charset="-120"/>
+              </a:rPr>
+              <a:t>.</a:t>
             </a:r>
             <a:endParaRPr lang="en-US" sz="1750" dirty="0"/>
           </a:p>
@@ -3776,7 +4128,7 @@
           <p:cNvPr id="7" name="Rectangle 6">
             <a:extLst>
               <a:ext uri="{FF2B5EF4-FFF2-40B4-BE49-F238E27FC236}">
-                <a16:creationId xmlns:a16="http://schemas.microsoft.com/office/drawing/2014/main" id="{A9C8E5C3-AC6B-1476-6582-22E55B117E7B}"/>
+                <a16:creationId xmlns:a16="http://schemas.microsoft.com/office/drawing/2014/main" id="{F8760B8B-461A-C4B8-BFE5-2ECFCEDA6B79}"/>
               </a:ext>
             </a:extLst>
           </p:cNvPr>
@@ -3823,10 +4175,51 @@
           </a:p>
         </p:txBody>
       </p:sp>
+      <p:pic>
+        <p:nvPicPr>
+          <p:cNvPr id="5" name="Picture 4">
+            <a:extLst>
+              <a:ext uri="{FF2B5EF4-FFF2-40B4-BE49-F238E27FC236}">
+                <a16:creationId xmlns:a16="http://schemas.microsoft.com/office/drawing/2014/main" id="{E4411EE1-35F0-FE17-4D8F-9CE1224C569C}"/>
+              </a:ext>
+            </a:extLst>
+          </p:cNvPr>
+          <p:cNvPicPr>
+            <a:picLocks noChangeAspect="1"/>
+          </p:cNvPicPr>
+          <p:nvPr/>
+        </p:nvPicPr>
+        <p:blipFill>
+          <a:blip r:embed="rId3">
+            <a:clrChange>
+              <a:clrFrom>
+                <a:srgbClr val="FFFFFF"/>
+              </a:clrFrom>
+              <a:clrTo>
+                <a:srgbClr val="FFFFFF">
+                  <a:alpha val="0"/>
+                </a:srgbClr>
+              </a:clrTo>
+            </a:clrChange>
+          </a:blip>
+          <a:stretch>
+            <a:fillRect/>
+          </a:stretch>
+        </p:blipFill>
+        <p:spPr>
+          <a:xfrm>
+            <a:off x="2193435" y="2082779"/>
+            <a:ext cx="8990082" cy="5409340"/>
+          </a:xfrm>
+          <a:prstGeom prst="rect">
+            <a:avLst/>
+          </a:prstGeom>
+        </p:spPr>
+      </p:pic>
     </p:spTree>
     <p:extLst>
       <p:ext uri="{BB962C8B-B14F-4D97-AF65-F5344CB8AC3E}">
-        <p14:creationId xmlns:p14="http://schemas.microsoft.com/office/powerpoint/2010/main" val="2478417525"/>
+        <p14:creationId xmlns:p14="http://schemas.microsoft.com/office/powerpoint/2010/main" val="2902049491"/>
       </p:ext>
     </p:extLst>
   </p:cSld>
@@ -3927,6 +4320,13 @@
             </a:outerShdw>
           </a:effectLst>
         </p:spPr>
+        <p:txBody>
+          <a:bodyPr/>
+          <a:lstStyle/>
+          <a:p>
+            <a:endParaRPr lang="en-IN"/>
+          </a:p>
+        </p:txBody>
       </p:sp>
       <p:sp>
         <p:nvSpPr>
@@ -3949,6 +4349,13 @@
           </a:solidFill>
           <a:ln/>
         </p:spPr>
+        <p:txBody>
+          <a:bodyPr/>
+          <a:lstStyle/>
+          <a:p>
+            <a:endParaRPr lang="en-IN"/>
+          </a:p>
+        </p:txBody>
       </p:sp>
       <p:sp>
         <p:nvSpPr>
@@ -4065,6 +4472,13 @@
             </a:outerShdw>
           </a:effectLst>
         </p:spPr>
+        <p:txBody>
+          <a:bodyPr/>
+          <a:lstStyle/>
+          <a:p>
+            <a:endParaRPr lang="en-IN"/>
+          </a:p>
+        </p:txBody>
       </p:sp>
       <p:sp>
         <p:nvSpPr>
@@ -4087,6 +4501,13 @@
           </a:solidFill>
           <a:ln/>
         </p:spPr>
+        <p:txBody>
+          <a:bodyPr/>
+          <a:lstStyle/>
+          <a:p>
+            <a:endParaRPr lang="en-IN"/>
+          </a:p>
+        </p:txBody>
       </p:sp>
       <p:sp>
         <p:nvSpPr>
@@ -4203,6 +4624,13 @@
             </a:outerShdw>
           </a:effectLst>
         </p:spPr>
+        <p:txBody>
+          <a:bodyPr/>
+          <a:lstStyle/>
+          <a:p>
+            <a:endParaRPr lang="en-IN"/>
+          </a:p>
+        </p:txBody>
       </p:sp>
       <p:sp>
         <p:nvSpPr>
@@ -4225,6 +4653,13 @@
           </a:solidFill>
           <a:ln/>
         </p:spPr>
+        <p:txBody>
+          <a:bodyPr/>
+          <a:lstStyle/>
+          <a:p>
+            <a:endParaRPr lang="en-IN"/>
+          </a:p>
+        </p:txBody>
       </p:sp>
       <p:sp>
         <p:nvSpPr>
@@ -4340,6 +4775,13 @@
             </a:outerShdw>
           </a:effectLst>
         </p:spPr>
+        <p:txBody>
+          <a:bodyPr/>
+          <a:lstStyle/>
+          <a:p>
+            <a:endParaRPr lang="en-IN"/>
+          </a:p>
+        </p:txBody>
       </p:sp>
       <p:sp>
         <p:nvSpPr>
@@ -4362,6 +4804,13 @@
           </a:solidFill>
           <a:ln/>
         </p:spPr>
+        <p:txBody>
+          <a:bodyPr/>
+          <a:lstStyle/>
+          <a:p>
+            <a:endParaRPr lang="en-IN"/>
+          </a:p>
+        </p:txBody>
       </p:sp>
       <p:sp>
         <p:nvSpPr>
@@ -4602,6 +5051,13 @@
             </a:outerShdw>
           </a:effectLst>
         </p:spPr>
+        <p:txBody>
+          <a:bodyPr/>
+          <a:lstStyle/>
+          <a:p>
+            <a:endParaRPr lang="en-IN"/>
+          </a:p>
+        </p:txBody>
       </p:sp>
       <p:sp>
         <p:nvSpPr>
@@ -4714,6 +5170,13 @@
             </a:outerShdw>
           </a:effectLst>
         </p:spPr>
+        <p:txBody>
+          <a:bodyPr/>
+          <a:lstStyle/>
+          <a:p>
+            <a:endParaRPr lang="en-IN"/>
+          </a:p>
+        </p:txBody>
       </p:sp>
       <p:sp>
         <p:nvSpPr>
@@ -4826,6 +5289,13 @@
             </a:outerShdw>
           </a:effectLst>
         </p:spPr>
+        <p:txBody>
+          <a:bodyPr/>
+          <a:lstStyle/>
+          <a:p>
+            <a:endParaRPr lang="en-IN"/>
+          </a:p>
+        </p:txBody>
       </p:sp>
       <p:sp>
         <p:nvSpPr>
@@ -4946,6 +5416,13 @@
             </a:outerShdw>
           </a:effectLst>
         </p:spPr>
+        <p:txBody>
+          <a:bodyPr/>
+          <a:lstStyle/>
+          <a:p>
+            <a:endParaRPr lang="en-IN"/>
+          </a:p>
+        </p:txBody>
       </p:sp>
       <p:sp>
         <p:nvSpPr>
@@ -5050,6 +5527,13 @@
             </a:outerShdw>
           </a:effectLst>
         </p:spPr>
+        <p:txBody>
+          <a:bodyPr/>
+          <a:lstStyle/>
+          <a:p>
+            <a:endParaRPr lang="en-IN"/>
+          </a:p>
+        </p:txBody>
       </p:sp>
       <p:sp>
         <p:nvSpPr>
@@ -5289,6 +5773,13 @@
             </a:outerShdw>
           </a:effectLst>
         </p:spPr>
+        <p:txBody>
+          <a:bodyPr/>
+          <a:lstStyle/>
+          <a:p>
+            <a:endParaRPr lang="en-IN"/>
+          </a:p>
+        </p:txBody>
       </p:sp>
       <p:sp>
         <p:nvSpPr>
@@ -5537,6 +6028,13 @@
             </a:outerShdw>
           </a:effectLst>
         </p:spPr>
+        <p:txBody>
+          <a:bodyPr/>
+          <a:lstStyle/>
+          <a:p>
+            <a:endParaRPr lang="en-IN"/>
+          </a:p>
+        </p:txBody>
       </p:sp>
       <p:sp>
         <p:nvSpPr>
@@ -5647,6 +6145,13 @@
             </a:outerShdw>
           </a:effectLst>
         </p:spPr>
+        <p:txBody>
+          <a:bodyPr/>
+          <a:lstStyle/>
+          <a:p>
+            <a:endParaRPr lang="en-IN"/>
+          </a:p>
+        </p:txBody>
       </p:sp>
       <p:sp>
         <p:nvSpPr>
@@ -5758,6 +6263,13 @@
             </a:outerShdw>
           </a:effectLst>
         </p:spPr>
+        <p:txBody>
+          <a:bodyPr/>
+          <a:lstStyle/>
+          <a:p>
+            <a:endParaRPr lang="en-IN"/>
+          </a:p>
+        </p:txBody>
       </p:sp>
       <p:sp>
         <p:nvSpPr>
@@ -6234,6 +6746,15 @@
 <file path=ppt/slides/slide4.xml><?xml version="1.0" encoding="utf-8"?>
 <p:sld xmlns:a="http://schemas.openxmlformats.org/drawingml/2006/main" xmlns:r="http://schemas.openxmlformats.org/officeDocument/2006/relationships" xmlns:p="http://schemas.openxmlformats.org/presentationml/2006/main">
   <p:cSld>
+    <p:bg>
+      <p:bgPr>
+        <a:blipFill>
+          <a:blip r:embed="rId3"/>
+          <a:tile tx="0" ty="0" sx="100000" sy="100000" flip="none" algn="tl"/>
+        </a:blipFill>
+        <a:effectLst/>
+      </p:bgPr>
+    </p:bg>
     <p:spTree>
       <p:nvGrpSpPr>
         <p:cNvPr id="1" name="">
@@ -6269,7 +6790,7 @@
         <p:spPr>
           <a:xfrm>
             <a:off x="413147" y="324564"/>
-            <a:ext cx="5767387" cy="368856"/>
+            <a:ext cx="6275329" cy="288959"/>
           </a:xfrm>
           <a:prstGeom prst="rect">
             <a:avLst/>
@@ -6281,11 +6802,10 @@
           <a:bodyPr wrap="none" lIns="0" tIns="0" rIns="0" bIns="0" rtlCol="0" anchor="t"/>
           <a:lstStyle/>
           <a:p>
-            <a:pPr marL="0" indent="0" algn="l">
+            <a:pPr>
               <a:lnSpc>
                 <a:spcPts val="2900"/>
               </a:lnSpc>
-              <a:buNone/>
             </a:pPr>
             <a:r>
               <a:rPr lang="en-US" sz="2300" dirty="0">
@@ -6296,7 +6816,7 @@
                 <a:ea typeface="Noto Serif Medium" pitchFamily="34" charset="-122"/>
                 <a:cs typeface="Noto Serif Medium" pitchFamily="34" charset="-120"/>
               </a:rPr>
-              <a:t>SQL Query: Application Status Overview</a:t>
+              <a:t>SQL Query: Total number of applications by status</a:t>
             </a:r>
             <a:endParaRPr lang="en-US" sz="2300" dirty="0"/>
           </a:p>
@@ -6304,19 +6824,469 @@
       </p:sp>
       <p:sp>
         <p:nvSpPr>
-          <p:cNvPr id="3" name="Text 1">
-            <a:extLst>
-              <a:ext uri="{FF2B5EF4-FFF2-40B4-BE49-F238E27FC236}">
-                <a16:creationId xmlns:a16="http://schemas.microsoft.com/office/drawing/2014/main" id="{C4EB04DC-A200-156D-EBCA-8466D80B1ED8}"/>
-              </a:ext>
-            </a:extLst>
-          </p:cNvPr>
-          <p:cNvSpPr/>
-          <p:nvPr/>
-        </p:nvSpPr>
-        <p:spPr>
-          <a:xfrm>
-            <a:off x="413147" y="929521"/>
+          <p:cNvPr id="4" name="Shape 2">
+            <a:extLst>
+              <a:ext uri="{FF2B5EF4-FFF2-40B4-BE49-F238E27FC236}">
+                <a16:creationId xmlns:a16="http://schemas.microsoft.com/office/drawing/2014/main" id="{A5BB46BE-3DBE-BB03-2959-57361631DDD5}"/>
+              </a:ext>
+            </a:extLst>
+          </p:cNvPr>
+          <p:cNvSpPr/>
+          <p:nvPr/>
+        </p:nvSpPr>
+        <p:spPr>
+          <a:xfrm>
+            <a:off x="413147" y="911899"/>
+            <a:ext cx="13804106" cy="932736"/>
+          </a:xfrm>
+          <a:prstGeom prst="roundRect">
+            <a:avLst>
+              <a:gd name="adj" fmla="val 5316"/>
+            </a:avLst>
+          </a:prstGeom>
+          <a:solidFill>
+            <a:srgbClr val="F0EEEA"/>
+          </a:solidFill>
+          <a:ln/>
+        </p:spPr>
+        <p:txBody>
+          <a:bodyPr/>
+          <a:lstStyle/>
+          <a:p>
+            <a:endParaRPr lang="en-IN"/>
+          </a:p>
+        </p:txBody>
+      </p:sp>
+      <p:sp>
+        <p:nvSpPr>
+          <p:cNvPr id="6" name="Text 4">
+            <a:extLst>
+              <a:ext uri="{FF2B5EF4-FFF2-40B4-BE49-F238E27FC236}">
+                <a16:creationId xmlns:a16="http://schemas.microsoft.com/office/drawing/2014/main" id="{6442FB6A-CC88-86AD-4600-59072AA44B41}"/>
+              </a:ext>
+            </a:extLst>
+          </p:cNvPr>
+          <p:cNvSpPr/>
+          <p:nvPr/>
+        </p:nvSpPr>
+        <p:spPr>
+          <a:xfrm>
+            <a:off x="525304" y="1098672"/>
+            <a:ext cx="13579793" cy="755809"/>
+          </a:xfrm>
+          <a:prstGeom prst="rect">
+            <a:avLst/>
+          </a:prstGeom>
+          <a:noFill/>
+          <a:ln/>
+        </p:spPr>
+        <p:txBody>
+          <a:bodyPr wrap="square" lIns="0" tIns="0" rIns="0" bIns="0" rtlCol="0" anchor="t"/>
+          <a:lstStyle/>
+          <a:p>
+            <a:pPr>
+              <a:lnSpc>
+                <a:spcPts val="1450"/>
+              </a:lnSpc>
+            </a:pPr>
+            <a:r>
+              <a:rPr lang="en-US" sz="1400" dirty="0">
+                <a:solidFill>
+                  <a:srgbClr val="4C4C4C"/>
+                </a:solidFill>
+                <a:latin typeface="Consolas" pitchFamily="34" charset="0"/>
+                <a:ea typeface="Consolas" pitchFamily="34" charset="-122"/>
+                <a:cs typeface="Consolas" pitchFamily="34" charset="-120"/>
+              </a:rPr>
+              <a:t> select status, count(*) as Count_of_status </a:t>
+            </a:r>
+          </a:p>
+          <a:p>
+            <a:pPr>
+              <a:lnSpc>
+                <a:spcPts val="1450"/>
+              </a:lnSpc>
+            </a:pPr>
+            <a:r>
+              <a:rPr lang="en-US" sz="1400" dirty="0">
+                <a:solidFill>
+                  <a:srgbClr val="4C4C4C"/>
+                </a:solidFill>
+                <a:latin typeface="Consolas" pitchFamily="34" charset="0"/>
+                <a:ea typeface="Consolas" pitchFamily="34" charset="-122"/>
+                <a:cs typeface="Consolas" pitchFamily="34" charset="-120"/>
+              </a:rPr>
+              <a:t> from applications</a:t>
+            </a:r>
+          </a:p>
+          <a:p>
+            <a:pPr>
+              <a:lnSpc>
+                <a:spcPts val="1450"/>
+              </a:lnSpc>
+            </a:pPr>
+            <a:r>
+              <a:rPr lang="en-US" sz="1400" dirty="0">
+                <a:solidFill>
+                  <a:srgbClr val="4C4C4C"/>
+                </a:solidFill>
+                <a:latin typeface="Consolas" pitchFamily="34" charset="0"/>
+                <a:ea typeface="Consolas" pitchFamily="34" charset="-122"/>
+                <a:cs typeface="Consolas" pitchFamily="34" charset="-120"/>
+              </a:rPr>
+              <a:t> group by status;</a:t>
+            </a:r>
+            <a:endParaRPr lang="en-US" sz="1400" dirty="0"/>
+          </a:p>
+        </p:txBody>
+      </p:sp>
+      <p:sp>
+        <p:nvSpPr>
+          <p:cNvPr id="8" name="Shape 5">
+            <a:extLst>
+              <a:ext uri="{FF2B5EF4-FFF2-40B4-BE49-F238E27FC236}">
+                <a16:creationId xmlns:a16="http://schemas.microsoft.com/office/drawing/2014/main" id="{70FB5138-3F09-3460-4531-B478C9A23B96}"/>
+              </a:ext>
+            </a:extLst>
+          </p:cNvPr>
+          <p:cNvSpPr/>
+          <p:nvPr/>
+        </p:nvSpPr>
+        <p:spPr>
+          <a:xfrm>
+            <a:off x="3132892" y="9928860"/>
+            <a:ext cx="117991" cy="117991"/>
+          </a:xfrm>
+          <a:prstGeom prst="roundRect">
+            <a:avLst>
+              <a:gd name="adj" fmla="val 15499"/>
+            </a:avLst>
+          </a:prstGeom>
+          <a:solidFill>
+            <a:srgbClr val="2B2722"/>
+          </a:solidFill>
+          <a:ln/>
+        </p:spPr>
+        <p:txBody>
+          <a:bodyPr/>
+          <a:lstStyle/>
+          <a:p>
+            <a:endParaRPr lang="en-IN"/>
+          </a:p>
+        </p:txBody>
+      </p:sp>
+      <p:sp>
+        <p:nvSpPr>
+          <p:cNvPr id="9" name="Text 6">
+            <a:extLst>
+              <a:ext uri="{FF2B5EF4-FFF2-40B4-BE49-F238E27FC236}">
+                <a16:creationId xmlns:a16="http://schemas.microsoft.com/office/drawing/2014/main" id="{7D4C1E76-A4B6-AE4F-14FD-E9040AA75267}"/>
+              </a:ext>
+            </a:extLst>
+          </p:cNvPr>
+          <p:cNvSpPr/>
+          <p:nvPr/>
+        </p:nvSpPr>
+        <p:spPr>
+          <a:xfrm>
+            <a:off x="3311843" y="9928860"/>
+            <a:ext cx="438031" cy="118110"/>
+          </a:xfrm>
+          <a:prstGeom prst="rect">
+            <a:avLst/>
+          </a:prstGeom>
+          <a:noFill/>
+          <a:ln/>
+        </p:spPr>
+        <p:txBody>
+          <a:bodyPr wrap="none" lIns="0" tIns="0" rIns="0" bIns="0" rtlCol="0" anchor="t"/>
+          <a:lstStyle/>
+          <a:p>
+            <a:pPr marL="0" indent="0" algn="l">
+              <a:lnSpc>
+                <a:spcPts val="900"/>
+              </a:lnSpc>
+              <a:buNone/>
+            </a:pPr>
+            <a:r>
+              <a:rPr lang="en-US" sz="900" dirty="0">
+                <a:solidFill>
+                  <a:srgbClr val="4C4C4C"/>
+                </a:solidFill>
+                <a:latin typeface="Noto Serif" pitchFamily="34" charset="0"/>
+                <a:ea typeface="Noto Serif" pitchFamily="34" charset="-122"/>
+                <a:cs typeface="Noto Serif" pitchFamily="34" charset="-120"/>
+              </a:rPr>
+              <a:t>Applied</a:t>
+            </a:r>
+            <a:endParaRPr lang="en-US" sz="900" dirty="0"/>
+          </a:p>
+        </p:txBody>
+      </p:sp>
+      <p:sp>
+        <p:nvSpPr>
+          <p:cNvPr id="10" name="Shape 7">
+            <a:extLst>
+              <a:ext uri="{FF2B5EF4-FFF2-40B4-BE49-F238E27FC236}">
+                <a16:creationId xmlns:a16="http://schemas.microsoft.com/office/drawing/2014/main" id="{77A9124E-232E-7233-BD53-B4C017F0475A}"/>
+              </a:ext>
+            </a:extLst>
+          </p:cNvPr>
+          <p:cNvSpPr/>
+          <p:nvPr/>
+        </p:nvSpPr>
+        <p:spPr>
+          <a:xfrm>
+            <a:off x="5205889" y="9928860"/>
+            <a:ext cx="117991" cy="117991"/>
+          </a:xfrm>
+          <a:prstGeom prst="roundRect">
+            <a:avLst>
+              <a:gd name="adj" fmla="val 15499"/>
+            </a:avLst>
+          </a:prstGeom>
+          <a:solidFill>
+            <a:srgbClr val="5D554A"/>
+          </a:solidFill>
+          <a:ln/>
+        </p:spPr>
+        <p:txBody>
+          <a:bodyPr/>
+          <a:lstStyle/>
+          <a:p>
+            <a:endParaRPr lang="en-IN"/>
+          </a:p>
+        </p:txBody>
+      </p:sp>
+      <p:sp>
+        <p:nvSpPr>
+          <p:cNvPr id="11" name="Text 8">
+            <a:extLst>
+              <a:ext uri="{FF2B5EF4-FFF2-40B4-BE49-F238E27FC236}">
+                <a16:creationId xmlns:a16="http://schemas.microsoft.com/office/drawing/2014/main" id="{AB2E4F86-89FA-3581-362C-10CB8AD5F8CD}"/>
+              </a:ext>
+            </a:extLst>
+          </p:cNvPr>
+          <p:cNvSpPr/>
+          <p:nvPr/>
+        </p:nvSpPr>
+        <p:spPr>
+          <a:xfrm>
+            <a:off x="5384840" y="9928860"/>
+            <a:ext cx="550545" cy="118110"/>
+          </a:xfrm>
+          <a:prstGeom prst="rect">
+            <a:avLst/>
+          </a:prstGeom>
+          <a:noFill/>
+          <a:ln/>
+        </p:spPr>
+        <p:txBody>
+          <a:bodyPr wrap="none" lIns="0" tIns="0" rIns="0" bIns="0" rtlCol="0" anchor="t"/>
+          <a:lstStyle/>
+          <a:p>
+            <a:pPr marL="0" indent="0" algn="l">
+              <a:lnSpc>
+                <a:spcPts val="900"/>
+              </a:lnSpc>
+              <a:buNone/>
+            </a:pPr>
+            <a:r>
+              <a:rPr lang="en-US" sz="900" dirty="0">
+                <a:solidFill>
+                  <a:srgbClr val="4C4C4C"/>
+                </a:solidFill>
+                <a:latin typeface="Noto Serif" pitchFamily="34" charset="0"/>
+                <a:ea typeface="Noto Serif" pitchFamily="34" charset="-122"/>
+                <a:cs typeface="Noto Serif" pitchFamily="34" charset="-120"/>
+              </a:rPr>
+              <a:t>Interview</a:t>
+            </a:r>
+            <a:endParaRPr lang="en-US" sz="900" dirty="0"/>
+          </a:p>
+        </p:txBody>
+      </p:sp>
+      <p:sp>
+        <p:nvSpPr>
+          <p:cNvPr id="12" name="Shape 9">
+            <a:extLst>
+              <a:ext uri="{FF2B5EF4-FFF2-40B4-BE49-F238E27FC236}">
+                <a16:creationId xmlns:a16="http://schemas.microsoft.com/office/drawing/2014/main" id="{5514888E-83E3-5D86-6516-B8263CF8E23E}"/>
+              </a:ext>
+            </a:extLst>
+          </p:cNvPr>
+          <p:cNvSpPr/>
+          <p:nvPr/>
+        </p:nvSpPr>
+        <p:spPr>
+          <a:xfrm>
+            <a:off x="8733115" y="9928860"/>
+            <a:ext cx="117991" cy="117991"/>
+          </a:xfrm>
+          <a:prstGeom prst="roundRect">
+            <a:avLst>
+              <a:gd name="adj" fmla="val 15499"/>
+            </a:avLst>
+          </a:prstGeom>
+          <a:solidFill>
+            <a:srgbClr val="8F8473"/>
+          </a:solidFill>
+          <a:ln/>
+        </p:spPr>
+        <p:txBody>
+          <a:bodyPr/>
+          <a:lstStyle/>
+          <a:p>
+            <a:endParaRPr lang="en-IN"/>
+          </a:p>
+        </p:txBody>
+      </p:sp>
+      <p:sp>
+        <p:nvSpPr>
+          <p:cNvPr id="13" name="Text 10">
+            <a:extLst>
+              <a:ext uri="{FF2B5EF4-FFF2-40B4-BE49-F238E27FC236}">
+                <a16:creationId xmlns:a16="http://schemas.microsoft.com/office/drawing/2014/main" id="{4CC51F2B-72D6-A688-1EC7-3EFB347F07A7}"/>
+              </a:ext>
+            </a:extLst>
+          </p:cNvPr>
+          <p:cNvSpPr/>
+          <p:nvPr/>
+        </p:nvSpPr>
+        <p:spPr>
+          <a:xfrm>
+            <a:off x="8912066" y="9928860"/>
+            <a:ext cx="474226" cy="118110"/>
+          </a:xfrm>
+          <a:prstGeom prst="rect">
+            <a:avLst/>
+          </a:prstGeom>
+          <a:noFill/>
+          <a:ln/>
+        </p:spPr>
+        <p:txBody>
+          <a:bodyPr wrap="none" lIns="0" tIns="0" rIns="0" bIns="0" rtlCol="0" anchor="t"/>
+          <a:lstStyle/>
+          <a:p>
+            <a:pPr marL="0" indent="0" algn="l">
+              <a:lnSpc>
+                <a:spcPts val="900"/>
+              </a:lnSpc>
+              <a:buNone/>
+            </a:pPr>
+            <a:r>
+              <a:rPr lang="en-US" sz="900" dirty="0">
+                <a:solidFill>
+                  <a:srgbClr val="4C4C4C"/>
+                </a:solidFill>
+                <a:latin typeface="Noto Serif" pitchFamily="34" charset="0"/>
+                <a:ea typeface="Noto Serif" pitchFamily="34" charset="-122"/>
+                <a:cs typeface="Noto Serif" pitchFamily="34" charset="-120"/>
+              </a:rPr>
+              <a:t>Rejected</a:t>
+            </a:r>
+            <a:endParaRPr lang="en-US" sz="900" dirty="0"/>
+          </a:p>
+        </p:txBody>
+      </p:sp>
+      <p:sp>
+        <p:nvSpPr>
+          <p:cNvPr id="14" name="Shape 11">
+            <a:extLst>
+              <a:ext uri="{FF2B5EF4-FFF2-40B4-BE49-F238E27FC236}">
+                <a16:creationId xmlns:a16="http://schemas.microsoft.com/office/drawing/2014/main" id="{4B662325-85E1-E877-3953-609BE23037B5}"/>
+              </a:ext>
+            </a:extLst>
+          </p:cNvPr>
+          <p:cNvSpPr/>
+          <p:nvPr/>
+        </p:nvSpPr>
+        <p:spPr>
+          <a:xfrm>
+            <a:off x="10880527" y="9928860"/>
+            <a:ext cx="117991" cy="117991"/>
+          </a:xfrm>
+          <a:prstGeom prst="roundRect">
+            <a:avLst>
+              <a:gd name="adj" fmla="val 15499"/>
+            </a:avLst>
+          </a:prstGeom>
+          <a:solidFill>
+            <a:srgbClr val="B7B0A5"/>
+          </a:solidFill>
+          <a:ln/>
+        </p:spPr>
+        <p:txBody>
+          <a:bodyPr/>
+          <a:lstStyle/>
+          <a:p>
+            <a:endParaRPr lang="en-IN"/>
+          </a:p>
+        </p:txBody>
+      </p:sp>
+      <p:sp>
+        <p:nvSpPr>
+          <p:cNvPr id="15" name="Text 12">
+            <a:extLst>
+              <a:ext uri="{FF2B5EF4-FFF2-40B4-BE49-F238E27FC236}">
+                <a16:creationId xmlns:a16="http://schemas.microsoft.com/office/drawing/2014/main" id="{5F318AD4-C3E3-D1EA-1517-2536E1A45B06}"/>
+              </a:ext>
+            </a:extLst>
+          </p:cNvPr>
+          <p:cNvSpPr/>
+          <p:nvPr/>
+        </p:nvSpPr>
+        <p:spPr>
+          <a:xfrm>
+            <a:off x="11059478" y="9928860"/>
+            <a:ext cx="293370" cy="118110"/>
+          </a:xfrm>
+          <a:prstGeom prst="rect">
+            <a:avLst/>
+          </a:prstGeom>
+          <a:noFill/>
+          <a:ln/>
+        </p:spPr>
+        <p:txBody>
+          <a:bodyPr wrap="none" lIns="0" tIns="0" rIns="0" bIns="0" rtlCol="0" anchor="t"/>
+          <a:lstStyle/>
+          <a:p>
+            <a:pPr marL="0" indent="0" algn="l">
+              <a:lnSpc>
+                <a:spcPts val="900"/>
+              </a:lnSpc>
+              <a:buNone/>
+            </a:pPr>
+            <a:r>
+              <a:rPr lang="en-US" sz="900" dirty="0">
+                <a:solidFill>
+                  <a:srgbClr val="4C4C4C"/>
+                </a:solidFill>
+                <a:latin typeface="Noto Serif" pitchFamily="34" charset="0"/>
+                <a:ea typeface="Noto Serif" pitchFamily="34" charset="-122"/>
+                <a:cs typeface="Noto Serif" pitchFamily="34" charset="-120"/>
+              </a:rPr>
+              <a:t>Offer</a:t>
+            </a:r>
+            <a:endParaRPr lang="en-US" sz="900" dirty="0"/>
+          </a:p>
+        </p:txBody>
+      </p:sp>
+      <p:sp>
+        <p:nvSpPr>
+          <p:cNvPr id="16" name="Text 13">
+            <a:extLst>
+              <a:ext uri="{FF2B5EF4-FFF2-40B4-BE49-F238E27FC236}">
+                <a16:creationId xmlns:a16="http://schemas.microsoft.com/office/drawing/2014/main" id="{9CEAD9BE-9555-F292-9AAE-86DB5942D57A}"/>
+              </a:ext>
+            </a:extLst>
+          </p:cNvPr>
+          <p:cNvSpPr/>
+          <p:nvPr/>
+        </p:nvSpPr>
+        <p:spPr>
+          <a:xfrm>
+            <a:off x="413147" y="10179725"/>
             <a:ext cx="13804106" cy="188952"/>
           </a:xfrm>
           <a:prstGeom prst="rect">
@@ -6344,180 +7314,8 @@
                 <a:ea typeface="Noto Serif" pitchFamily="34" charset="-122"/>
                 <a:cs typeface="Noto Serif" pitchFamily="34" charset="-120"/>
               </a:rPr>
-              <a:t>Total applications by status across all submissions</a:t>
-            </a:r>
-            <a:endParaRPr lang="en-US" sz="900" dirty="0"/>
-          </a:p>
-        </p:txBody>
-      </p:sp>
-      <p:sp>
-        <p:nvSpPr>
-          <p:cNvPr id="4" name="Shape 2">
-            <a:extLst>
-              <a:ext uri="{FF2B5EF4-FFF2-40B4-BE49-F238E27FC236}">
-                <a16:creationId xmlns:a16="http://schemas.microsoft.com/office/drawing/2014/main" id="{A5BB46BE-3DBE-BB03-2959-57361631DDD5}"/>
-              </a:ext>
-            </a:extLst>
-          </p:cNvPr>
-          <p:cNvSpPr/>
-          <p:nvPr/>
-        </p:nvSpPr>
-        <p:spPr>
-          <a:xfrm>
-            <a:off x="413147" y="1251228"/>
-            <a:ext cx="13804106" cy="932736"/>
-          </a:xfrm>
-          <a:prstGeom prst="roundRect">
-            <a:avLst>
-              <a:gd name="adj" fmla="val 5316"/>
-            </a:avLst>
-          </a:prstGeom>
-          <a:solidFill>
-            <a:srgbClr val="F0EEEA"/>
-          </a:solidFill>
-          <a:ln/>
-        </p:spPr>
-      </p:sp>
-      <p:sp>
-        <p:nvSpPr>
-          <p:cNvPr id="5" name="Shape 3">
-            <a:extLst>
-              <a:ext uri="{FF2B5EF4-FFF2-40B4-BE49-F238E27FC236}">
-                <a16:creationId xmlns:a16="http://schemas.microsoft.com/office/drawing/2014/main" id="{2D930549-248F-9EAC-CCE6-36A65B3D58CD}"/>
-              </a:ext>
-            </a:extLst>
-          </p:cNvPr>
-          <p:cNvSpPr/>
-          <p:nvPr/>
-        </p:nvSpPr>
-        <p:spPr>
-          <a:xfrm>
-            <a:off x="407313" y="1251228"/>
-            <a:ext cx="13815774" cy="932736"/>
-          </a:xfrm>
-          <a:prstGeom prst="roundRect">
-            <a:avLst>
-              <a:gd name="adj" fmla="val 1899"/>
-            </a:avLst>
-          </a:prstGeom>
-          <a:solidFill>
-            <a:srgbClr val="F0EEEA"/>
-          </a:solidFill>
-          <a:ln/>
-        </p:spPr>
-      </p:sp>
-      <p:sp>
-        <p:nvSpPr>
-          <p:cNvPr id="6" name="Text 4">
-            <a:extLst>
-              <a:ext uri="{FF2B5EF4-FFF2-40B4-BE49-F238E27FC236}">
-                <a16:creationId xmlns:a16="http://schemas.microsoft.com/office/drawing/2014/main" id="{6442FB6A-CC88-86AD-4600-59072AA44B41}"/>
-              </a:ext>
-            </a:extLst>
-          </p:cNvPr>
-          <p:cNvSpPr/>
-          <p:nvPr/>
-        </p:nvSpPr>
-        <p:spPr>
-          <a:xfrm>
-            <a:off x="525304" y="1339691"/>
-            <a:ext cx="13579793" cy="755809"/>
-          </a:xfrm>
-          <a:prstGeom prst="rect">
-            <a:avLst/>
-          </a:prstGeom>
-          <a:noFill/>
-          <a:ln/>
-        </p:spPr>
-        <p:txBody>
-          <a:bodyPr wrap="square" lIns="0" tIns="0" rIns="0" bIns="0" rtlCol="0" anchor="t"/>
-          <a:lstStyle/>
-          <a:p>
-            <a:pPr marL="0" indent="0" algn="l">
-              <a:lnSpc>
-                <a:spcPts val="1450"/>
-              </a:lnSpc>
-              <a:buNone/>
-            </a:pPr>
-            <a:r>
-              <a:rPr lang="en-US" sz="900" dirty="0">
-                <a:solidFill>
-                  <a:srgbClr val="4C4C4C"/>
-                </a:solidFill>
-                <a:highlight>
-                  <a:srgbClr val="F0EEEA"/>
-                </a:highlight>
-                <a:latin typeface="Consolas" pitchFamily="34" charset="0"/>
-                <a:ea typeface="Consolas" pitchFamily="34" charset="-122"/>
-                <a:cs typeface="Consolas" pitchFamily="34" charset="-120"/>
-              </a:rPr>
-              <a:t>SELECT status, COUNT(*) as total_countFROM applicationsGROUP BY statusORDER BY total_count DESC;</a:t>
-            </a:r>
-            <a:endParaRPr lang="en-US" sz="900" dirty="0"/>
-          </a:p>
-        </p:txBody>
-      </p:sp>
-      <p:sp>
-        <p:nvSpPr>
-          <p:cNvPr id="8" name="Shape 5">
-            <a:extLst>
-              <a:ext uri="{FF2B5EF4-FFF2-40B4-BE49-F238E27FC236}">
-                <a16:creationId xmlns:a16="http://schemas.microsoft.com/office/drawing/2014/main" id="{70FB5138-3F09-3460-4531-B478C9A23B96}"/>
-              </a:ext>
-            </a:extLst>
-          </p:cNvPr>
-          <p:cNvSpPr/>
-          <p:nvPr/>
-        </p:nvSpPr>
-        <p:spPr>
-          <a:xfrm>
-            <a:off x="3132892" y="9928860"/>
-            <a:ext cx="117991" cy="117991"/>
-          </a:xfrm>
-          <a:prstGeom prst="roundRect">
-            <a:avLst>
-              <a:gd name="adj" fmla="val 15499"/>
-            </a:avLst>
-          </a:prstGeom>
-          <a:solidFill>
-            <a:srgbClr val="2B2722"/>
-          </a:solidFill>
-          <a:ln/>
-        </p:spPr>
-      </p:sp>
-      <p:sp>
-        <p:nvSpPr>
-          <p:cNvPr id="9" name="Text 6">
-            <a:extLst>
-              <a:ext uri="{FF2B5EF4-FFF2-40B4-BE49-F238E27FC236}">
-                <a16:creationId xmlns:a16="http://schemas.microsoft.com/office/drawing/2014/main" id="{7D4C1E76-A4B6-AE4F-14FD-E9040AA75267}"/>
-              </a:ext>
-            </a:extLst>
-          </p:cNvPr>
-          <p:cNvSpPr/>
-          <p:nvPr/>
-        </p:nvSpPr>
-        <p:spPr>
-          <a:xfrm>
-            <a:off x="3311843" y="9928860"/>
-            <a:ext cx="438031" cy="118110"/>
-          </a:xfrm>
-          <a:prstGeom prst="rect">
-            <a:avLst/>
-          </a:prstGeom>
-          <a:noFill/>
-          <a:ln/>
-        </p:spPr>
-        <p:txBody>
-          <a:bodyPr wrap="none" lIns="0" tIns="0" rIns="0" bIns="0" rtlCol="0" anchor="t"/>
-          <a:lstStyle/>
-          <a:p>
-            <a:pPr marL="0" indent="0" algn="l">
-              <a:lnSpc>
-                <a:spcPts val="900"/>
-              </a:lnSpc>
-              <a:buNone/>
-            </a:pPr>
+              <a:t>Key Insight:</a:t>
+            </a:r>
             <a:r>
               <a:rPr lang="en-US" sz="900" dirty="0">
                 <a:solidFill>
@@ -6527,7 +7325,7 @@
                 <a:ea typeface="Noto Serif" pitchFamily="34" charset="-122"/>
                 <a:cs typeface="Noto Serif" pitchFamily="34" charset="-120"/>
               </a:rPr>
-              <a:t>Applied</a:t>
+              <a:t> 45 applications remain in progress, while 28 rejections indicate competitive screening processes requiring strategic focus.</a:t>
             </a:r>
             <a:endParaRPr lang="en-US" sz="900" dirty="0"/>
           </a:p>
@@ -6535,48 +7333,20 @@
       </p:sp>
       <p:sp>
         <p:nvSpPr>
-          <p:cNvPr id="10" name="Shape 7">
-            <a:extLst>
-              <a:ext uri="{FF2B5EF4-FFF2-40B4-BE49-F238E27FC236}">
-                <a16:creationId xmlns:a16="http://schemas.microsoft.com/office/drawing/2014/main" id="{77A9124E-232E-7233-BD53-B4C017F0475A}"/>
-              </a:ext>
-            </a:extLst>
-          </p:cNvPr>
-          <p:cNvSpPr/>
-          <p:nvPr/>
-        </p:nvSpPr>
-        <p:spPr>
-          <a:xfrm>
-            <a:off x="5205889" y="9928860"/>
-            <a:ext cx="117991" cy="117991"/>
-          </a:xfrm>
-          <a:prstGeom prst="roundRect">
-            <a:avLst>
-              <a:gd name="adj" fmla="val 15499"/>
-            </a:avLst>
-          </a:prstGeom>
-          <a:solidFill>
-            <a:srgbClr val="5D554A"/>
-          </a:solidFill>
-          <a:ln/>
-        </p:spPr>
-      </p:sp>
-      <p:sp>
-        <p:nvSpPr>
-          <p:cNvPr id="11" name="Text 8">
-            <a:extLst>
-              <a:ext uri="{FF2B5EF4-FFF2-40B4-BE49-F238E27FC236}">
-                <a16:creationId xmlns:a16="http://schemas.microsoft.com/office/drawing/2014/main" id="{AB2E4F86-89FA-3581-362C-10CB8AD5F8CD}"/>
-              </a:ext>
-            </a:extLst>
-          </p:cNvPr>
-          <p:cNvSpPr/>
-          <p:nvPr/>
-        </p:nvSpPr>
-        <p:spPr>
-          <a:xfrm>
-            <a:off x="5384840" y="9928860"/>
-            <a:ext cx="550545" cy="118110"/>
+          <p:cNvPr id="17" name="Text 6">
+            <a:extLst>
+              <a:ext uri="{FF2B5EF4-FFF2-40B4-BE49-F238E27FC236}">
+                <a16:creationId xmlns:a16="http://schemas.microsoft.com/office/drawing/2014/main" id="{FEC20CFD-87DB-A2F3-E866-4353CEA5B9BE}"/>
+              </a:ext>
+            </a:extLst>
+          </p:cNvPr>
+          <p:cNvSpPr/>
+          <p:nvPr/>
+        </p:nvSpPr>
+        <p:spPr>
+          <a:xfrm>
+            <a:off x="668042" y="7527650"/>
+            <a:ext cx="13042821" cy="362903"/>
           </a:xfrm>
           <a:prstGeom prst="rect">
             <a:avLst/>
@@ -6588,294 +7358,25 @@
           <a:bodyPr wrap="none" lIns="0" tIns="0" rIns="0" bIns="0" rtlCol="0" anchor="t"/>
           <a:lstStyle/>
           <a:p>
-            <a:pPr marL="0" indent="0" algn="l">
-              <a:lnSpc>
-                <a:spcPts val="900"/>
-              </a:lnSpc>
-              <a:buNone/>
-            </a:pPr>
-            <a:r>
-              <a:rPr lang="en-US" sz="900" dirty="0">
-                <a:solidFill>
-                  <a:srgbClr val="4C4C4C"/>
-                </a:solidFill>
-                <a:latin typeface="Noto Serif" pitchFamily="34" charset="0"/>
-                <a:ea typeface="Noto Serif" pitchFamily="34" charset="-122"/>
-                <a:cs typeface="Noto Serif" pitchFamily="34" charset="-120"/>
-              </a:rPr>
-              <a:t>Interview</a:t>
-            </a:r>
-            <a:endParaRPr lang="en-US" sz="900" dirty="0"/>
-          </a:p>
-        </p:txBody>
-      </p:sp>
-      <p:sp>
-        <p:nvSpPr>
-          <p:cNvPr id="12" name="Shape 9">
-            <a:extLst>
-              <a:ext uri="{FF2B5EF4-FFF2-40B4-BE49-F238E27FC236}">
-                <a16:creationId xmlns:a16="http://schemas.microsoft.com/office/drawing/2014/main" id="{5514888E-83E3-5D86-6516-B8263CF8E23E}"/>
-              </a:ext>
-            </a:extLst>
-          </p:cNvPr>
-          <p:cNvSpPr/>
-          <p:nvPr/>
-        </p:nvSpPr>
-        <p:spPr>
-          <a:xfrm>
-            <a:off x="8733115" y="9928860"/>
-            <a:ext cx="117991" cy="117991"/>
-          </a:xfrm>
-          <a:prstGeom prst="roundRect">
-            <a:avLst>
-              <a:gd name="adj" fmla="val 15499"/>
-            </a:avLst>
-          </a:prstGeom>
-          <a:solidFill>
-            <a:srgbClr val="8F8473"/>
-          </a:solidFill>
-          <a:ln/>
-        </p:spPr>
-      </p:sp>
-      <p:sp>
-        <p:nvSpPr>
-          <p:cNvPr id="13" name="Text 10">
-            <a:extLst>
-              <a:ext uri="{FF2B5EF4-FFF2-40B4-BE49-F238E27FC236}">
-                <a16:creationId xmlns:a16="http://schemas.microsoft.com/office/drawing/2014/main" id="{4CC51F2B-72D6-A688-1EC7-3EFB347F07A7}"/>
-              </a:ext>
-            </a:extLst>
-          </p:cNvPr>
-          <p:cNvSpPr/>
-          <p:nvPr/>
-        </p:nvSpPr>
-        <p:spPr>
-          <a:xfrm>
-            <a:off x="8912066" y="9928860"/>
-            <a:ext cx="474226" cy="118110"/>
-          </a:xfrm>
-          <a:prstGeom prst="rect">
-            <a:avLst/>
-          </a:prstGeom>
-          <a:noFill/>
-          <a:ln/>
-        </p:spPr>
-        <p:txBody>
-          <a:bodyPr wrap="none" lIns="0" tIns="0" rIns="0" bIns="0" rtlCol="0" anchor="t"/>
-          <a:lstStyle/>
-          <a:p>
-            <a:pPr marL="0" indent="0" algn="l">
-              <a:lnSpc>
-                <a:spcPts val="900"/>
-              </a:lnSpc>
-              <a:buNone/>
-            </a:pPr>
-            <a:r>
-              <a:rPr lang="en-US" sz="900" dirty="0">
-                <a:solidFill>
-                  <a:srgbClr val="4C4C4C"/>
-                </a:solidFill>
-                <a:latin typeface="Noto Serif" pitchFamily="34" charset="0"/>
-                <a:ea typeface="Noto Serif" pitchFamily="34" charset="-122"/>
-                <a:cs typeface="Noto Serif" pitchFamily="34" charset="-120"/>
-              </a:rPr>
-              <a:t>Rejected</a:t>
-            </a:r>
-            <a:endParaRPr lang="en-US" sz="900" dirty="0"/>
-          </a:p>
-        </p:txBody>
-      </p:sp>
-      <p:sp>
-        <p:nvSpPr>
-          <p:cNvPr id="14" name="Shape 11">
-            <a:extLst>
-              <a:ext uri="{FF2B5EF4-FFF2-40B4-BE49-F238E27FC236}">
-                <a16:creationId xmlns:a16="http://schemas.microsoft.com/office/drawing/2014/main" id="{4B662325-85E1-E877-3953-609BE23037B5}"/>
-              </a:ext>
-            </a:extLst>
-          </p:cNvPr>
-          <p:cNvSpPr/>
-          <p:nvPr/>
-        </p:nvSpPr>
-        <p:spPr>
-          <a:xfrm>
-            <a:off x="10880527" y="9928860"/>
-            <a:ext cx="117991" cy="117991"/>
-          </a:xfrm>
-          <a:prstGeom prst="roundRect">
-            <a:avLst>
-              <a:gd name="adj" fmla="val 15499"/>
-            </a:avLst>
-          </a:prstGeom>
-          <a:solidFill>
-            <a:srgbClr val="B7B0A5"/>
-          </a:solidFill>
-          <a:ln/>
-        </p:spPr>
-      </p:sp>
-      <p:sp>
-        <p:nvSpPr>
-          <p:cNvPr id="15" name="Text 12">
-            <a:extLst>
-              <a:ext uri="{FF2B5EF4-FFF2-40B4-BE49-F238E27FC236}">
-                <a16:creationId xmlns:a16="http://schemas.microsoft.com/office/drawing/2014/main" id="{5F318AD4-C3E3-D1EA-1517-2536E1A45B06}"/>
-              </a:ext>
-            </a:extLst>
-          </p:cNvPr>
-          <p:cNvSpPr/>
-          <p:nvPr/>
-        </p:nvSpPr>
-        <p:spPr>
-          <a:xfrm>
-            <a:off x="11059478" y="9928860"/>
-            <a:ext cx="293370" cy="118110"/>
-          </a:xfrm>
-          <a:prstGeom prst="rect">
-            <a:avLst/>
-          </a:prstGeom>
-          <a:noFill/>
-          <a:ln/>
-        </p:spPr>
-        <p:txBody>
-          <a:bodyPr wrap="none" lIns="0" tIns="0" rIns="0" bIns="0" rtlCol="0" anchor="t"/>
-          <a:lstStyle/>
-          <a:p>
-            <a:pPr marL="0" indent="0" algn="l">
-              <a:lnSpc>
-                <a:spcPts val="900"/>
-              </a:lnSpc>
-              <a:buNone/>
-            </a:pPr>
-            <a:r>
-              <a:rPr lang="en-US" sz="900" dirty="0">
-                <a:solidFill>
-                  <a:srgbClr val="4C4C4C"/>
-                </a:solidFill>
-                <a:latin typeface="Noto Serif" pitchFamily="34" charset="0"/>
-                <a:ea typeface="Noto Serif" pitchFamily="34" charset="-122"/>
-                <a:cs typeface="Noto Serif" pitchFamily="34" charset="-120"/>
-              </a:rPr>
-              <a:t>Offer</a:t>
-            </a:r>
-            <a:endParaRPr lang="en-US" sz="900" dirty="0"/>
-          </a:p>
-        </p:txBody>
-      </p:sp>
-      <p:sp>
-        <p:nvSpPr>
-          <p:cNvPr id="16" name="Text 13">
-            <a:extLst>
-              <a:ext uri="{FF2B5EF4-FFF2-40B4-BE49-F238E27FC236}">
-                <a16:creationId xmlns:a16="http://schemas.microsoft.com/office/drawing/2014/main" id="{9CEAD9BE-9555-F292-9AAE-86DB5942D57A}"/>
-              </a:ext>
-            </a:extLst>
-          </p:cNvPr>
-          <p:cNvSpPr/>
-          <p:nvPr/>
-        </p:nvSpPr>
-        <p:spPr>
-          <a:xfrm>
-            <a:off x="413147" y="10179725"/>
-            <a:ext cx="13804106" cy="188952"/>
-          </a:xfrm>
-          <a:prstGeom prst="rect">
-            <a:avLst/>
-          </a:prstGeom>
-          <a:noFill/>
-          <a:ln/>
-        </p:spPr>
-        <p:txBody>
-          <a:bodyPr wrap="none" lIns="0" tIns="0" rIns="0" bIns="0" rtlCol="0" anchor="t"/>
-          <a:lstStyle/>
-          <a:p>
-            <a:pPr marL="0" indent="0" algn="l">
-              <a:lnSpc>
-                <a:spcPts val="1450"/>
-              </a:lnSpc>
-              <a:buNone/>
-            </a:pPr>
-            <a:r>
-              <a:rPr lang="en-US" sz="900" b="1" dirty="0">
-                <a:solidFill>
-                  <a:srgbClr val="4C4C4C"/>
-                </a:solidFill>
-                <a:latin typeface="Noto Serif" pitchFamily="34" charset="0"/>
-                <a:ea typeface="Noto Serif" pitchFamily="34" charset="-122"/>
-                <a:cs typeface="Noto Serif" pitchFamily="34" charset="-120"/>
-              </a:rPr>
-              <a:t>Key Insight:</a:t>
-            </a:r>
-            <a:r>
-              <a:rPr lang="en-US" sz="900" dirty="0">
-                <a:solidFill>
-                  <a:srgbClr val="4C4C4C"/>
-                </a:solidFill>
-                <a:latin typeface="Noto Serif" pitchFamily="34" charset="0"/>
-                <a:ea typeface="Noto Serif" pitchFamily="34" charset="-122"/>
-                <a:cs typeface="Noto Serif" pitchFamily="34" charset="-120"/>
-              </a:rPr>
-              <a:t> 45 applications remain in progress, while 28 rejections indicate competitive screening processes requiring strategic focus.</a:t>
-            </a:r>
-            <a:endParaRPr lang="en-US" sz="900" dirty="0"/>
-          </a:p>
-        </p:txBody>
-      </p:sp>
-      <p:sp>
-        <p:nvSpPr>
-          <p:cNvPr id="17" name="Text 6">
-            <a:extLst>
-              <a:ext uri="{FF2B5EF4-FFF2-40B4-BE49-F238E27FC236}">
-                <a16:creationId xmlns:a16="http://schemas.microsoft.com/office/drawing/2014/main" id="{FEC20CFD-87DB-A2F3-E866-4353CEA5B9BE}"/>
-              </a:ext>
-            </a:extLst>
-          </p:cNvPr>
-          <p:cNvSpPr/>
-          <p:nvPr/>
-        </p:nvSpPr>
-        <p:spPr>
-          <a:xfrm>
-            <a:off x="793790" y="6954798"/>
-            <a:ext cx="13042821" cy="362903"/>
-          </a:xfrm>
-          <a:prstGeom prst="rect">
-            <a:avLst/>
-          </a:prstGeom>
-          <a:noFill/>
-          <a:ln/>
-        </p:spPr>
-        <p:txBody>
-          <a:bodyPr wrap="none" lIns="0" tIns="0" rIns="0" bIns="0" rtlCol="0" anchor="t"/>
-          <a:lstStyle/>
-          <a:p>
-            <a:pPr marL="0" indent="0" algn="l">
+            <a:pPr>
               <a:lnSpc>
                 <a:spcPts val="2850"/>
               </a:lnSpc>
-              <a:buNone/>
             </a:pPr>
             <a:r>
               <a:rPr lang="en-US" sz="1750" b="1" dirty="0">
                 <a:solidFill>
                   <a:srgbClr val="4C4C4C"/>
                 </a:solidFill>
-                <a:latin typeface="Noto Serif" pitchFamily="34" charset="0"/>
                 <a:ea typeface="Noto Serif" pitchFamily="34" charset="-122"/>
                 <a:cs typeface="Noto Serif" pitchFamily="34" charset="-120"/>
               </a:rPr>
-              <a:t>Key Finding:</a:t>
-            </a:r>
-            <a:r>
-              <a:rPr lang="en-US" sz="1750" dirty="0">
-                <a:solidFill>
-                  <a:srgbClr val="4C4C4C"/>
-                </a:solidFill>
-                <a:latin typeface="Noto Serif" pitchFamily="34" charset="0"/>
-                <a:ea typeface="Noto Serif" pitchFamily="34" charset="-122"/>
-                <a:cs typeface="Noto Serif" pitchFamily="34" charset="-120"/>
-              </a:rPr>
-              <a:t> Large tech firms show 75% rejection rates; smaller startups average 45%, suggesting better fit potential.</a:t>
-            </a:r>
-            <a:endParaRPr lang="en-US" sz="1750" dirty="0"/>
+              <a:t>Key Finding : </a:t>
+            </a:r>
+            <a:r>
+              <a:rPr lang="en-US" sz="1750" dirty="0"/>
+              <a:t>Most applications are still in progress, mainly in “Applied” or “Interview” stages.</a:t>
+            </a:r>
           </a:p>
         </p:txBody>
       </p:sp>
@@ -6931,6 +7432,47 @@
           </a:p>
         </p:txBody>
       </p:sp>
+      <p:pic>
+        <p:nvPicPr>
+          <p:cNvPr id="25" name="Picture 24">
+            <a:extLst>
+              <a:ext uri="{FF2B5EF4-FFF2-40B4-BE49-F238E27FC236}">
+                <a16:creationId xmlns:a16="http://schemas.microsoft.com/office/drawing/2014/main" id="{C40E8287-CE25-0FE5-E9A2-AE0204054C56}"/>
+              </a:ext>
+            </a:extLst>
+          </p:cNvPr>
+          <p:cNvPicPr>
+            <a:picLocks noChangeAspect="1"/>
+          </p:cNvPicPr>
+          <p:nvPr/>
+        </p:nvPicPr>
+        <p:blipFill>
+          <a:blip r:embed="rId4">
+            <a:clrChange>
+              <a:clrFrom>
+                <a:srgbClr val="FFFFFF"/>
+              </a:clrFrom>
+              <a:clrTo>
+                <a:srgbClr val="FFFFFF">
+                  <a:alpha val="0"/>
+                </a:srgbClr>
+              </a:clrTo>
+            </a:clrChange>
+          </a:blip>
+          <a:stretch>
+            <a:fillRect/>
+          </a:stretch>
+        </p:blipFill>
+        <p:spPr>
+          <a:xfrm>
+            <a:off x="2923030" y="1898493"/>
+            <a:ext cx="8075488" cy="5599628"/>
+          </a:xfrm>
+          <a:prstGeom prst="rect">
+            <a:avLst/>
+          </a:prstGeom>
+        </p:spPr>
+      </p:pic>
     </p:spTree>
     <p:extLst>
       <p:ext uri="{BB962C8B-B14F-4D97-AF65-F5344CB8AC3E}">
@@ -6952,7 +7494,7 @@
         <p:cNvPr id="1" name="">
           <a:extLst>
             <a:ext uri="{FF2B5EF4-FFF2-40B4-BE49-F238E27FC236}">
-              <a16:creationId xmlns:a16="http://schemas.microsoft.com/office/drawing/2014/main" id="{E585123B-9507-8EF2-D4F7-C6A1C5961385}"/>
+              <a16:creationId xmlns:a16="http://schemas.microsoft.com/office/drawing/2014/main" id="{F34A09E3-A0CB-91BB-431F-76134FE96280}"/>
             </a:ext>
           </a:extLst>
         </p:cNvPr>
@@ -6972,7 +7514,7 @@
           <p:cNvPr id="2" name="Text 0">
             <a:extLst>
               <a:ext uri="{FF2B5EF4-FFF2-40B4-BE49-F238E27FC236}">
-                <a16:creationId xmlns:a16="http://schemas.microsoft.com/office/drawing/2014/main" id="{D040123A-63E8-0B68-1C76-B04782063068}"/>
+                <a16:creationId xmlns:a16="http://schemas.microsoft.com/office/drawing/2014/main" id="{636C48B3-E165-4AC0-5C7A-65B6D41E55B4}"/>
               </a:ext>
             </a:extLst>
           </p:cNvPr>
@@ -6982,7 +7524,7 @@
         <p:spPr>
           <a:xfrm>
             <a:off x="413147" y="324564"/>
-            <a:ext cx="5767387" cy="368856"/>
+            <a:ext cx="6275329" cy="288959"/>
           </a:xfrm>
           <a:prstGeom prst="rect">
             <a:avLst/>
@@ -6994,11 +7536,10 @@
           <a:bodyPr wrap="none" lIns="0" tIns="0" rIns="0" bIns="0" rtlCol="0" anchor="t"/>
           <a:lstStyle/>
           <a:p>
-            <a:pPr marL="0" indent="0" algn="l">
+            <a:pPr>
               <a:lnSpc>
                 <a:spcPts val="2900"/>
               </a:lnSpc>
-              <a:buNone/>
             </a:pPr>
             <a:r>
               <a:rPr lang="en-US" sz="2300" dirty="0">
@@ -7009,7 +7550,7 @@
                 <a:ea typeface="Noto Serif Medium" pitchFamily="34" charset="-122"/>
                 <a:cs typeface="Noto Serif Medium" pitchFamily="34" charset="-120"/>
               </a:rPr>
-              <a:t>SQL Query: Application Status Overview</a:t>
+              <a:t>SQL Query: Applications per month </a:t>
             </a:r>
             <a:endParaRPr lang="en-US" sz="2300" dirty="0"/>
           </a:p>
@@ -7017,19 +7558,528 @@
       </p:sp>
       <p:sp>
         <p:nvSpPr>
-          <p:cNvPr id="3" name="Text 1">
-            <a:extLst>
-              <a:ext uri="{FF2B5EF4-FFF2-40B4-BE49-F238E27FC236}">
-                <a16:creationId xmlns:a16="http://schemas.microsoft.com/office/drawing/2014/main" id="{5475F045-4D8E-C332-74D0-CADBFD612F36}"/>
-              </a:ext>
-            </a:extLst>
-          </p:cNvPr>
-          <p:cNvSpPr/>
-          <p:nvPr/>
-        </p:nvSpPr>
-        <p:spPr>
-          <a:xfrm>
-            <a:off x="413147" y="929521"/>
+          <p:cNvPr id="4" name="Shape 2">
+            <a:extLst>
+              <a:ext uri="{FF2B5EF4-FFF2-40B4-BE49-F238E27FC236}">
+                <a16:creationId xmlns:a16="http://schemas.microsoft.com/office/drawing/2014/main" id="{71F1E0DB-3560-B3D9-4E9A-B497E012D305}"/>
+              </a:ext>
+            </a:extLst>
+          </p:cNvPr>
+          <p:cNvSpPr/>
+          <p:nvPr/>
+        </p:nvSpPr>
+        <p:spPr>
+          <a:xfrm>
+            <a:off x="413147" y="911899"/>
+            <a:ext cx="13804106" cy="932736"/>
+          </a:xfrm>
+          <a:prstGeom prst="roundRect">
+            <a:avLst>
+              <a:gd name="adj" fmla="val 5316"/>
+            </a:avLst>
+          </a:prstGeom>
+          <a:solidFill>
+            <a:srgbClr val="F0EEEA"/>
+          </a:solidFill>
+          <a:ln/>
+        </p:spPr>
+        <p:txBody>
+          <a:bodyPr/>
+          <a:lstStyle/>
+          <a:p>
+            <a:endParaRPr lang="en-IN"/>
+          </a:p>
+        </p:txBody>
+      </p:sp>
+      <p:sp>
+        <p:nvSpPr>
+          <p:cNvPr id="6" name="Text 4">
+            <a:extLst>
+              <a:ext uri="{FF2B5EF4-FFF2-40B4-BE49-F238E27FC236}">
+                <a16:creationId xmlns:a16="http://schemas.microsoft.com/office/drawing/2014/main" id="{8A420327-122A-CD32-48D7-00BCC42BC067}"/>
+              </a:ext>
+            </a:extLst>
+          </p:cNvPr>
+          <p:cNvSpPr/>
+          <p:nvPr/>
+        </p:nvSpPr>
+        <p:spPr>
+          <a:xfrm>
+            <a:off x="413147" y="1042588"/>
+            <a:ext cx="13579793" cy="755809"/>
+          </a:xfrm>
+          <a:prstGeom prst="rect">
+            <a:avLst/>
+          </a:prstGeom>
+          <a:noFill/>
+          <a:ln/>
+        </p:spPr>
+        <p:txBody>
+          <a:bodyPr wrap="square" lIns="0" tIns="0" rIns="0" bIns="0" rtlCol="0" anchor="t"/>
+          <a:lstStyle/>
+          <a:p>
+            <a:pPr>
+              <a:lnSpc>
+                <a:spcPts val="1450"/>
+              </a:lnSpc>
+            </a:pPr>
+            <a:r>
+              <a:rPr lang="en-US" sz="1400" dirty="0">
+                <a:solidFill>
+                  <a:srgbClr val="4C4C4C"/>
+                </a:solidFill>
+                <a:latin typeface="Consolas" pitchFamily="34" charset="0"/>
+                <a:ea typeface="Consolas" pitchFamily="34" charset="-122"/>
+                <a:cs typeface="Consolas" pitchFamily="34" charset="-120"/>
+              </a:rPr>
+              <a:t> select date_format(date_applied , '%Y-%M') as month, count(</a:t>
+            </a:r>
+            <a:r>
+              <a:rPr lang="en-US" sz="1400" dirty="0" err="1">
+                <a:solidFill>
+                  <a:srgbClr val="4C4C4C"/>
+                </a:solidFill>
+                <a:latin typeface="Consolas" pitchFamily="34" charset="0"/>
+                <a:ea typeface="Consolas" pitchFamily="34" charset="-122"/>
+                <a:cs typeface="Consolas" pitchFamily="34" charset="-120"/>
+              </a:rPr>
+              <a:t>app_id</a:t>
+            </a:r>
+            <a:r>
+              <a:rPr lang="en-US" sz="1400" dirty="0">
+                <a:solidFill>
+                  <a:srgbClr val="4C4C4C"/>
+                </a:solidFill>
+                <a:latin typeface="Consolas" pitchFamily="34" charset="0"/>
+                <a:ea typeface="Consolas" pitchFamily="34" charset="-122"/>
+                <a:cs typeface="Consolas" pitchFamily="34" charset="-120"/>
+              </a:rPr>
+              <a:t>) as </a:t>
+            </a:r>
+            <a:r>
+              <a:rPr lang="en-US" sz="1400" dirty="0" err="1">
+                <a:solidFill>
+                  <a:srgbClr val="4C4C4C"/>
+                </a:solidFill>
+                <a:latin typeface="Consolas" pitchFamily="34" charset="0"/>
+                <a:ea typeface="Consolas" pitchFamily="34" charset="-122"/>
+                <a:cs typeface="Consolas" pitchFamily="34" charset="-120"/>
+              </a:rPr>
+              <a:t>Total_application_per_month</a:t>
+            </a:r>
+            <a:endParaRPr lang="en-US" sz="1400" dirty="0">
+              <a:solidFill>
+                <a:srgbClr val="4C4C4C"/>
+              </a:solidFill>
+              <a:latin typeface="Consolas" pitchFamily="34" charset="0"/>
+              <a:ea typeface="Consolas" pitchFamily="34" charset="-122"/>
+              <a:cs typeface="Consolas" pitchFamily="34" charset="-120"/>
+            </a:endParaRPr>
+          </a:p>
+          <a:p>
+            <a:pPr>
+              <a:lnSpc>
+                <a:spcPts val="1450"/>
+              </a:lnSpc>
+            </a:pPr>
+            <a:r>
+              <a:rPr lang="en-US" sz="1400" dirty="0">
+                <a:solidFill>
+                  <a:srgbClr val="4C4C4C"/>
+                </a:solidFill>
+                <a:latin typeface="Consolas" pitchFamily="34" charset="0"/>
+                <a:ea typeface="Consolas" pitchFamily="34" charset="-122"/>
+                <a:cs typeface="Consolas" pitchFamily="34" charset="-120"/>
+              </a:rPr>
+              <a:t> from applications</a:t>
+            </a:r>
+          </a:p>
+          <a:p>
+            <a:pPr>
+              <a:lnSpc>
+                <a:spcPts val="1450"/>
+              </a:lnSpc>
+            </a:pPr>
+            <a:r>
+              <a:rPr lang="en-US" sz="1400" dirty="0">
+                <a:solidFill>
+                  <a:srgbClr val="4C4C4C"/>
+                </a:solidFill>
+                <a:latin typeface="Consolas" pitchFamily="34" charset="0"/>
+                <a:ea typeface="Consolas" pitchFamily="34" charset="-122"/>
+                <a:cs typeface="Consolas" pitchFamily="34" charset="-120"/>
+              </a:rPr>
+              <a:t> group by month</a:t>
+            </a:r>
+          </a:p>
+          <a:p>
+            <a:pPr>
+              <a:lnSpc>
+                <a:spcPts val="1450"/>
+              </a:lnSpc>
+            </a:pPr>
+            <a:r>
+              <a:rPr lang="en-US" sz="1400" dirty="0">
+                <a:solidFill>
+                  <a:srgbClr val="4C4C4C"/>
+                </a:solidFill>
+                <a:latin typeface="Consolas" pitchFamily="34" charset="0"/>
+                <a:ea typeface="Consolas" pitchFamily="34" charset="-122"/>
+                <a:cs typeface="Consolas" pitchFamily="34" charset="-120"/>
+              </a:rPr>
+              <a:t> order by min(date_applied);</a:t>
+            </a:r>
+            <a:endParaRPr lang="en-US" sz="1400" dirty="0"/>
+          </a:p>
+        </p:txBody>
+      </p:sp>
+      <p:sp>
+        <p:nvSpPr>
+          <p:cNvPr id="8" name="Shape 5">
+            <a:extLst>
+              <a:ext uri="{FF2B5EF4-FFF2-40B4-BE49-F238E27FC236}">
+                <a16:creationId xmlns:a16="http://schemas.microsoft.com/office/drawing/2014/main" id="{5A006234-DD4D-A01F-C779-398B600F1AAD}"/>
+              </a:ext>
+            </a:extLst>
+          </p:cNvPr>
+          <p:cNvSpPr/>
+          <p:nvPr/>
+        </p:nvSpPr>
+        <p:spPr>
+          <a:xfrm>
+            <a:off x="3132892" y="9928860"/>
+            <a:ext cx="117991" cy="117991"/>
+          </a:xfrm>
+          <a:prstGeom prst="roundRect">
+            <a:avLst>
+              <a:gd name="adj" fmla="val 15499"/>
+            </a:avLst>
+          </a:prstGeom>
+          <a:solidFill>
+            <a:srgbClr val="2B2722"/>
+          </a:solidFill>
+          <a:ln/>
+        </p:spPr>
+        <p:txBody>
+          <a:bodyPr/>
+          <a:lstStyle/>
+          <a:p>
+            <a:endParaRPr lang="en-IN"/>
+          </a:p>
+        </p:txBody>
+      </p:sp>
+      <p:sp>
+        <p:nvSpPr>
+          <p:cNvPr id="9" name="Text 6">
+            <a:extLst>
+              <a:ext uri="{FF2B5EF4-FFF2-40B4-BE49-F238E27FC236}">
+                <a16:creationId xmlns:a16="http://schemas.microsoft.com/office/drawing/2014/main" id="{C400339E-605F-CDF9-54CC-976DB6486F48}"/>
+              </a:ext>
+            </a:extLst>
+          </p:cNvPr>
+          <p:cNvSpPr/>
+          <p:nvPr/>
+        </p:nvSpPr>
+        <p:spPr>
+          <a:xfrm>
+            <a:off x="3311843" y="9928860"/>
+            <a:ext cx="438031" cy="118110"/>
+          </a:xfrm>
+          <a:prstGeom prst="rect">
+            <a:avLst/>
+          </a:prstGeom>
+          <a:noFill/>
+          <a:ln/>
+        </p:spPr>
+        <p:txBody>
+          <a:bodyPr wrap="none" lIns="0" tIns="0" rIns="0" bIns="0" rtlCol="0" anchor="t"/>
+          <a:lstStyle/>
+          <a:p>
+            <a:pPr marL="0" indent="0" algn="l">
+              <a:lnSpc>
+                <a:spcPts val="900"/>
+              </a:lnSpc>
+              <a:buNone/>
+            </a:pPr>
+            <a:r>
+              <a:rPr lang="en-US" sz="900" dirty="0">
+                <a:solidFill>
+                  <a:srgbClr val="4C4C4C"/>
+                </a:solidFill>
+                <a:latin typeface="Noto Serif" pitchFamily="34" charset="0"/>
+                <a:ea typeface="Noto Serif" pitchFamily="34" charset="-122"/>
+                <a:cs typeface="Noto Serif" pitchFamily="34" charset="-120"/>
+              </a:rPr>
+              <a:t>Applied</a:t>
+            </a:r>
+            <a:endParaRPr lang="en-US" sz="900" dirty="0"/>
+          </a:p>
+        </p:txBody>
+      </p:sp>
+      <p:sp>
+        <p:nvSpPr>
+          <p:cNvPr id="10" name="Shape 7">
+            <a:extLst>
+              <a:ext uri="{FF2B5EF4-FFF2-40B4-BE49-F238E27FC236}">
+                <a16:creationId xmlns:a16="http://schemas.microsoft.com/office/drawing/2014/main" id="{561885D6-6EB6-07B5-8202-10D51AC11863}"/>
+              </a:ext>
+            </a:extLst>
+          </p:cNvPr>
+          <p:cNvSpPr/>
+          <p:nvPr/>
+        </p:nvSpPr>
+        <p:spPr>
+          <a:xfrm>
+            <a:off x="5205889" y="9928860"/>
+            <a:ext cx="117991" cy="117991"/>
+          </a:xfrm>
+          <a:prstGeom prst="roundRect">
+            <a:avLst>
+              <a:gd name="adj" fmla="val 15499"/>
+            </a:avLst>
+          </a:prstGeom>
+          <a:solidFill>
+            <a:srgbClr val="5D554A"/>
+          </a:solidFill>
+          <a:ln/>
+        </p:spPr>
+        <p:txBody>
+          <a:bodyPr/>
+          <a:lstStyle/>
+          <a:p>
+            <a:endParaRPr lang="en-IN"/>
+          </a:p>
+        </p:txBody>
+      </p:sp>
+      <p:sp>
+        <p:nvSpPr>
+          <p:cNvPr id="11" name="Text 8">
+            <a:extLst>
+              <a:ext uri="{FF2B5EF4-FFF2-40B4-BE49-F238E27FC236}">
+                <a16:creationId xmlns:a16="http://schemas.microsoft.com/office/drawing/2014/main" id="{FA009B29-5F49-55E8-1071-46074285E7CA}"/>
+              </a:ext>
+            </a:extLst>
+          </p:cNvPr>
+          <p:cNvSpPr/>
+          <p:nvPr/>
+        </p:nvSpPr>
+        <p:spPr>
+          <a:xfrm>
+            <a:off x="5384840" y="9928860"/>
+            <a:ext cx="550545" cy="118110"/>
+          </a:xfrm>
+          <a:prstGeom prst="rect">
+            <a:avLst/>
+          </a:prstGeom>
+          <a:noFill/>
+          <a:ln/>
+        </p:spPr>
+        <p:txBody>
+          <a:bodyPr wrap="none" lIns="0" tIns="0" rIns="0" bIns="0" rtlCol="0" anchor="t"/>
+          <a:lstStyle/>
+          <a:p>
+            <a:pPr marL="0" indent="0" algn="l">
+              <a:lnSpc>
+                <a:spcPts val="900"/>
+              </a:lnSpc>
+              <a:buNone/>
+            </a:pPr>
+            <a:r>
+              <a:rPr lang="en-US" sz="900" dirty="0">
+                <a:solidFill>
+                  <a:srgbClr val="4C4C4C"/>
+                </a:solidFill>
+                <a:latin typeface="Noto Serif" pitchFamily="34" charset="0"/>
+                <a:ea typeface="Noto Serif" pitchFamily="34" charset="-122"/>
+                <a:cs typeface="Noto Serif" pitchFamily="34" charset="-120"/>
+              </a:rPr>
+              <a:t>Interview</a:t>
+            </a:r>
+            <a:endParaRPr lang="en-US" sz="900" dirty="0"/>
+          </a:p>
+        </p:txBody>
+      </p:sp>
+      <p:sp>
+        <p:nvSpPr>
+          <p:cNvPr id="12" name="Shape 9">
+            <a:extLst>
+              <a:ext uri="{FF2B5EF4-FFF2-40B4-BE49-F238E27FC236}">
+                <a16:creationId xmlns:a16="http://schemas.microsoft.com/office/drawing/2014/main" id="{D89CACA1-C878-7546-D5A4-E999805EED24}"/>
+              </a:ext>
+            </a:extLst>
+          </p:cNvPr>
+          <p:cNvSpPr/>
+          <p:nvPr/>
+        </p:nvSpPr>
+        <p:spPr>
+          <a:xfrm>
+            <a:off x="8733115" y="9928860"/>
+            <a:ext cx="117991" cy="117991"/>
+          </a:xfrm>
+          <a:prstGeom prst="roundRect">
+            <a:avLst>
+              <a:gd name="adj" fmla="val 15499"/>
+            </a:avLst>
+          </a:prstGeom>
+          <a:solidFill>
+            <a:srgbClr val="8F8473"/>
+          </a:solidFill>
+          <a:ln/>
+        </p:spPr>
+        <p:txBody>
+          <a:bodyPr/>
+          <a:lstStyle/>
+          <a:p>
+            <a:endParaRPr lang="en-IN"/>
+          </a:p>
+        </p:txBody>
+      </p:sp>
+      <p:sp>
+        <p:nvSpPr>
+          <p:cNvPr id="13" name="Text 10">
+            <a:extLst>
+              <a:ext uri="{FF2B5EF4-FFF2-40B4-BE49-F238E27FC236}">
+                <a16:creationId xmlns:a16="http://schemas.microsoft.com/office/drawing/2014/main" id="{6DC4B405-2A96-CE9C-F40D-B89B586BD891}"/>
+              </a:ext>
+            </a:extLst>
+          </p:cNvPr>
+          <p:cNvSpPr/>
+          <p:nvPr/>
+        </p:nvSpPr>
+        <p:spPr>
+          <a:xfrm>
+            <a:off x="8912066" y="9928860"/>
+            <a:ext cx="474226" cy="118110"/>
+          </a:xfrm>
+          <a:prstGeom prst="rect">
+            <a:avLst/>
+          </a:prstGeom>
+          <a:noFill/>
+          <a:ln/>
+        </p:spPr>
+        <p:txBody>
+          <a:bodyPr wrap="none" lIns="0" tIns="0" rIns="0" bIns="0" rtlCol="0" anchor="t"/>
+          <a:lstStyle/>
+          <a:p>
+            <a:pPr marL="0" indent="0" algn="l">
+              <a:lnSpc>
+                <a:spcPts val="900"/>
+              </a:lnSpc>
+              <a:buNone/>
+            </a:pPr>
+            <a:r>
+              <a:rPr lang="en-US" sz="900" dirty="0">
+                <a:solidFill>
+                  <a:srgbClr val="4C4C4C"/>
+                </a:solidFill>
+                <a:latin typeface="Noto Serif" pitchFamily="34" charset="0"/>
+                <a:ea typeface="Noto Serif" pitchFamily="34" charset="-122"/>
+                <a:cs typeface="Noto Serif" pitchFamily="34" charset="-120"/>
+              </a:rPr>
+              <a:t>Rejected</a:t>
+            </a:r>
+            <a:endParaRPr lang="en-US" sz="900" dirty="0"/>
+          </a:p>
+        </p:txBody>
+      </p:sp>
+      <p:sp>
+        <p:nvSpPr>
+          <p:cNvPr id="14" name="Shape 11">
+            <a:extLst>
+              <a:ext uri="{FF2B5EF4-FFF2-40B4-BE49-F238E27FC236}">
+                <a16:creationId xmlns:a16="http://schemas.microsoft.com/office/drawing/2014/main" id="{57983B65-E3C3-C5F0-7380-9F08D7D9D35E}"/>
+              </a:ext>
+            </a:extLst>
+          </p:cNvPr>
+          <p:cNvSpPr/>
+          <p:nvPr/>
+        </p:nvSpPr>
+        <p:spPr>
+          <a:xfrm>
+            <a:off x="10880527" y="9928860"/>
+            <a:ext cx="117991" cy="117991"/>
+          </a:xfrm>
+          <a:prstGeom prst="roundRect">
+            <a:avLst>
+              <a:gd name="adj" fmla="val 15499"/>
+            </a:avLst>
+          </a:prstGeom>
+          <a:solidFill>
+            <a:srgbClr val="B7B0A5"/>
+          </a:solidFill>
+          <a:ln/>
+        </p:spPr>
+        <p:txBody>
+          <a:bodyPr/>
+          <a:lstStyle/>
+          <a:p>
+            <a:endParaRPr lang="en-IN"/>
+          </a:p>
+        </p:txBody>
+      </p:sp>
+      <p:sp>
+        <p:nvSpPr>
+          <p:cNvPr id="15" name="Text 12">
+            <a:extLst>
+              <a:ext uri="{FF2B5EF4-FFF2-40B4-BE49-F238E27FC236}">
+                <a16:creationId xmlns:a16="http://schemas.microsoft.com/office/drawing/2014/main" id="{DB51B865-5251-3667-83FA-13C7DA1302D7}"/>
+              </a:ext>
+            </a:extLst>
+          </p:cNvPr>
+          <p:cNvSpPr/>
+          <p:nvPr/>
+        </p:nvSpPr>
+        <p:spPr>
+          <a:xfrm>
+            <a:off x="11059478" y="9928860"/>
+            <a:ext cx="293370" cy="118110"/>
+          </a:xfrm>
+          <a:prstGeom prst="rect">
+            <a:avLst/>
+          </a:prstGeom>
+          <a:noFill/>
+          <a:ln/>
+        </p:spPr>
+        <p:txBody>
+          <a:bodyPr wrap="none" lIns="0" tIns="0" rIns="0" bIns="0" rtlCol="0" anchor="t"/>
+          <a:lstStyle/>
+          <a:p>
+            <a:pPr marL="0" indent="0" algn="l">
+              <a:lnSpc>
+                <a:spcPts val="900"/>
+              </a:lnSpc>
+              <a:buNone/>
+            </a:pPr>
+            <a:r>
+              <a:rPr lang="en-US" sz="900" dirty="0">
+                <a:solidFill>
+                  <a:srgbClr val="4C4C4C"/>
+                </a:solidFill>
+                <a:latin typeface="Noto Serif" pitchFamily="34" charset="0"/>
+                <a:ea typeface="Noto Serif" pitchFamily="34" charset="-122"/>
+                <a:cs typeface="Noto Serif" pitchFamily="34" charset="-120"/>
+              </a:rPr>
+              <a:t>Offer</a:t>
+            </a:r>
+            <a:endParaRPr lang="en-US" sz="900" dirty="0"/>
+          </a:p>
+        </p:txBody>
+      </p:sp>
+      <p:sp>
+        <p:nvSpPr>
+          <p:cNvPr id="16" name="Text 13">
+            <a:extLst>
+              <a:ext uri="{FF2B5EF4-FFF2-40B4-BE49-F238E27FC236}">
+                <a16:creationId xmlns:a16="http://schemas.microsoft.com/office/drawing/2014/main" id="{CA18FCE9-32BF-15D4-2D29-A065AFEC8547}"/>
+              </a:ext>
+            </a:extLst>
+          </p:cNvPr>
+          <p:cNvSpPr/>
+          <p:nvPr/>
+        </p:nvSpPr>
+        <p:spPr>
+          <a:xfrm>
+            <a:off x="413147" y="10179725"/>
             <a:ext cx="13804106" cy="188952"/>
           </a:xfrm>
           <a:prstGeom prst="rect">
@@ -7057,180 +8107,8 @@
                 <a:ea typeface="Noto Serif" pitchFamily="34" charset="-122"/>
                 <a:cs typeface="Noto Serif" pitchFamily="34" charset="-120"/>
               </a:rPr>
-              <a:t>Total applications by status across all submissions</a:t>
-            </a:r>
-            <a:endParaRPr lang="en-US" sz="900" dirty="0"/>
-          </a:p>
-        </p:txBody>
-      </p:sp>
-      <p:sp>
-        <p:nvSpPr>
-          <p:cNvPr id="4" name="Shape 2">
-            <a:extLst>
-              <a:ext uri="{FF2B5EF4-FFF2-40B4-BE49-F238E27FC236}">
-                <a16:creationId xmlns:a16="http://schemas.microsoft.com/office/drawing/2014/main" id="{0BD87866-BBBC-870E-BF57-9C87C4FB3187}"/>
-              </a:ext>
-            </a:extLst>
-          </p:cNvPr>
-          <p:cNvSpPr/>
-          <p:nvPr/>
-        </p:nvSpPr>
-        <p:spPr>
-          <a:xfrm>
-            <a:off x="413147" y="1251228"/>
-            <a:ext cx="13804106" cy="932736"/>
-          </a:xfrm>
-          <a:prstGeom prst="roundRect">
-            <a:avLst>
-              <a:gd name="adj" fmla="val 5316"/>
-            </a:avLst>
-          </a:prstGeom>
-          <a:solidFill>
-            <a:srgbClr val="F0EEEA"/>
-          </a:solidFill>
-          <a:ln/>
-        </p:spPr>
-      </p:sp>
-      <p:sp>
-        <p:nvSpPr>
-          <p:cNvPr id="5" name="Shape 3">
-            <a:extLst>
-              <a:ext uri="{FF2B5EF4-FFF2-40B4-BE49-F238E27FC236}">
-                <a16:creationId xmlns:a16="http://schemas.microsoft.com/office/drawing/2014/main" id="{5C1C3404-DA14-3EF1-52B6-609B572C47F9}"/>
-              </a:ext>
-            </a:extLst>
-          </p:cNvPr>
-          <p:cNvSpPr/>
-          <p:nvPr/>
-        </p:nvSpPr>
-        <p:spPr>
-          <a:xfrm>
-            <a:off x="407313" y="1251228"/>
-            <a:ext cx="13815774" cy="932736"/>
-          </a:xfrm>
-          <a:prstGeom prst="roundRect">
-            <a:avLst>
-              <a:gd name="adj" fmla="val 1899"/>
-            </a:avLst>
-          </a:prstGeom>
-          <a:solidFill>
-            <a:srgbClr val="F0EEEA"/>
-          </a:solidFill>
-          <a:ln/>
-        </p:spPr>
-      </p:sp>
-      <p:sp>
-        <p:nvSpPr>
-          <p:cNvPr id="6" name="Text 4">
-            <a:extLst>
-              <a:ext uri="{FF2B5EF4-FFF2-40B4-BE49-F238E27FC236}">
-                <a16:creationId xmlns:a16="http://schemas.microsoft.com/office/drawing/2014/main" id="{6D918BD5-674F-D9CE-E52C-343C94359591}"/>
-              </a:ext>
-            </a:extLst>
-          </p:cNvPr>
-          <p:cNvSpPr/>
-          <p:nvPr/>
-        </p:nvSpPr>
-        <p:spPr>
-          <a:xfrm>
-            <a:off x="525304" y="1339691"/>
-            <a:ext cx="13579793" cy="755809"/>
-          </a:xfrm>
-          <a:prstGeom prst="rect">
-            <a:avLst/>
-          </a:prstGeom>
-          <a:noFill/>
-          <a:ln/>
-        </p:spPr>
-        <p:txBody>
-          <a:bodyPr wrap="square" lIns="0" tIns="0" rIns="0" bIns="0" rtlCol="0" anchor="t"/>
-          <a:lstStyle/>
-          <a:p>
-            <a:pPr marL="0" indent="0" algn="l">
-              <a:lnSpc>
-                <a:spcPts val="1450"/>
-              </a:lnSpc>
-              <a:buNone/>
-            </a:pPr>
-            <a:r>
-              <a:rPr lang="en-US" sz="900" dirty="0">
-                <a:solidFill>
-                  <a:srgbClr val="4C4C4C"/>
-                </a:solidFill>
-                <a:highlight>
-                  <a:srgbClr val="F0EEEA"/>
-                </a:highlight>
-                <a:latin typeface="Consolas" pitchFamily="34" charset="0"/>
-                <a:ea typeface="Consolas" pitchFamily="34" charset="-122"/>
-                <a:cs typeface="Consolas" pitchFamily="34" charset="-120"/>
-              </a:rPr>
-              <a:t>SELECT status, COUNT(*) as total_countFROM applicationsGROUP BY statusORDER BY total_count DESC;</a:t>
-            </a:r>
-            <a:endParaRPr lang="en-US" sz="900" dirty="0"/>
-          </a:p>
-        </p:txBody>
-      </p:sp>
-      <p:sp>
-        <p:nvSpPr>
-          <p:cNvPr id="8" name="Shape 5">
-            <a:extLst>
-              <a:ext uri="{FF2B5EF4-FFF2-40B4-BE49-F238E27FC236}">
-                <a16:creationId xmlns:a16="http://schemas.microsoft.com/office/drawing/2014/main" id="{C50E17B8-1C11-2B5E-52C2-A4586B05AACB}"/>
-              </a:ext>
-            </a:extLst>
-          </p:cNvPr>
-          <p:cNvSpPr/>
-          <p:nvPr/>
-        </p:nvSpPr>
-        <p:spPr>
-          <a:xfrm>
-            <a:off x="3132892" y="9928860"/>
-            <a:ext cx="117991" cy="117991"/>
-          </a:xfrm>
-          <a:prstGeom prst="roundRect">
-            <a:avLst>
-              <a:gd name="adj" fmla="val 15499"/>
-            </a:avLst>
-          </a:prstGeom>
-          <a:solidFill>
-            <a:srgbClr val="2B2722"/>
-          </a:solidFill>
-          <a:ln/>
-        </p:spPr>
-      </p:sp>
-      <p:sp>
-        <p:nvSpPr>
-          <p:cNvPr id="9" name="Text 6">
-            <a:extLst>
-              <a:ext uri="{FF2B5EF4-FFF2-40B4-BE49-F238E27FC236}">
-                <a16:creationId xmlns:a16="http://schemas.microsoft.com/office/drawing/2014/main" id="{3DB7181B-31AA-2BD2-63A3-2C5EDBA490BF}"/>
-              </a:ext>
-            </a:extLst>
-          </p:cNvPr>
-          <p:cNvSpPr/>
-          <p:nvPr/>
-        </p:nvSpPr>
-        <p:spPr>
-          <a:xfrm>
-            <a:off x="3311843" y="9928860"/>
-            <a:ext cx="438031" cy="118110"/>
-          </a:xfrm>
-          <a:prstGeom prst="rect">
-            <a:avLst/>
-          </a:prstGeom>
-          <a:noFill/>
-          <a:ln/>
-        </p:spPr>
-        <p:txBody>
-          <a:bodyPr wrap="none" lIns="0" tIns="0" rIns="0" bIns="0" rtlCol="0" anchor="t"/>
-          <a:lstStyle/>
-          <a:p>
-            <a:pPr marL="0" indent="0" algn="l">
-              <a:lnSpc>
-                <a:spcPts val="900"/>
-              </a:lnSpc>
-              <a:buNone/>
-            </a:pPr>
+              <a:t>Key Insight:</a:t>
+            </a:r>
             <a:r>
               <a:rPr lang="en-US" sz="900" dirty="0">
                 <a:solidFill>
@@ -7240,7 +8118,7 @@
                 <a:ea typeface="Noto Serif" pitchFamily="34" charset="-122"/>
                 <a:cs typeface="Noto Serif" pitchFamily="34" charset="-120"/>
               </a:rPr>
-              <a:t>Applied</a:t>
+              <a:t> 45 applications remain in progress, while 28 rejections indicate competitive screening processes requiring strategic focus.</a:t>
             </a:r>
             <a:endParaRPr lang="en-US" sz="900" dirty="0"/>
           </a:p>
@@ -7248,48 +8126,20 @@
       </p:sp>
       <p:sp>
         <p:nvSpPr>
-          <p:cNvPr id="10" name="Shape 7">
-            <a:extLst>
-              <a:ext uri="{FF2B5EF4-FFF2-40B4-BE49-F238E27FC236}">
-                <a16:creationId xmlns:a16="http://schemas.microsoft.com/office/drawing/2014/main" id="{66DEFDE8-E6FD-152E-60CA-DBA24E73BF57}"/>
-              </a:ext>
-            </a:extLst>
-          </p:cNvPr>
-          <p:cNvSpPr/>
-          <p:nvPr/>
-        </p:nvSpPr>
-        <p:spPr>
-          <a:xfrm>
-            <a:off x="5205889" y="9928860"/>
-            <a:ext cx="117991" cy="117991"/>
-          </a:xfrm>
-          <a:prstGeom prst="roundRect">
-            <a:avLst>
-              <a:gd name="adj" fmla="val 15499"/>
-            </a:avLst>
-          </a:prstGeom>
-          <a:solidFill>
-            <a:srgbClr val="5D554A"/>
-          </a:solidFill>
-          <a:ln/>
-        </p:spPr>
-      </p:sp>
-      <p:sp>
-        <p:nvSpPr>
-          <p:cNvPr id="11" name="Text 8">
-            <a:extLst>
-              <a:ext uri="{FF2B5EF4-FFF2-40B4-BE49-F238E27FC236}">
-                <a16:creationId xmlns:a16="http://schemas.microsoft.com/office/drawing/2014/main" id="{90F74EDE-20B7-9C29-41CF-F31AD0BDD84E}"/>
-              </a:ext>
-            </a:extLst>
-          </p:cNvPr>
-          <p:cNvSpPr/>
-          <p:nvPr/>
-        </p:nvSpPr>
-        <p:spPr>
-          <a:xfrm>
-            <a:off x="5384840" y="9928860"/>
-            <a:ext cx="550545" cy="118110"/>
+          <p:cNvPr id="17" name="Text 6">
+            <a:extLst>
+              <a:ext uri="{FF2B5EF4-FFF2-40B4-BE49-F238E27FC236}">
+                <a16:creationId xmlns:a16="http://schemas.microsoft.com/office/drawing/2014/main" id="{E8CC3CF6-5B39-E8A9-4BDC-C4D286B230D4}"/>
+              </a:ext>
+            </a:extLst>
+          </p:cNvPr>
+          <p:cNvSpPr/>
+          <p:nvPr/>
+        </p:nvSpPr>
+        <p:spPr>
+          <a:xfrm>
+            <a:off x="668042" y="7587461"/>
+            <a:ext cx="13042821" cy="362903"/>
           </a:xfrm>
           <a:prstGeom prst="rect">
             <a:avLst/>
@@ -7301,294 +8151,35 @@
           <a:bodyPr wrap="none" lIns="0" tIns="0" rIns="0" bIns="0" rtlCol="0" anchor="t"/>
           <a:lstStyle/>
           <a:p>
-            <a:pPr marL="0" indent="0" algn="l">
-              <a:lnSpc>
-                <a:spcPts val="900"/>
-              </a:lnSpc>
-              <a:buNone/>
-            </a:pPr>
-            <a:r>
-              <a:rPr lang="en-US" sz="900" dirty="0">
-                <a:solidFill>
-                  <a:srgbClr val="4C4C4C"/>
-                </a:solidFill>
-                <a:latin typeface="Noto Serif" pitchFamily="34" charset="0"/>
-                <a:ea typeface="Noto Serif" pitchFamily="34" charset="-122"/>
-                <a:cs typeface="Noto Serif" pitchFamily="34" charset="-120"/>
-              </a:rPr>
-              <a:t>Interview</a:t>
-            </a:r>
-            <a:endParaRPr lang="en-US" sz="900" dirty="0"/>
-          </a:p>
-        </p:txBody>
-      </p:sp>
-      <p:sp>
-        <p:nvSpPr>
-          <p:cNvPr id="12" name="Shape 9">
-            <a:extLst>
-              <a:ext uri="{FF2B5EF4-FFF2-40B4-BE49-F238E27FC236}">
-                <a16:creationId xmlns:a16="http://schemas.microsoft.com/office/drawing/2014/main" id="{F71B2D15-C5BA-092E-7774-ABC70E09C68B}"/>
-              </a:ext>
-            </a:extLst>
-          </p:cNvPr>
-          <p:cNvSpPr/>
-          <p:nvPr/>
-        </p:nvSpPr>
-        <p:spPr>
-          <a:xfrm>
-            <a:off x="8733115" y="9928860"/>
-            <a:ext cx="117991" cy="117991"/>
-          </a:xfrm>
-          <a:prstGeom prst="roundRect">
-            <a:avLst>
-              <a:gd name="adj" fmla="val 15499"/>
-            </a:avLst>
-          </a:prstGeom>
-          <a:solidFill>
-            <a:srgbClr val="8F8473"/>
-          </a:solidFill>
-          <a:ln/>
-        </p:spPr>
-      </p:sp>
-      <p:sp>
-        <p:nvSpPr>
-          <p:cNvPr id="13" name="Text 10">
-            <a:extLst>
-              <a:ext uri="{FF2B5EF4-FFF2-40B4-BE49-F238E27FC236}">
-                <a16:creationId xmlns:a16="http://schemas.microsoft.com/office/drawing/2014/main" id="{024F5655-1576-AB66-69C3-124010627883}"/>
-              </a:ext>
-            </a:extLst>
-          </p:cNvPr>
-          <p:cNvSpPr/>
-          <p:nvPr/>
-        </p:nvSpPr>
-        <p:spPr>
-          <a:xfrm>
-            <a:off x="8912066" y="9928860"/>
-            <a:ext cx="474226" cy="118110"/>
-          </a:xfrm>
-          <a:prstGeom prst="rect">
-            <a:avLst/>
-          </a:prstGeom>
-          <a:noFill/>
-          <a:ln/>
-        </p:spPr>
-        <p:txBody>
-          <a:bodyPr wrap="none" lIns="0" tIns="0" rIns="0" bIns="0" rtlCol="0" anchor="t"/>
-          <a:lstStyle/>
-          <a:p>
-            <a:pPr marL="0" indent="0" algn="l">
-              <a:lnSpc>
-                <a:spcPts val="900"/>
-              </a:lnSpc>
-              <a:buNone/>
-            </a:pPr>
-            <a:r>
-              <a:rPr lang="en-US" sz="900" dirty="0">
-                <a:solidFill>
-                  <a:srgbClr val="4C4C4C"/>
-                </a:solidFill>
-                <a:latin typeface="Noto Serif" pitchFamily="34" charset="0"/>
-                <a:ea typeface="Noto Serif" pitchFamily="34" charset="-122"/>
-                <a:cs typeface="Noto Serif" pitchFamily="34" charset="-120"/>
-              </a:rPr>
-              <a:t>Rejected</a:t>
-            </a:r>
-            <a:endParaRPr lang="en-US" sz="900" dirty="0"/>
-          </a:p>
-        </p:txBody>
-      </p:sp>
-      <p:sp>
-        <p:nvSpPr>
-          <p:cNvPr id="14" name="Shape 11">
-            <a:extLst>
-              <a:ext uri="{FF2B5EF4-FFF2-40B4-BE49-F238E27FC236}">
-                <a16:creationId xmlns:a16="http://schemas.microsoft.com/office/drawing/2014/main" id="{604CAEDE-B29C-5980-E9EE-A7C4C99CC844}"/>
-              </a:ext>
-            </a:extLst>
-          </p:cNvPr>
-          <p:cNvSpPr/>
-          <p:nvPr/>
-        </p:nvSpPr>
-        <p:spPr>
-          <a:xfrm>
-            <a:off x="10880527" y="9928860"/>
-            <a:ext cx="117991" cy="117991"/>
-          </a:xfrm>
-          <a:prstGeom prst="roundRect">
-            <a:avLst>
-              <a:gd name="adj" fmla="val 15499"/>
-            </a:avLst>
-          </a:prstGeom>
-          <a:solidFill>
-            <a:srgbClr val="B7B0A5"/>
-          </a:solidFill>
-          <a:ln/>
-        </p:spPr>
-      </p:sp>
-      <p:sp>
-        <p:nvSpPr>
-          <p:cNvPr id="15" name="Text 12">
-            <a:extLst>
-              <a:ext uri="{FF2B5EF4-FFF2-40B4-BE49-F238E27FC236}">
-                <a16:creationId xmlns:a16="http://schemas.microsoft.com/office/drawing/2014/main" id="{41192ED3-EB61-A373-6E53-AF6FD7322F4F}"/>
-              </a:ext>
-            </a:extLst>
-          </p:cNvPr>
-          <p:cNvSpPr/>
-          <p:nvPr/>
-        </p:nvSpPr>
-        <p:spPr>
-          <a:xfrm>
-            <a:off x="11059478" y="9928860"/>
-            <a:ext cx="293370" cy="118110"/>
-          </a:xfrm>
-          <a:prstGeom prst="rect">
-            <a:avLst/>
-          </a:prstGeom>
-          <a:noFill/>
-          <a:ln/>
-        </p:spPr>
-        <p:txBody>
-          <a:bodyPr wrap="none" lIns="0" tIns="0" rIns="0" bIns="0" rtlCol="0" anchor="t"/>
-          <a:lstStyle/>
-          <a:p>
-            <a:pPr marL="0" indent="0" algn="l">
-              <a:lnSpc>
-                <a:spcPts val="900"/>
-              </a:lnSpc>
-              <a:buNone/>
-            </a:pPr>
-            <a:r>
-              <a:rPr lang="en-US" sz="900" dirty="0">
-                <a:solidFill>
-                  <a:srgbClr val="4C4C4C"/>
-                </a:solidFill>
-                <a:latin typeface="Noto Serif" pitchFamily="34" charset="0"/>
-                <a:ea typeface="Noto Serif" pitchFamily="34" charset="-122"/>
-                <a:cs typeface="Noto Serif" pitchFamily="34" charset="-120"/>
-              </a:rPr>
-              <a:t>Offer</a:t>
-            </a:r>
-            <a:endParaRPr lang="en-US" sz="900" dirty="0"/>
-          </a:p>
-        </p:txBody>
-      </p:sp>
-      <p:sp>
-        <p:nvSpPr>
-          <p:cNvPr id="16" name="Text 13">
-            <a:extLst>
-              <a:ext uri="{FF2B5EF4-FFF2-40B4-BE49-F238E27FC236}">
-                <a16:creationId xmlns:a16="http://schemas.microsoft.com/office/drawing/2014/main" id="{CF613778-8016-D768-A646-DBA1DD925214}"/>
-              </a:ext>
-            </a:extLst>
-          </p:cNvPr>
-          <p:cNvSpPr/>
-          <p:nvPr/>
-        </p:nvSpPr>
-        <p:spPr>
-          <a:xfrm>
-            <a:off x="413147" y="10179725"/>
-            <a:ext cx="13804106" cy="188952"/>
-          </a:xfrm>
-          <a:prstGeom prst="rect">
-            <a:avLst/>
-          </a:prstGeom>
-          <a:noFill/>
-          <a:ln/>
-        </p:spPr>
-        <p:txBody>
-          <a:bodyPr wrap="none" lIns="0" tIns="0" rIns="0" bIns="0" rtlCol="0" anchor="t"/>
-          <a:lstStyle/>
-          <a:p>
-            <a:pPr marL="0" indent="0" algn="l">
-              <a:lnSpc>
-                <a:spcPts val="1450"/>
-              </a:lnSpc>
-              <a:buNone/>
-            </a:pPr>
-            <a:r>
-              <a:rPr lang="en-US" sz="900" b="1" dirty="0">
-                <a:solidFill>
-                  <a:srgbClr val="4C4C4C"/>
-                </a:solidFill>
-                <a:latin typeface="Noto Serif" pitchFamily="34" charset="0"/>
-                <a:ea typeface="Noto Serif" pitchFamily="34" charset="-122"/>
-                <a:cs typeface="Noto Serif" pitchFamily="34" charset="-120"/>
-              </a:rPr>
-              <a:t>Key Insight:</a:t>
-            </a:r>
-            <a:r>
-              <a:rPr lang="en-US" sz="900" dirty="0">
-                <a:solidFill>
-                  <a:srgbClr val="4C4C4C"/>
-                </a:solidFill>
-                <a:latin typeface="Noto Serif" pitchFamily="34" charset="0"/>
-                <a:ea typeface="Noto Serif" pitchFamily="34" charset="-122"/>
-                <a:cs typeface="Noto Serif" pitchFamily="34" charset="-120"/>
-              </a:rPr>
-              <a:t> 45 applications remain in progress, while 28 rejections indicate competitive screening processes requiring strategic focus.</a:t>
-            </a:r>
-            <a:endParaRPr lang="en-US" sz="900" dirty="0"/>
-          </a:p>
-        </p:txBody>
-      </p:sp>
-      <p:sp>
-        <p:nvSpPr>
-          <p:cNvPr id="17" name="Text 6">
-            <a:extLst>
-              <a:ext uri="{FF2B5EF4-FFF2-40B4-BE49-F238E27FC236}">
-                <a16:creationId xmlns:a16="http://schemas.microsoft.com/office/drawing/2014/main" id="{05FC32EA-C67D-4EE0-6800-5DAF15A381B9}"/>
-              </a:ext>
-            </a:extLst>
-          </p:cNvPr>
-          <p:cNvSpPr/>
-          <p:nvPr/>
-        </p:nvSpPr>
-        <p:spPr>
-          <a:xfrm>
-            <a:off x="793790" y="6954798"/>
-            <a:ext cx="13042821" cy="362903"/>
-          </a:xfrm>
-          <a:prstGeom prst="rect">
-            <a:avLst/>
-          </a:prstGeom>
-          <a:noFill/>
-          <a:ln/>
-        </p:spPr>
-        <p:txBody>
-          <a:bodyPr wrap="none" lIns="0" tIns="0" rIns="0" bIns="0" rtlCol="0" anchor="t"/>
-          <a:lstStyle/>
-          <a:p>
-            <a:pPr marL="0" indent="0" algn="l">
+            <a:pPr>
               <a:lnSpc>
                 <a:spcPts val="2850"/>
               </a:lnSpc>
-              <a:buNone/>
             </a:pPr>
             <a:r>
               <a:rPr lang="en-US" sz="1750" b="1" dirty="0">
                 <a:solidFill>
                   <a:srgbClr val="4C4C4C"/>
                 </a:solidFill>
-                <a:latin typeface="Noto Serif" pitchFamily="34" charset="0"/>
                 <a:ea typeface="Noto Serif" pitchFamily="34" charset="-122"/>
                 <a:cs typeface="Noto Serif" pitchFamily="34" charset="-120"/>
               </a:rPr>
-              <a:t>Key Finding:</a:t>
+              <a:t>Key Finding :</a:t>
             </a:r>
             <a:r>
               <a:rPr lang="en-US" sz="1750" dirty="0">
                 <a:solidFill>
                   <a:srgbClr val="4C4C4C"/>
                 </a:solidFill>
-                <a:latin typeface="Noto Serif" pitchFamily="34" charset="0"/>
                 <a:ea typeface="Noto Serif" pitchFamily="34" charset="-122"/>
                 <a:cs typeface="Noto Serif" pitchFamily="34" charset="-120"/>
               </a:rPr>
-              <a:t> Large tech firms show 75% rejection rates; smaller startups average 45%, suggesting better fit potential.</a:t>
-            </a:r>
-            <a:endParaRPr lang="en-US" sz="1750" dirty="0"/>
+              <a:t> </a:t>
+            </a:r>
+            <a:r>
+              <a:rPr lang="en-US" sz="1750" dirty="0"/>
+              <a:t>Applications peaked in September and October, aligning with major hiring periods</a:t>
+            </a:r>
           </a:p>
         </p:txBody>
       </p:sp>
@@ -7597,7 +8188,7 @@
           <p:cNvPr id="7" name="Rectangle 6">
             <a:extLst>
               <a:ext uri="{FF2B5EF4-FFF2-40B4-BE49-F238E27FC236}">
-                <a16:creationId xmlns:a16="http://schemas.microsoft.com/office/drawing/2014/main" id="{B2EC0F95-6ADD-DC06-A229-BEEED73A386A}"/>
+                <a16:creationId xmlns:a16="http://schemas.microsoft.com/office/drawing/2014/main" id="{7424BA01-D818-EAD5-4453-50E384716EAE}"/>
               </a:ext>
             </a:extLst>
           </p:cNvPr>
@@ -7644,10 +8235,51 @@
           </a:p>
         </p:txBody>
       </p:sp>
+      <p:pic>
+        <p:nvPicPr>
+          <p:cNvPr id="21" name="Picture 20">
+            <a:extLst>
+              <a:ext uri="{FF2B5EF4-FFF2-40B4-BE49-F238E27FC236}">
+                <a16:creationId xmlns:a16="http://schemas.microsoft.com/office/drawing/2014/main" id="{A513F0D3-251A-8F33-9776-73BD1FF73627}"/>
+              </a:ext>
+            </a:extLst>
+          </p:cNvPr>
+          <p:cNvPicPr>
+            <a:picLocks noChangeAspect="1"/>
+          </p:cNvPicPr>
+          <p:nvPr/>
+        </p:nvPicPr>
+        <p:blipFill>
+          <a:blip r:embed="rId3">
+            <a:clrChange>
+              <a:clrFrom>
+                <a:srgbClr val="FFFFFF"/>
+              </a:clrFrom>
+              <a:clrTo>
+                <a:srgbClr val="FFFFFF">
+                  <a:alpha val="0"/>
+                </a:srgbClr>
+              </a:clrTo>
+            </a:clrChange>
+          </a:blip>
+          <a:stretch>
+            <a:fillRect/>
+          </a:stretch>
+        </p:blipFill>
+        <p:spPr>
+          <a:xfrm>
+            <a:off x="1920978" y="2065158"/>
+            <a:ext cx="9431870" cy="5247406"/>
+          </a:xfrm>
+          <a:prstGeom prst="rect">
+            <a:avLst/>
+          </a:prstGeom>
+        </p:spPr>
+      </p:pic>
     </p:spTree>
     <p:extLst>
       <p:ext uri="{BB962C8B-B14F-4D97-AF65-F5344CB8AC3E}">
-        <p14:creationId xmlns:p14="http://schemas.microsoft.com/office/powerpoint/2010/main" val="2761459196"/>
+        <p14:creationId xmlns:p14="http://schemas.microsoft.com/office/powerpoint/2010/main" val="3267679455"/>
       </p:ext>
     </p:extLst>
   </p:cSld>
@@ -7665,7 +8297,7 @@
         <p:cNvPr id="1" name="">
           <a:extLst>
             <a:ext uri="{FF2B5EF4-FFF2-40B4-BE49-F238E27FC236}">
-              <a16:creationId xmlns:a16="http://schemas.microsoft.com/office/drawing/2014/main" id="{C71434B5-BCB9-9AD7-8925-490F2FA6B0BD}"/>
+              <a16:creationId xmlns:a16="http://schemas.microsoft.com/office/drawing/2014/main" id="{F4548572-FF00-11F5-E1FE-49AFC49700F9}"/>
             </a:ext>
           </a:extLst>
         </p:cNvPr>
@@ -7685,7 +8317,7 @@
           <p:cNvPr id="2" name="Text 0">
             <a:extLst>
               <a:ext uri="{FF2B5EF4-FFF2-40B4-BE49-F238E27FC236}">
-                <a16:creationId xmlns:a16="http://schemas.microsoft.com/office/drawing/2014/main" id="{052C36AA-415D-8209-EB62-8AA031F0D493}"/>
+                <a16:creationId xmlns:a16="http://schemas.microsoft.com/office/drawing/2014/main" id="{B6C1EB76-E1BD-8F9B-5910-A46B316B3997}"/>
               </a:ext>
             </a:extLst>
           </p:cNvPr>
@@ -7695,7 +8327,7 @@
         <p:spPr>
           <a:xfrm>
             <a:off x="413147" y="324564"/>
-            <a:ext cx="5767387" cy="368856"/>
+            <a:ext cx="6275329" cy="288959"/>
           </a:xfrm>
           <a:prstGeom prst="rect">
             <a:avLst/>
@@ -7707,11 +8339,10 @@
           <a:bodyPr wrap="none" lIns="0" tIns="0" rIns="0" bIns="0" rtlCol="0" anchor="t"/>
           <a:lstStyle/>
           <a:p>
-            <a:pPr marL="0" indent="0" algn="l">
+            <a:pPr>
               <a:lnSpc>
                 <a:spcPts val="2900"/>
               </a:lnSpc>
-              <a:buNone/>
             </a:pPr>
             <a:r>
               <a:rPr lang="en-US" sz="2300" dirty="0">
@@ -7722,7 +8353,7 @@
                 <a:ea typeface="Noto Serif Medium" pitchFamily="34" charset="-122"/>
                 <a:cs typeface="Noto Serif Medium" pitchFamily="34" charset="-120"/>
               </a:rPr>
-              <a:t>SQL Query: Application Status Overview</a:t>
+              <a:t>SQL Query: Top 5 companies with the highest number of applications</a:t>
             </a:r>
             <a:endParaRPr lang="en-US" sz="2300" dirty="0"/>
           </a:p>
@@ -7730,19 +8361,575 @@
       </p:sp>
       <p:sp>
         <p:nvSpPr>
-          <p:cNvPr id="3" name="Text 1">
-            <a:extLst>
-              <a:ext uri="{FF2B5EF4-FFF2-40B4-BE49-F238E27FC236}">
-                <a16:creationId xmlns:a16="http://schemas.microsoft.com/office/drawing/2014/main" id="{1480529C-FB45-3373-1DE4-F9288A155919}"/>
-              </a:ext>
-            </a:extLst>
-          </p:cNvPr>
-          <p:cNvSpPr/>
-          <p:nvPr/>
-        </p:nvSpPr>
-        <p:spPr>
-          <a:xfrm>
-            <a:off x="413147" y="929521"/>
+          <p:cNvPr id="4" name="Shape 2">
+            <a:extLst>
+              <a:ext uri="{FF2B5EF4-FFF2-40B4-BE49-F238E27FC236}">
+                <a16:creationId xmlns:a16="http://schemas.microsoft.com/office/drawing/2014/main" id="{1B9DF9E1-A9D3-972B-4092-7CFBC0828D3D}"/>
+              </a:ext>
+            </a:extLst>
+          </p:cNvPr>
+          <p:cNvSpPr/>
+          <p:nvPr/>
+        </p:nvSpPr>
+        <p:spPr>
+          <a:xfrm>
+            <a:off x="413147" y="911899"/>
+            <a:ext cx="13804106" cy="932736"/>
+          </a:xfrm>
+          <a:prstGeom prst="roundRect">
+            <a:avLst>
+              <a:gd name="adj" fmla="val 5316"/>
+            </a:avLst>
+          </a:prstGeom>
+          <a:solidFill>
+            <a:srgbClr val="F0EEEA"/>
+          </a:solidFill>
+          <a:ln/>
+        </p:spPr>
+        <p:txBody>
+          <a:bodyPr/>
+          <a:lstStyle/>
+          <a:p>
+            <a:endParaRPr lang="en-IN"/>
+          </a:p>
+        </p:txBody>
+      </p:sp>
+      <p:sp>
+        <p:nvSpPr>
+          <p:cNvPr id="6" name="Text 4">
+            <a:extLst>
+              <a:ext uri="{FF2B5EF4-FFF2-40B4-BE49-F238E27FC236}">
+                <a16:creationId xmlns:a16="http://schemas.microsoft.com/office/drawing/2014/main" id="{B1169F7D-C7E6-0687-A186-107B523FD34F}"/>
+              </a:ext>
+            </a:extLst>
+          </p:cNvPr>
+          <p:cNvSpPr/>
+          <p:nvPr/>
+        </p:nvSpPr>
+        <p:spPr>
+          <a:xfrm>
+            <a:off x="413147" y="1042588"/>
+            <a:ext cx="13579793" cy="755809"/>
+          </a:xfrm>
+          <a:prstGeom prst="rect">
+            <a:avLst/>
+          </a:prstGeom>
+          <a:noFill/>
+          <a:ln/>
+        </p:spPr>
+        <p:txBody>
+          <a:bodyPr wrap="square" lIns="0" tIns="0" rIns="0" bIns="0" rtlCol="0" anchor="t"/>
+          <a:lstStyle/>
+          <a:p>
+            <a:pPr>
+              <a:lnSpc>
+                <a:spcPts val="1450"/>
+              </a:lnSpc>
+            </a:pPr>
+            <a:r>
+              <a:rPr lang="en-US" sz="1400" dirty="0">
+                <a:solidFill>
+                  <a:srgbClr val="4C4C4C"/>
+                </a:solidFill>
+                <a:latin typeface="Consolas" pitchFamily="34" charset="0"/>
+                <a:ea typeface="Consolas" pitchFamily="34" charset="-122"/>
+                <a:cs typeface="Consolas" pitchFamily="34" charset="-120"/>
+              </a:rPr>
+              <a:t> select </a:t>
+            </a:r>
+            <a:r>
+              <a:rPr lang="en-US" sz="1400" dirty="0" err="1">
+                <a:solidFill>
+                  <a:srgbClr val="4C4C4C"/>
+                </a:solidFill>
+                <a:latin typeface="Consolas" pitchFamily="34" charset="0"/>
+                <a:ea typeface="Consolas" pitchFamily="34" charset="-122"/>
+                <a:cs typeface="Consolas" pitchFamily="34" charset="-120"/>
+              </a:rPr>
+              <a:t>company_name</a:t>
+            </a:r>
+            <a:r>
+              <a:rPr lang="en-US" sz="1400" dirty="0">
+                <a:solidFill>
+                  <a:srgbClr val="4C4C4C"/>
+                </a:solidFill>
+                <a:latin typeface="Consolas" pitchFamily="34" charset="0"/>
+                <a:ea typeface="Consolas" pitchFamily="34" charset="-122"/>
+                <a:cs typeface="Consolas" pitchFamily="34" charset="-120"/>
+              </a:rPr>
+              <a:t>, count(app_id) as </a:t>
+            </a:r>
+            <a:r>
+              <a:rPr lang="en-US" sz="1400" dirty="0" err="1">
+                <a:solidFill>
+                  <a:srgbClr val="4C4C4C"/>
+                </a:solidFill>
+                <a:latin typeface="Consolas" pitchFamily="34" charset="0"/>
+                <a:ea typeface="Consolas" pitchFamily="34" charset="-122"/>
+                <a:cs typeface="Consolas" pitchFamily="34" charset="-120"/>
+              </a:rPr>
+              <a:t>Number_of_application</a:t>
+            </a:r>
+            <a:r>
+              <a:rPr lang="en-US" sz="1400" dirty="0">
+                <a:solidFill>
+                  <a:srgbClr val="4C4C4C"/>
+                </a:solidFill>
+                <a:latin typeface="Consolas" pitchFamily="34" charset="0"/>
+                <a:ea typeface="Consolas" pitchFamily="34" charset="-122"/>
+                <a:cs typeface="Consolas" pitchFamily="34" charset="-120"/>
+              </a:rPr>
+              <a:t>            </a:t>
+            </a:r>
+          </a:p>
+          <a:p>
+            <a:pPr>
+              <a:lnSpc>
+                <a:spcPts val="1450"/>
+              </a:lnSpc>
+            </a:pPr>
+            <a:r>
+              <a:rPr lang="en-US" sz="1400" dirty="0">
+                <a:solidFill>
+                  <a:srgbClr val="4C4C4C"/>
+                </a:solidFill>
+                <a:latin typeface="Consolas" pitchFamily="34" charset="0"/>
+                <a:ea typeface="Consolas" pitchFamily="34" charset="-122"/>
+                <a:cs typeface="Consolas" pitchFamily="34" charset="-120"/>
+              </a:rPr>
+              <a:t> from applications            </a:t>
+            </a:r>
+          </a:p>
+          <a:p>
+            <a:pPr>
+              <a:lnSpc>
+                <a:spcPts val="1450"/>
+              </a:lnSpc>
+            </a:pPr>
+            <a:r>
+              <a:rPr lang="en-US" sz="1400" dirty="0">
+                <a:solidFill>
+                  <a:srgbClr val="4C4C4C"/>
+                </a:solidFill>
+                <a:latin typeface="Consolas" pitchFamily="34" charset="0"/>
+                <a:ea typeface="Consolas" pitchFamily="34" charset="-122"/>
+                <a:cs typeface="Consolas" pitchFamily="34" charset="-120"/>
+              </a:rPr>
+              <a:t> group by </a:t>
+            </a:r>
+            <a:r>
+              <a:rPr lang="en-US" sz="1400" dirty="0" err="1">
+                <a:solidFill>
+                  <a:srgbClr val="4C4C4C"/>
+                </a:solidFill>
+                <a:latin typeface="Consolas" pitchFamily="34" charset="0"/>
+                <a:ea typeface="Consolas" pitchFamily="34" charset="-122"/>
+                <a:cs typeface="Consolas" pitchFamily="34" charset="-120"/>
+              </a:rPr>
+              <a:t>company_name</a:t>
+            </a:r>
+            <a:r>
+              <a:rPr lang="en-US" sz="1400" dirty="0">
+                <a:solidFill>
+                  <a:srgbClr val="4C4C4C"/>
+                </a:solidFill>
+                <a:latin typeface="Consolas" pitchFamily="34" charset="0"/>
+                <a:ea typeface="Consolas" pitchFamily="34" charset="-122"/>
+                <a:cs typeface="Consolas" pitchFamily="34" charset="-120"/>
+              </a:rPr>
+              <a:t>            </a:t>
+            </a:r>
+          </a:p>
+          <a:p>
+            <a:pPr>
+              <a:lnSpc>
+                <a:spcPts val="1450"/>
+              </a:lnSpc>
+            </a:pPr>
+            <a:r>
+              <a:rPr lang="en-US" sz="1400" dirty="0">
+                <a:solidFill>
+                  <a:srgbClr val="4C4C4C"/>
+                </a:solidFill>
+                <a:latin typeface="Consolas" pitchFamily="34" charset="0"/>
+                <a:ea typeface="Consolas" pitchFamily="34" charset="-122"/>
+                <a:cs typeface="Consolas" pitchFamily="34" charset="-120"/>
+              </a:rPr>
+              <a:t> order by </a:t>
+            </a:r>
+            <a:r>
+              <a:rPr lang="en-US" sz="1400" dirty="0" err="1">
+                <a:solidFill>
+                  <a:srgbClr val="4C4C4C"/>
+                </a:solidFill>
+                <a:latin typeface="Consolas" pitchFamily="34" charset="0"/>
+                <a:ea typeface="Consolas" pitchFamily="34" charset="-122"/>
+                <a:cs typeface="Consolas" pitchFamily="34" charset="-120"/>
+              </a:rPr>
+              <a:t>Number_of_application</a:t>
+            </a:r>
+            <a:r>
+              <a:rPr lang="en-US" sz="1400" dirty="0">
+                <a:solidFill>
+                  <a:srgbClr val="4C4C4C"/>
+                </a:solidFill>
+                <a:latin typeface="Consolas" pitchFamily="34" charset="0"/>
+                <a:ea typeface="Consolas" pitchFamily="34" charset="-122"/>
+                <a:cs typeface="Consolas" pitchFamily="34" charset="-120"/>
+              </a:rPr>
+              <a:t> desc limit 5 ;</a:t>
+            </a:r>
+            <a:endParaRPr lang="en-US" sz="1400" dirty="0"/>
+          </a:p>
+        </p:txBody>
+      </p:sp>
+      <p:sp>
+        <p:nvSpPr>
+          <p:cNvPr id="8" name="Shape 5">
+            <a:extLst>
+              <a:ext uri="{FF2B5EF4-FFF2-40B4-BE49-F238E27FC236}">
+                <a16:creationId xmlns:a16="http://schemas.microsoft.com/office/drawing/2014/main" id="{39D9DF4D-F035-FF6E-EF7C-CB89F723CD25}"/>
+              </a:ext>
+            </a:extLst>
+          </p:cNvPr>
+          <p:cNvSpPr/>
+          <p:nvPr/>
+        </p:nvSpPr>
+        <p:spPr>
+          <a:xfrm>
+            <a:off x="3132892" y="9928860"/>
+            <a:ext cx="117991" cy="117991"/>
+          </a:xfrm>
+          <a:prstGeom prst="roundRect">
+            <a:avLst>
+              <a:gd name="adj" fmla="val 15499"/>
+            </a:avLst>
+          </a:prstGeom>
+          <a:solidFill>
+            <a:srgbClr val="2B2722"/>
+          </a:solidFill>
+          <a:ln/>
+        </p:spPr>
+        <p:txBody>
+          <a:bodyPr/>
+          <a:lstStyle/>
+          <a:p>
+            <a:endParaRPr lang="en-IN"/>
+          </a:p>
+        </p:txBody>
+      </p:sp>
+      <p:sp>
+        <p:nvSpPr>
+          <p:cNvPr id="9" name="Text 6">
+            <a:extLst>
+              <a:ext uri="{FF2B5EF4-FFF2-40B4-BE49-F238E27FC236}">
+                <a16:creationId xmlns:a16="http://schemas.microsoft.com/office/drawing/2014/main" id="{D0E29164-A718-49CB-1E4E-875DFEFF1433}"/>
+              </a:ext>
+            </a:extLst>
+          </p:cNvPr>
+          <p:cNvSpPr/>
+          <p:nvPr/>
+        </p:nvSpPr>
+        <p:spPr>
+          <a:xfrm>
+            <a:off x="3311843" y="9928860"/>
+            <a:ext cx="438031" cy="118110"/>
+          </a:xfrm>
+          <a:prstGeom prst="rect">
+            <a:avLst/>
+          </a:prstGeom>
+          <a:noFill/>
+          <a:ln/>
+        </p:spPr>
+        <p:txBody>
+          <a:bodyPr wrap="none" lIns="0" tIns="0" rIns="0" bIns="0" rtlCol="0" anchor="t"/>
+          <a:lstStyle/>
+          <a:p>
+            <a:pPr marL="0" indent="0" algn="l">
+              <a:lnSpc>
+                <a:spcPts val="900"/>
+              </a:lnSpc>
+              <a:buNone/>
+            </a:pPr>
+            <a:r>
+              <a:rPr lang="en-US" sz="900" dirty="0">
+                <a:solidFill>
+                  <a:srgbClr val="4C4C4C"/>
+                </a:solidFill>
+                <a:latin typeface="Noto Serif" pitchFamily="34" charset="0"/>
+                <a:ea typeface="Noto Serif" pitchFamily="34" charset="-122"/>
+                <a:cs typeface="Noto Serif" pitchFamily="34" charset="-120"/>
+              </a:rPr>
+              <a:t>Applied</a:t>
+            </a:r>
+            <a:endParaRPr lang="en-US" sz="900" dirty="0"/>
+          </a:p>
+        </p:txBody>
+      </p:sp>
+      <p:sp>
+        <p:nvSpPr>
+          <p:cNvPr id="10" name="Shape 7">
+            <a:extLst>
+              <a:ext uri="{FF2B5EF4-FFF2-40B4-BE49-F238E27FC236}">
+                <a16:creationId xmlns:a16="http://schemas.microsoft.com/office/drawing/2014/main" id="{F2AAEFC6-F7A5-E253-A8ED-B377D7A2BD2E}"/>
+              </a:ext>
+            </a:extLst>
+          </p:cNvPr>
+          <p:cNvSpPr/>
+          <p:nvPr/>
+        </p:nvSpPr>
+        <p:spPr>
+          <a:xfrm>
+            <a:off x="5205889" y="9928860"/>
+            <a:ext cx="117991" cy="117991"/>
+          </a:xfrm>
+          <a:prstGeom prst="roundRect">
+            <a:avLst>
+              <a:gd name="adj" fmla="val 15499"/>
+            </a:avLst>
+          </a:prstGeom>
+          <a:solidFill>
+            <a:srgbClr val="5D554A"/>
+          </a:solidFill>
+          <a:ln/>
+        </p:spPr>
+        <p:txBody>
+          <a:bodyPr/>
+          <a:lstStyle/>
+          <a:p>
+            <a:endParaRPr lang="en-IN"/>
+          </a:p>
+        </p:txBody>
+      </p:sp>
+      <p:sp>
+        <p:nvSpPr>
+          <p:cNvPr id="11" name="Text 8">
+            <a:extLst>
+              <a:ext uri="{FF2B5EF4-FFF2-40B4-BE49-F238E27FC236}">
+                <a16:creationId xmlns:a16="http://schemas.microsoft.com/office/drawing/2014/main" id="{A392E5F5-9508-6513-E843-D0D9FD051CB2}"/>
+              </a:ext>
+            </a:extLst>
+          </p:cNvPr>
+          <p:cNvSpPr/>
+          <p:nvPr/>
+        </p:nvSpPr>
+        <p:spPr>
+          <a:xfrm>
+            <a:off x="5384840" y="9928860"/>
+            <a:ext cx="550545" cy="118110"/>
+          </a:xfrm>
+          <a:prstGeom prst="rect">
+            <a:avLst/>
+          </a:prstGeom>
+          <a:noFill/>
+          <a:ln/>
+        </p:spPr>
+        <p:txBody>
+          <a:bodyPr wrap="none" lIns="0" tIns="0" rIns="0" bIns="0" rtlCol="0" anchor="t"/>
+          <a:lstStyle/>
+          <a:p>
+            <a:pPr marL="0" indent="0" algn="l">
+              <a:lnSpc>
+                <a:spcPts val="900"/>
+              </a:lnSpc>
+              <a:buNone/>
+            </a:pPr>
+            <a:r>
+              <a:rPr lang="en-US" sz="900" dirty="0">
+                <a:solidFill>
+                  <a:srgbClr val="4C4C4C"/>
+                </a:solidFill>
+                <a:latin typeface="Noto Serif" pitchFamily="34" charset="0"/>
+                <a:ea typeface="Noto Serif" pitchFamily="34" charset="-122"/>
+                <a:cs typeface="Noto Serif" pitchFamily="34" charset="-120"/>
+              </a:rPr>
+              <a:t>Interview</a:t>
+            </a:r>
+            <a:endParaRPr lang="en-US" sz="900" dirty="0"/>
+          </a:p>
+        </p:txBody>
+      </p:sp>
+      <p:sp>
+        <p:nvSpPr>
+          <p:cNvPr id="12" name="Shape 9">
+            <a:extLst>
+              <a:ext uri="{FF2B5EF4-FFF2-40B4-BE49-F238E27FC236}">
+                <a16:creationId xmlns:a16="http://schemas.microsoft.com/office/drawing/2014/main" id="{8E2AA303-C006-B06B-8192-64A3199B8B7C}"/>
+              </a:ext>
+            </a:extLst>
+          </p:cNvPr>
+          <p:cNvSpPr/>
+          <p:nvPr/>
+        </p:nvSpPr>
+        <p:spPr>
+          <a:xfrm>
+            <a:off x="8733115" y="9928860"/>
+            <a:ext cx="117991" cy="117991"/>
+          </a:xfrm>
+          <a:prstGeom prst="roundRect">
+            <a:avLst>
+              <a:gd name="adj" fmla="val 15499"/>
+            </a:avLst>
+          </a:prstGeom>
+          <a:solidFill>
+            <a:srgbClr val="8F8473"/>
+          </a:solidFill>
+          <a:ln/>
+        </p:spPr>
+        <p:txBody>
+          <a:bodyPr/>
+          <a:lstStyle/>
+          <a:p>
+            <a:endParaRPr lang="en-IN"/>
+          </a:p>
+        </p:txBody>
+      </p:sp>
+      <p:sp>
+        <p:nvSpPr>
+          <p:cNvPr id="13" name="Text 10">
+            <a:extLst>
+              <a:ext uri="{FF2B5EF4-FFF2-40B4-BE49-F238E27FC236}">
+                <a16:creationId xmlns:a16="http://schemas.microsoft.com/office/drawing/2014/main" id="{780CA4D6-DD6F-BF09-0CCA-58E6FF8EDE5F}"/>
+              </a:ext>
+            </a:extLst>
+          </p:cNvPr>
+          <p:cNvSpPr/>
+          <p:nvPr/>
+        </p:nvSpPr>
+        <p:spPr>
+          <a:xfrm>
+            <a:off x="8912066" y="9928860"/>
+            <a:ext cx="474226" cy="118110"/>
+          </a:xfrm>
+          <a:prstGeom prst="rect">
+            <a:avLst/>
+          </a:prstGeom>
+          <a:noFill/>
+          <a:ln/>
+        </p:spPr>
+        <p:txBody>
+          <a:bodyPr wrap="none" lIns="0" tIns="0" rIns="0" bIns="0" rtlCol="0" anchor="t"/>
+          <a:lstStyle/>
+          <a:p>
+            <a:pPr marL="0" indent="0" algn="l">
+              <a:lnSpc>
+                <a:spcPts val="900"/>
+              </a:lnSpc>
+              <a:buNone/>
+            </a:pPr>
+            <a:r>
+              <a:rPr lang="en-US" sz="900" dirty="0">
+                <a:solidFill>
+                  <a:srgbClr val="4C4C4C"/>
+                </a:solidFill>
+                <a:latin typeface="Noto Serif" pitchFamily="34" charset="0"/>
+                <a:ea typeface="Noto Serif" pitchFamily="34" charset="-122"/>
+                <a:cs typeface="Noto Serif" pitchFamily="34" charset="-120"/>
+              </a:rPr>
+              <a:t>Rejected</a:t>
+            </a:r>
+            <a:endParaRPr lang="en-US" sz="900" dirty="0"/>
+          </a:p>
+        </p:txBody>
+      </p:sp>
+      <p:sp>
+        <p:nvSpPr>
+          <p:cNvPr id="14" name="Shape 11">
+            <a:extLst>
+              <a:ext uri="{FF2B5EF4-FFF2-40B4-BE49-F238E27FC236}">
+                <a16:creationId xmlns:a16="http://schemas.microsoft.com/office/drawing/2014/main" id="{55FC0BE8-5A1C-9E0D-F2A1-64493BBE16F7}"/>
+              </a:ext>
+            </a:extLst>
+          </p:cNvPr>
+          <p:cNvSpPr/>
+          <p:nvPr/>
+        </p:nvSpPr>
+        <p:spPr>
+          <a:xfrm>
+            <a:off x="10880527" y="9928860"/>
+            <a:ext cx="117991" cy="117991"/>
+          </a:xfrm>
+          <a:prstGeom prst="roundRect">
+            <a:avLst>
+              <a:gd name="adj" fmla="val 15499"/>
+            </a:avLst>
+          </a:prstGeom>
+          <a:solidFill>
+            <a:srgbClr val="B7B0A5"/>
+          </a:solidFill>
+          <a:ln/>
+        </p:spPr>
+        <p:txBody>
+          <a:bodyPr/>
+          <a:lstStyle/>
+          <a:p>
+            <a:endParaRPr lang="en-IN"/>
+          </a:p>
+        </p:txBody>
+      </p:sp>
+      <p:sp>
+        <p:nvSpPr>
+          <p:cNvPr id="15" name="Text 12">
+            <a:extLst>
+              <a:ext uri="{FF2B5EF4-FFF2-40B4-BE49-F238E27FC236}">
+                <a16:creationId xmlns:a16="http://schemas.microsoft.com/office/drawing/2014/main" id="{20B1BBB3-14B5-3496-8CBE-C6784B4B1575}"/>
+              </a:ext>
+            </a:extLst>
+          </p:cNvPr>
+          <p:cNvSpPr/>
+          <p:nvPr/>
+        </p:nvSpPr>
+        <p:spPr>
+          <a:xfrm>
+            <a:off x="11059478" y="9928860"/>
+            <a:ext cx="293370" cy="118110"/>
+          </a:xfrm>
+          <a:prstGeom prst="rect">
+            <a:avLst/>
+          </a:prstGeom>
+          <a:noFill/>
+          <a:ln/>
+        </p:spPr>
+        <p:txBody>
+          <a:bodyPr wrap="none" lIns="0" tIns="0" rIns="0" bIns="0" rtlCol="0" anchor="t"/>
+          <a:lstStyle/>
+          <a:p>
+            <a:pPr marL="0" indent="0" algn="l">
+              <a:lnSpc>
+                <a:spcPts val="900"/>
+              </a:lnSpc>
+              <a:buNone/>
+            </a:pPr>
+            <a:r>
+              <a:rPr lang="en-US" sz="900" dirty="0">
+                <a:solidFill>
+                  <a:srgbClr val="4C4C4C"/>
+                </a:solidFill>
+                <a:latin typeface="Noto Serif" pitchFamily="34" charset="0"/>
+                <a:ea typeface="Noto Serif" pitchFamily="34" charset="-122"/>
+                <a:cs typeface="Noto Serif" pitchFamily="34" charset="-120"/>
+              </a:rPr>
+              <a:t>Offer</a:t>
+            </a:r>
+            <a:endParaRPr lang="en-US" sz="900" dirty="0"/>
+          </a:p>
+        </p:txBody>
+      </p:sp>
+      <p:sp>
+        <p:nvSpPr>
+          <p:cNvPr id="16" name="Text 13">
+            <a:extLst>
+              <a:ext uri="{FF2B5EF4-FFF2-40B4-BE49-F238E27FC236}">
+                <a16:creationId xmlns:a16="http://schemas.microsoft.com/office/drawing/2014/main" id="{ECCA5BF6-2256-4D7B-1C56-04032DC64385}"/>
+              </a:ext>
+            </a:extLst>
+          </p:cNvPr>
+          <p:cNvSpPr/>
+          <p:nvPr/>
+        </p:nvSpPr>
+        <p:spPr>
+          <a:xfrm>
+            <a:off x="413147" y="10179725"/>
             <a:ext cx="13804106" cy="188952"/>
           </a:xfrm>
           <a:prstGeom prst="rect">
@@ -7770,180 +8957,8 @@
                 <a:ea typeface="Noto Serif" pitchFamily="34" charset="-122"/>
                 <a:cs typeface="Noto Serif" pitchFamily="34" charset="-120"/>
               </a:rPr>
-              <a:t>Total applications by status across all submissions</a:t>
-            </a:r>
-            <a:endParaRPr lang="en-US" sz="900" dirty="0"/>
-          </a:p>
-        </p:txBody>
-      </p:sp>
-      <p:sp>
-        <p:nvSpPr>
-          <p:cNvPr id="4" name="Shape 2">
-            <a:extLst>
-              <a:ext uri="{FF2B5EF4-FFF2-40B4-BE49-F238E27FC236}">
-                <a16:creationId xmlns:a16="http://schemas.microsoft.com/office/drawing/2014/main" id="{12F24C2A-0DC0-21C2-FB0B-A0B6B968CE7B}"/>
-              </a:ext>
-            </a:extLst>
-          </p:cNvPr>
-          <p:cNvSpPr/>
-          <p:nvPr/>
-        </p:nvSpPr>
-        <p:spPr>
-          <a:xfrm>
-            <a:off x="413147" y="1251228"/>
-            <a:ext cx="13804106" cy="932736"/>
-          </a:xfrm>
-          <a:prstGeom prst="roundRect">
-            <a:avLst>
-              <a:gd name="adj" fmla="val 5316"/>
-            </a:avLst>
-          </a:prstGeom>
-          <a:solidFill>
-            <a:srgbClr val="F0EEEA"/>
-          </a:solidFill>
-          <a:ln/>
-        </p:spPr>
-      </p:sp>
-      <p:sp>
-        <p:nvSpPr>
-          <p:cNvPr id="5" name="Shape 3">
-            <a:extLst>
-              <a:ext uri="{FF2B5EF4-FFF2-40B4-BE49-F238E27FC236}">
-                <a16:creationId xmlns:a16="http://schemas.microsoft.com/office/drawing/2014/main" id="{CB5AB4BF-32DF-C86E-7733-B107ADA94CDA}"/>
-              </a:ext>
-            </a:extLst>
-          </p:cNvPr>
-          <p:cNvSpPr/>
-          <p:nvPr/>
-        </p:nvSpPr>
-        <p:spPr>
-          <a:xfrm>
-            <a:off x="407313" y="1251228"/>
-            <a:ext cx="13815774" cy="932736"/>
-          </a:xfrm>
-          <a:prstGeom prst="roundRect">
-            <a:avLst>
-              <a:gd name="adj" fmla="val 1899"/>
-            </a:avLst>
-          </a:prstGeom>
-          <a:solidFill>
-            <a:srgbClr val="F0EEEA"/>
-          </a:solidFill>
-          <a:ln/>
-        </p:spPr>
-      </p:sp>
-      <p:sp>
-        <p:nvSpPr>
-          <p:cNvPr id="6" name="Text 4">
-            <a:extLst>
-              <a:ext uri="{FF2B5EF4-FFF2-40B4-BE49-F238E27FC236}">
-                <a16:creationId xmlns:a16="http://schemas.microsoft.com/office/drawing/2014/main" id="{84400DB4-F85D-AF79-2C69-DB599C2C8E77}"/>
-              </a:ext>
-            </a:extLst>
-          </p:cNvPr>
-          <p:cNvSpPr/>
-          <p:nvPr/>
-        </p:nvSpPr>
-        <p:spPr>
-          <a:xfrm>
-            <a:off x="525304" y="1339691"/>
-            <a:ext cx="13579793" cy="755809"/>
-          </a:xfrm>
-          <a:prstGeom prst="rect">
-            <a:avLst/>
-          </a:prstGeom>
-          <a:noFill/>
-          <a:ln/>
-        </p:spPr>
-        <p:txBody>
-          <a:bodyPr wrap="square" lIns="0" tIns="0" rIns="0" bIns="0" rtlCol="0" anchor="t"/>
-          <a:lstStyle/>
-          <a:p>
-            <a:pPr marL="0" indent="0" algn="l">
-              <a:lnSpc>
-                <a:spcPts val="1450"/>
-              </a:lnSpc>
-              <a:buNone/>
-            </a:pPr>
-            <a:r>
-              <a:rPr lang="en-US" sz="900" dirty="0">
-                <a:solidFill>
-                  <a:srgbClr val="4C4C4C"/>
-                </a:solidFill>
-                <a:highlight>
-                  <a:srgbClr val="F0EEEA"/>
-                </a:highlight>
-                <a:latin typeface="Consolas" pitchFamily="34" charset="0"/>
-                <a:ea typeface="Consolas" pitchFamily="34" charset="-122"/>
-                <a:cs typeface="Consolas" pitchFamily="34" charset="-120"/>
-              </a:rPr>
-              <a:t>SELECT status, COUNT(*) as total_countFROM applicationsGROUP BY statusORDER BY total_count DESC;</a:t>
-            </a:r>
-            <a:endParaRPr lang="en-US" sz="900" dirty="0"/>
-          </a:p>
-        </p:txBody>
-      </p:sp>
-      <p:sp>
-        <p:nvSpPr>
-          <p:cNvPr id="8" name="Shape 5">
-            <a:extLst>
-              <a:ext uri="{FF2B5EF4-FFF2-40B4-BE49-F238E27FC236}">
-                <a16:creationId xmlns:a16="http://schemas.microsoft.com/office/drawing/2014/main" id="{CF32FC4B-DAA5-A8D4-A4D4-E7E3CBCD989D}"/>
-              </a:ext>
-            </a:extLst>
-          </p:cNvPr>
-          <p:cNvSpPr/>
-          <p:nvPr/>
-        </p:nvSpPr>
-        <p:spPr>
-          <a:xfrm>
-            <a:off x="3132892" y="9928860"/>
-            <a:ext cx="117991" cy="117991"/>
-          </a:xfrm>
-          <a:prstGeom prst="roundRect">
-            <a:avLst>
-              <a:gd name="adj" fmla="val 15499"/>
-            </a:avLst>
-          </a:prstGeom>
-          <a:solidFill>
-            <a:srgbClr val="2B2722"/>
-          </a:solidFill>
-          <a:ln/>
-        </p:spPr>
-      </p:sp>
-      <p:sp>
-        <p:nvSpPr>
-          <p:cNvPr id="9" name="Text 6">
-            <a:extLst>
-              <a:ext uri="{FF2B5EF4-FFF2-40B4-BE49-F238E27FC236}">
-                <a16:creationId xmlns:a16="http://schemas.microsoft.com/office/drawing/2014/main" id="{C0451E5E-A633-BE42-8AC8-83A74DB3ED58}"/>
-              </a:ext>
-            </a:extLst>
-          </p:cNvPr>
-          <p:cNvSpPr/>
-          <p:nvPr/>
-        </p:nvSpPr>
-        <p:spPr>
-          <a:xfrm>
-            <a:off x="3311843" y="9928860"/>
-            <a:ext cx="438031" cy="118110"/>
-          </a:xfrm>
-          <a:prstGeom prst="rect">
-            <a:avLst/>
-          </a:prstGeom>
-          <a:noFill/>
-          <a:ln/>
-        </p:spPr>
-        <p:txBody>
-          <a:bodyPr wrap="none" lIns="0" tIns="0" rIns="0" bIns="0" rtlCol="0" anchor="t"/>
-          <a:lstStyle/>
-          <a:p>
-            <a:pPr marL="0" indent="0" algn="l">
-              <a:lnSpc>
-                <a:spcPts val="900"/>
-              </a:lnSpc>
-              <a:buNone/>
-            </a:pPr>
+              <a:t>Key Insight:</a:t>
+            </a:r>
             <a:r>
               <a:rPr lang="en-US" sz="900" dirty="0">
                 <a:solidFill>
@@ -7953,7 +8968,7 @@
                 <a:ea typeface="Noto Serif" pitchFamily="34" charset="-122"/>
                 <a:cs typeface="Noto Serif" pitchFamily="34" charset="-120"/>
               </a:rPr>
-              <a:t>Applied</a:t>
+              <a:t> 45 applications remain in progress, while 28 rejections indicate competitive screening processes requiring strategic focus.</a:t>
             </a:r>
             <a:endParaRPr lang="en-US" sz="900" dirty="0"/>
           </a:p>
@@ -7961,48 +8976,20 @@
       </p:sp>
       <p:sp>
         <p:nvSpPr>
-          <p:cNvPr id="10" name="Shape 7">
-            <a:extLst>
-              <a:ext uri="{FF2B5EF4-FFF2-40B4-BE49-F238E27FC236}">
-                <a16:creationId xmlns:a16="http://schemas.microsoft.com/office/drawing/2014/main" id="{25C6A524-A66C-AF16-4762-9B1D10A3D8D6}"/>
-              </a:ext>
-            </a:extLst>
-          </p:cNvPr>
-          <p:cNvSpPr/>
-          <p:nvPr/>
-        </p:nvSpPr>
-        <p:spPr>
-          <a:xfrm>
-            <a:off x="5205889" y="9928860"/>
-            <a:ext cx="117991" cy="117991"/>
-          </a:xfrm>
-          <a:prstGeom prst="roundRect">
-            <a:avLst>
-              <a:gd name="adj" fmla="val 15499"/>
-            </a:avLst>
-          </a:prstGeom>
-          <a:solidFill>
-            <a:srgbClr val="5D554A"/>
-          </a:solidFill>
-          <a:ln/>
-        </p:spPr>
-      </p:sp>
-      <p:sp>
-        <p:nvSpPr>
-          <p:cNvPr id="11" name="Text 8">
-            <a:extLst>
-              <a:ext uri="{FF2B5EF4-FFF2-40B4-BE49-F238E27FC236}">
-                <a16:creationId xmlns:a16="http://schemas.microsoft.com/office/drawing/2014/main" id="{2ACC0833-12DD-6EA1-E6F0-486E1B59B0DA}"/>
-              </a:ext>
-            </a:extLst>
-          </p:cNvPr>
-          <p:cNvSpPr/>
-          <p:nvPr/>
-        </p:nvSpPr>
-        <p:spPr>
-          <a:xfrm>
-            <a:off x="5384840" y="9928860"/>
-            <a:ext cx="550545" cy="118110"/>
+          <p:cNvPr id="17" name="Text 6">
+            <a:extLst>
+              <a:ext uri="{FF2B5EF4-FFF2-40B4-BE49-F238E27FC236}">
+                <a16:creationId xmlns:a16="http://schemas.microsoft.com/office/drawing/2014/main" id="{27497A39-76A3-27C2-1307-CC9122514D86}"/>
+              </a:ext>
+            </a:extLst>
+          </p:cNvPr>
+          <p:cNvSpPr/>
+          <p:nvPr/>
+        </p:nvSpPr>
+        <p:spPr>
+          <a:xfrm>
+            <a:off x="668042" y="7587461"/>
+            <a:ext cx="13042821" cy="362903"/>
           </a:xfrm>
           <a:prstGeom prst="rect">
             <a:avLst/>
@@ -8014,292 +9001,38 @@
           <a:bodyPr wrap="none" lIns="0" tIns="0" rIns="0" bIns="0" rtlCol="0" anchor="t"/>
           <a:lstStyle/>
           <a:p>
-            <a:pPr marL="0" indent="0" algn="l">
-              <a:lnSpc>
-                <a:spcPts val="900"/>
-              </a:lnSpc>
-              <a:buNone/>
-            </a:pPr>
-            <a:r>
-              <a:rPr lang="en-US" sz="900" dirty="0">
-                <a:solidFill>
-                  <a:srgbClr val="4C4C4C"/>
-                </a:solidFill>
-                <a:latin typeface="Noto Serif" pitchFamily="34" charset="0"/>
-                <a:ea typeface="Noto Serif" pitchFamily="34" charset="-122"/>
-                <a:cs typeface="Noto Serif" pitchFamily="34" charset="-120"/>
-              </a:rPr>
-              <a:t>Interview</a:t>
-            </a:r>
-            <a:endParaRPr lang="en-US" sz="900" dirty="0"/>
-          </a:p>
-        </p:txBody>
-      </p:sp>
-      <p:sp>
-        <p:nvSpPr>
-          <p:cNvPr id="12" name="Shape 9">
-            <a:extLst>
-              <a:ext uri="{FF2B5EF4-FFF2-40B4-BE49-F238E27FC236}">
-                <a16:creationId xmlns:a16="http://schemas.microsoft.com/office/drawing/2014/main" id="{8C8540F4-4AAF-8B40-12C6-44A4EE4CDC72}"/>
-              </a:ext>
-            </a:extLst>
-          </p:cNvPr>
-          <p:cNvSpPr/>
-          <p:nvPr/>
-        </p:nvSpPr>
-        <p:spPr>
-          <a:xfrm>
-            <a:off x="8733115" y="9928860"/>
-            <a:ext cx="117991" cy="117991"/>
-          </a:xfrm>
-          <a:prstGeom prst="roundRect">
-            <a:avLst>
-              <a:gd name="adj" fmla="val 15499"/>
-            </a:avLst>
-          </a:prstGeom>
-          <a:solidFill>
-            <a:srgbClr val="8F8473"/>
-          </a:solidFill>
-          <a:ln/>
-        </p:spPr>
-      </p:sp>
-      <p:sp>
-        <p:nvSpPr>
-          <p:cNvPr id="13" name="Text 10">
-            <a:extLst>
-              <a:ext uri="{FF2B5EF4-FFF2-40B4-BE49-F238E27FC236}">
-                <a16:creationId xmlns:a16="http://schemas.microsoft.com/office/drawing/2014/main" id="{2648D478-9DD5-F928-F9E1-CE37F40BAD03}"/>
-              </a:ext>
-            </a:extLst>
-          </p:cNvPr>
-          <p:cNvSpPr/>
-          <p:nvPr/>
-        </p:nvSpPr>
-        <p:spPr>
-          <a:xfrm>
-            <a:off x="8912066" y="9928860"/>
-            <a:ext cx="474226" cy="118110"/>
-          </a:xfrm>
-          <a:prstGeom prst="rect">
-            <a:avLst/>
-          </a:prstGeom>
-          <a:noFill/>
-          <a:ln/>
-        </p:spPr>
-        <p:txBody>
-          <a:bodyPr wrap="none" lIns="0" tIns="0" rIns="0" bIns="0" rtlCol="0" anchor="t"/>
-          <a:lstStyle/>
-          <a:p>
-            <a:pPr marL="0" indent="0" algn="l">
-              <a:lnSpc>
-                <a:spcPts val="900"/>
-              </a:lnSpc>
-              <a:buNone/>
-            </a:pPr>
-            <a:r>
-              <a:rPr lang="en-US" sz="900" dirty="0">
-                <a:solidFill>
-                  <a:srgbClr val="4C4C4C"/>
-                </a:solidFill>
-                <a:latin typeface="Noto Serif" pitchFamily="34" charset="0"/>
-                <a:ea typeface="Noto Serif" pitchFamily="34" charset="-122"/>
-                <a:cs typeface="Noto Serif" pitchFamily="34" charset="-120"/>
-              </a:rPr>
-              <a:t>Rejected</a:t>
-            </a:r>
-            <a:endParaRPr lang="en-US" sz="900" dirty="0"/>
-          </a:p>
-        </p:txBody>
-      </p:sp>
-      <p:sp>
-        <p:nvSpPr>
-          <p:cNvPr id="14" name="Shape 11">
-            <a:extLst>
-              <a:ext uri="{FF2B5EF4-FFF2-40B4-BE49-F238E27FC236}">
-                <a16:creationId xmlns:a16="http://schemas.microsoft.com/office/drawing/2014/main" id="{9E80AE4E-3C69-01D1-4C50-B8042D8C6E47}"/>
-              </a:ext>
-            </a:extLst>
-          </p:cNvPr>
-          <p:cNvSpPr/>
-          <p:nvPr/>
-        </p:nvSpPr>
-        <p:spPr>
-          <a:xfrm>
-            <a:off x="10880527" y="9928860"/>
-            <a:ext cx="117991" cy="117991"/>
-          </a:xfrm>
-          <a:prstGeom prst="roundRect">
-            <a:avLst>
-              <a:gd name="adj" fmla="val 15499"/>
-            </a:avLst>
-          </a:prstGeom>
-          <a:solidFill>
-            <a:srgbClr val="B7B0A5"/>
-          </a:solidFill>
-          <a:ln/>
-        </p:spPr>
-      </p:sp>
-      <p:sp>
-        <p:nvSpPr>
-          <p:cNvPr id="15" name="Text 12">
-            <a:extLst>
-              <a:ext uri="{FF2B5EF4-FFF2-40B4-BE49-F238E27FC236}">
-                <a16:creationId xmlns:a16="http://schemas.microsoft.com/office/drawing/2014/main" id="{82C44985-46AD-DECD-3C0F-799D2C14041F}"/>
-              </a:ext>
-            </a:extLst>
-          </p:cNvPr>
-          <p:cNvSpPr/>
-          <p:nvPr/>
-        </p:nvSpPr>
-        <p:spPr>
-          <a:xfrm>
-            <a:off x="11059478" y="9928860"/>
-            <a:ext cx="293370" cy="118110"/>
-          </a:xfrm>
-          <a:prstGeom prst="rect">
-            <a:avLst/>
-          </a:prstGeom>
-          <a:noFill/>
-          <a:ln/>
-        </p:spPr>
-        <p:txBody>
-          <a:bodyPr wrap="none" lIns="0" tIns="0" rIns="0" bIns="0" rtlCol="0" anchor="t"/>
-          <a:lstStyle/>
-          <a:p>
-            <a:pPr marL="0" indent="0" algn="l">
-              <a:lnSpc>
-                <a:spcPts val="900"/>
-              </a:lnSpc>
-              <a:buNone/>
-            </a:pPr>
-            <a:r>
-              <a:rPr lang="en-US" sz="900" dirty="0">
-                <a:solidFill>
-                  <a:srgbClr val="4C4C4C"/>
-                </a:solidFill>
-                <a:latin typeface="Noto Serif" pitchFamily="34" charset="0"/>
-                <a:ea typeface="Noto Serif" pitchFamily="34" charset="-122"/>
-                <a:cs typeface="Noto Serif" pitchFamily="34" charset="-120"/>
-              </a:rPr>
-              <a:t>Offer</a:t>
-            </a:r>
-            <a:endParaRPr lang="en-US" sz="900" dirty="0"/>
-          </a:p>
-        </p:txBody>
-      </p:sp>
-      <p:sp>
-        <p:nvSpPr>
-          <p:cNvPr id="16" name="Text 13">
-            <a:extLst>
-              <a:ext uri="{FF2B5EF4-FFF2-40B4-BE49-F238E27FC236}">
-                <a16:creationId xmlns:a16="http://schemas.microsoft.com/office/drawing/2014/main" id="{5018E31C-D6AC-7D60-D9D2-903A9440C0DB}"/>
-              </a:ext>
-            </a:extLst>
-          </p:cNvPr>
-          <p:cNvSpPr/>
-          <p:nvPr/>
-        </p:nvSpPr>
-        <p:spPr>
-          <a:xfrm>
-            <a:off x="413147" y="10179725"/>
-            <a:ext cx="13804106" cy="188952"/>
-          </a:xfrm>
-          <a:prstGeom prst="rect">
-            <a:avLst/>
-          </a:prstGeom>
-          <a:noFill/>
-          <a:ln/>
-        </p:spPr>
-        <p:txBody>
-          <a:bodyPr wrap="none" lIns="0" tIns="0" rIns="0" bIns="0" rtlCol="0" anchor="t"/>
-          <a:lstStyle/>
-          <a:p>
-            <a:pPr marL="0" indent="0" algn="l">
-              <a:lnSpc>
-                <a:spcPts val="1450"/>
-              </a:lnSpc>
-              <a:buNone/>
-            </a:pPr>
-            <a:r>
-              <a:rPr lang="en-US" sz="900" b="1" dirty="0">
-                <a:solidFill>
-                  <a:srgbClr val="4C4C4C"/>
-                </a:solidFill>
-                <a:latin typeface="Noto Serif" pitchFamily="34" charset="0"/>
-                <a:ea typeface="Noto Serif" pitchFamily="34" charset="-122"/>
-                <a:cs typeface="Noto Serif" pitchFamily="34" charset="-120"/>
-              </a:rPr>
-              <a:t>Key Insight:</a:t>
-            </a:r>
-            <a:r>
-              <a:rPr lang="en-US" sz="900" dirty="0">
-                <a:solidFill>
-                  <a:srgbClr val="4C4C4C"/>
-                </a:solidFill>
-                <a:latin typeface="Noto Serif" pitchFamily="34" charset="0"/>
-                <a:ea typeface="Noto Serif" pitchFamily="34" charset="-122"/>
-                <a:cs typeface="Noto Serif" pitchFamily="34" charset="-120"/>
-              </a:rPr>
-              <a:t> 45 applications remain in progress, while 28 rejections indicate competitive screening processes requiring strategic focus.</a:t>
-            </a:r>
-            <a:endParaRPr lang="en-US" sz="900" dirty="0"/>
-          </a:p>
-        </p:txBody>
-      </p:sp>
-      <p:sp>
-        <p:nvSpPr>
-          <p:cNvPr id="17" name="Text 6">
-            <a:extLst>
-              <a:ext uri="{FF2B5EF4-FFF2-40B4-BE49-F238E27FC236}">
-                <a16:creationId xmlns:a16="http://schemas.microsoft.com/office/drawing/2014/main" id="{D247B2D8-267C-6B40-3F62-A724128C4F28}"/>
-              </a:ext>
-            </a:extLst>
-          </p:cNvPr>
-          <p:cNvSpPr/>
-          <p:nvPr/>
-        </p:nvSpPr>
-        <p:spPr>
-          <a:xfrm>
-            <a:off x="793790" y="6954798"/>
-            <a:ext cx="13042821" cy="362903"/>
-          </a:xfrm>
-          <a:prstGeom prst="rect">
-            <a:avLst/>
-          </a:prstGeom>
-          <a:noFill/>
-          <a:ln/>
-        </p:spPr>
-        <p:txBody>
-          <a:bodyPr wrap="none" lIns="0" tIns="0" rIns="0" bIns="0" rtlCol="0" anchor="t"/>
-          <a:lstStyle/>
-          <a:p>
-            <a:pPr marL="0" indent="0" algn="l">
+            <a:pPr>
               <a:lnSpc>
                 <a:spcPts val="2850"/>
               </a:lnSpc>
-              <a:buNone/>
             </a:pPr>
             <a:r>
               <a:rPr lang="en-US" sz="1750" b="1" dirty="0">
                 <a:solidFill>
                   <a:srgbClr val="4C4C4C"/>
                 </a:solidFill>
-                <a:latin typeface="Noto Serif" pitchFamily="34" charset="0"/>
                 <a:ea typeface="Noto Serif" pitchFamily="34" charset="-122"/>
                 <a:cs typeface="Noto Serif" pitchFamily="34" charset="-120"/>
               </a:rPr>
-              <a:t>Key Finding:</a:t>
+              <a:t>Key Finding : </a:t>
             </a:r>
             <a:r>
               <a:rPr lang="en-US" sz="1750" dirty="0">
                 <a:solidFill>
                   <a:srgbClr val="4C4C4C"/>
                 </a:solidFill>
-                <a:latin typeface="Noto Serif" pitchFamily="34" charset="0"/>
                 <a:ea typeface="Noto Serif" pitchFamily="34" charset="-122"/>
                 <a:cs typeface="Noto Serif" pitchFamily="34" charset="-120"/>
               </a:rPr>
-              <a:t> Large tech firms show 75% rejection rates; smaller startups average 45%, suggesting better fit potential.</a:t>
+              <a:t>Infosys</a:t>
+            </a:r>
+            <a:r>
+              <a:rPr lang="en-US" sz="1750" dirty="0"/>
+              <a:t> and Accenture received the highest number of applications</a:t>
+            </a:r>
+            <a:r>
+              <a:rPr lang="en-US" sz="1600" dirty="0"/>
+              <a:t>.</a:t>
             </a:r>
             <a:endParaRPr lang="en-US" sz="1750" dirty="0"/>
           </a:p>
@@ -8310,7 +9043,7 @@
           <p:cNvPr id="7" name="Rectangle 6">
             <a:extLst>
               <a:ext uri="{FF2B5EF4-FFF2-40B4-BE49-F238E27FC236}">
-                <a16:creationId xmlns:a16="http://schemas.microsoft.com/office/drawing/2014/main" id="{07B6EF9C-A076-D308-45E6-A2639301AF41}"/>
+                <a16:creationId xmlns:a16="http://schemas.microsoft.com/office/drawing/2014/main" id="{3FE12D6F-1170-E4B1-4DA5-4BF68A9FBB1A}"/>
               </a:ext>
             </a:extLst>
           </p:cNvPr>
@@ -8357,10 +9090,51 @@
           </a:p>
         </p:txBody>
       </p:sp>
+      <p:pic>
+        <p:nvPicPr>
+          <p:cNvPr id="5" name="Picture 4">
+            <a:extLst>
+              <a:ext uri="{FF2B5EF4-FFF2-40B4-BE49-F238E27FC236}">
+                <a16:creationId xmlns:a16="http://schemas.microsoft.com/office/drawing/2014/main" id="{DB27E216-CEF6-F90F-CD26-B3E0821D9E5F}"/>
+              </a:ext>
+            </a:extLst>
+          </p:cNvPr>
+          <p:cNvPicPr>
+            <a:picLocks noChangeAspect="1"/>
+          </p:cNvPicPr>
+          <p:nvPr/>
+        </p:nvPicPr>
+        <p:blipFill>
+          <a:blip r:embed="rId3">
+            <a:clrChange>
+              <a:clrFrom>
+                <a:srgbClr val="FFFFFF"/>
+              </a:clrFrom>
+              <a:clrTo>
+                <a:srgbClr val="FFFFFF">
+                  <a:alpha val="0"/>
+                </a:srgbClr>
+              </a:clrTo>
+            </a:clrChange>
+          </a:blip>
+          <a:stretch>
+            <a:fillRect/>
+          </a:stretch>
+        </p:blipFill>
+        <p:spPr>
+          <a:xfrm>
+            <a:off x="2202118" y="2061960"/>
+            <a:ext cx="8972715" cy="5525501"/>
+          </a:xfrm>
+          <a:prstGeom prst="rect">
+            <a:avLst/>
+          </a:prstGeom>
+        </p:spPr>
+      </p:pic>
     </p:spTree>
     <p:extLst>
       <p:ext uri="{BB962C8B-B14F-4D97-AF65-F5344CB8AC3E}">
-        <p14:creationId xmlns:p14="http://schemas.microsoft.com/office/powerpoint/2010/main" val="2420451421"/>
+        <p14:creationId xmlns:p14="http://schemas.microsoft.com/office/powerpoint/2010/main" val="584680736"/>
       </p:ext>
     </p:extLst>
   </p:cSld>
@@ -8378,7 +9152,7 @@
         <p:cNvPr id="1" name="">
           <a:extLst>
             <a:ext uri="{FF2B5EF4-FFF2-40B4-BE49-F238E27FC236}">
-              <a16:creationId xmlns:a16="http://schemas.microsoft.com/office/drawing/2014/main" id="{DE2F7A17-1A75-C04E-7641-61F4C38CE879}"/>
+              <a16:creationId xmlns:a16="http://schemas.microsoft.com/office/drawing/2014/main" id="{CC871EA0-B499-9632-BC5E-662C62B0CEFC}"/>
             </a:ext>
           </a:extLst>
         </p:cNvPr>
@@ -8398,7 +9172,7 @@
           <p:cNvPr id="2" name="Text 0">
             <a:extLst>
               <a:ext uri="{FF2B5EF4-FFF2-40B4-BE49-F238E27FC236}">
-                <a16:creationId xmlns:a16="http://schemas.microsoft.com/office/drawing/2014/main" id="{2755023C-146F-347A-B85A-4F62E7F8D74E}"/>
+                <a16:creationId xmlns:a16="http://schemas.microsoft.com/office/drawing/2014/main" id="{E467DB1C-0EE6-F739-13D0-974E2EF4732F}"/>
               </a:ext>
             </a:extLst>
           </p:cNvPr>
@@ -8408,7 +9182,7 @@
         <p:spPr>
           <a:xfrm>
             <a:off x="413147" y="324564"/>
-            <a:ext cx="5767387" cy="368856"/>
+            <a:ext cx="6275329" cy="288959"/>
           </a:xfrm>
           <a:prstGeom prst="rect">
             <a:avLst/>
@@ -8420,11 +9194,10 @@
           <a:bodyPr wrap="none" lIns="0" tIns="0" rIns="0" bIns="0" rtlCol="0" anchor="t"/>
           <a:lstStyle/>
           <a:p>
-            <a:pPr marL="0" indent="0" algn="l">
+            <a:pPr>
               <a:lnSpc>
                 <a:spcPts val="2900"/>
               </a:lnSpc>
-              <a:buNone/>
             </a:pPr>
             <a:r>
               <a:rPr lang="en-US" sz="2300" dirty="0">
@@ -8435,7 +9208,7 @@
                 <a:ea typeface="Noto Serif Medium" pitchFamily="34" charset="-122"/>
                 <a:cs typeface="Noto Serif Medium" pitchFamily="34" charset="-120"/>
               </a:rPr>
-              <a:t>SQL Query: Application Status Overview</a:t>
+              <a:t>SQL Query: Rejection rate per company </a:t>
             </a:r>
             <a:endParaRPr lang="en-US" sz="2300" dirty="0"/>
           </a:p>
@@ -8443,68 +9216,20 @@
       </p:sp>
       <p:sp>
         <p:nvSpPr>
-          <p:cNvPr id="3" name="Text 1">
-            <a:extLst>
-              <a:ext uri="{FF2B5EF4-FFF2-40B4-BE49-F238E27FC236}">
-                <a16:creationId xmlns:a16="http://schemas.microsoft.com/office/drawing/2014/main" id="{71F82950-DD9F-770E-A209-2DBA70300EA1}"/>
-              </a:ext>
-            </a:extLst>
-          </p:cNvPr>
-          <p:cNvSpPr/>
-          <p:nvPr/>
-        </p:nvSpPr>
-        <p:spPr>
-          <a:xfrm>
-            <a:off x="413147" y="929521"/>
-            <a:ext cx="13804106" cy="188952"/>
-          </a:xfrm>
-          <a:prstGeom prst="rect">
-            <a:avLst/>
-          </a:prstGeom>
-          <a:noFill/>
-          <a:ln/>
-        </p:spPr>
-        <p:txBody>
-          <a:bodyPr wrap="none" lIns="0" tIns="0" rIns="0" bIns="0" rtlCol="0" anchor="t"/>
-          <a:lstStyle/>
-          <a:p>
-            <a:pPr marL="0" indent="0" algn="l">
-              <a:lnSpc>
-                <a:spcPts val="1450"/>
-              </a:lnSpc>
-              <a:buNone/>
-            </a:pPr>
-            <a:r>
-              <a:rPr lang="en-US" sz="900" b="1" dirty="0">
-                <a:solidFill>
-                  <a:srgbClr val="4C4C4C"/>
-                </a:solidFill>
-                <a:latin typeface="Noto Serif" pitchFamily="34" charset="0"/>
-                <a:ea typeface="Noto Serif" pitchFamily="34" charset="-122"/>
-                <a:cs typeface="Noto Serif" pitchFamily="34" charset="-120"/>
-              </a:rPr>
-              <a:t>Total applications by status across all submissions</a:t>
-            </a:r>
-            <a:endParaRPr lang="en-US" sz="900" dirty="0"/>
-          </a:p>
-        </p:txBody>
-      </p:sp>
-      <p:sp>
-        <p:nvSpPr>
           <p:cNvPr id="4" name="Shape 2">
             <a:extLst>
               <a:ext uri="{FF2B5EF4-FFF2-40B4-BE49-F238E27FC236}">
-                <a16:creationId xmlns:a16="http://schemas.microsoft.com/office/drawing/2014/main" id="{8DE095C4-36DA-CCEC-BCB4-BB7517D4E909}"/>
-              </a:ext>
-            </a:extLst>
-          </p:cNvPr>
-          <p:cNvSpPr/>
-          <p:nvPr/>
-        </p:nvSpPr>
-        <p:spPr>
-          <a:xfrm>
-            <a:off x="413147" y="1251228"/>
-            <a:ext cx="13804106" cy="932736"/>
+                <a16:creationId xmlns:a16="http://schemas.microsoft.com/office/drawing/2014/main" id="{A76B5492-9A4D-18DA-D8C0-35A9854A6B00}"/>
+              </a:ext>
+            </a:extLst>
+          </p:cNvPr>
+          <p:cNvSpPr/>
+          <p:nvPr/>
+        </p:nvSpPr>
+        <p:spPr>
+          <a:xfrm>
+            <a:off x="413147" y="911898"/>
+            <a:ext cx="13804106" cy="1440883"/>
           </a:xfrm>
           <a:prstGeom prst="roundRect">
             <a:avLst>
@@ -8516,51 +9241,30 @@
           </a:solidFill>
           <a:ln/>
         </p:spPr>
-      </p:sp>
-      <p:sp>
-        <p:nvSpPr>
-          <p:cNvPr id="5" name="Shape 3">
-            <a:extLst>
-              <a:ext uri="{FF2B5EF4-FFF2-40B4-BE49-F238E27FC236}">
-                <a16:creationId xmlns:a16="http://schemas.microsoft.com/office/drawing/2014/main" id="{68281F08-1D0F-B848-5C54-0C13F45DE900}"/>
-              </a:ext>
-            </a:extLst>
-          </p:cNvPr>
-          <p:cNvSpPr/>
-          <p:nvPr/>
-        </p:nvSpPr>
-        <p:spPr>
-          <a:xfrm>
-            <a:off x="407313" y="1251228"/>
-            <a:ext cx="13815774" cy="932736"/>
-          </a:xfrm>
-          <a:prstGeom prst="roundRect">
-            <a:avLst>
-              <a:gd name="adj" fmla="val 1899"/>
-            </a:avLst>
-          </a:prstGeom>
-          <a:solidFill>
-            <a:srgbClr val="F0EEEA"/>
-          </a:solidFill>
-          <a:ln/>
-        </p:spPr>
+        <p:txBody>
+          <a:bodyPr/>
+          <a:lstStyle/>
+          <a:p>
+            <a:endParaRPr lang="en-IN"/>
+          </a:p>
+        </p:txBody>
       </p:sp>
       <p:sp>
         <p:nvSpPr>
           <p:cNvPr id="6" name="Text 4">
             <a:extLst>
               <a:ext uri="{FF2B5EF4-FFF2-40B4-BE49-F238E27FC236}">
-                <a16:creationId xmlns:a16="http://schemas.microsoft.com/office/drawing/2014/main" id="{DFE3F206-478A-1A6C-9D50-2D403CF761D7}"/>
-              </a:ext>
-            </a:extLst>
-          </p:cNvPr>
-          <p:cNvSpPr/>
-          <p:nvPr/>
-        </p:nvSpPr>
-        <p:spPr>
-          <a:xfrm>
-            <a:off x="525304" y="1339691"/>
-            <a:ext cx="13579793" cy="755809"/>
+                <a16:creationId xmlns:a16="http://schemas.microsoft.com/office/drawing/2014/main" id="{88498BE9-1C9B-8A0C-06A2-D9488073AD05}"/>
+              </a:ext>
+            </a:extLst>
+          </p:cNvPr>
+          <p:cNvSpPr/>
+          <p:nvPr/>
+        </p:nvSpPr>
+        <p:spPr>
+          <a:xfrm>
+            <a:off x="413147" y="1042588"/>
+            <a:ext cx="13579793" cy="1800296"/>
           </a:xfrm>
           <a:prstGeom prst="rect">
             <a:avLst/>
@@ -8572,390 +9276,267 @@
           <a:bodyPr wrap="square" lIns="0" tIns="0" rIns="0" bIns="0" rtlCol="0" anchor="t"/>
           <a:lstStyle/>
           <a:p>
-            <a:pPr marL="0" indent="0" algn="l">
+            <a:pPr>
               <a:lnSpc>
                 <a:spcPts val="1450"/>
               </a:lnSpc>
-              <a:buNone/>
             </a:pPr>
             <a:r>
-              <a:rPr lang="en-US" sz="900" dirty="0">
-                <a:solidFill>
-                  <a:srgbClr val="4C4C4C"/>
-                </a:solidFill>
-                <a:highlight>
-                  <a:srgbClr val="F0EEEA"/>
-                </a:highlight>
+              <a:rPr lang="en-US" sz="1400" dirty="0">
+                <a:solidFill>
+                  <a:srgbClr val="4C4C4C"/>
+                </a:solidFill>
                 <a:latin typeface="Consolas" pitchFamily="34" charset="0"/>
                 <a:ea typeface="Consolas" pitchFamily="34" charset="-122"/>
                 <a:cs typeface="Consolas" pitchFamily="34" charset="-120"/>
               </a:rPr>
-              <a:t>SELECT status, COUNT(*) as total_countFROM applicationsGROUP BY statusORDER BY total_count DESC;</a:t>
-            </a:r>
-            <a:endParaRPr lang="en-US" sz="900" dirty="0"/>
-          </a:p>
-        </p:txBody>
-      </p:sp>
-      <p:sp>
-        <p:nvSpPr>
-          <p:cNvPr id="8" name="Shape 5">
-            <a:extLst>
-              <a:ext uri="{FF2B5EF4-FFF2-40B4-BE49-F238E27FC236}">
-                <a16:creationId xmlns:a16="http://schemas.microsoft.com/office/drawing/2014/main" id="{2EB2F2C0-1C07-1046-CF21-74243D59EA71}"/>
-              </a:ext>
-            </a:extLst>
-          </p:cNvPr>
-          <p:cNvSpPr/>
-          <p:nvPr/>
-        </p:nvSpPr>
-        <p:spPr>
-          <a:xfrm>
-            <a:off x="3132892" y="9928860"/>
-            <a:ext cx="117991" cy="117991"/>
-          </a:xfrm>
-          <a:prstGeom prst="roundRect">
-            <a:avLst>
-              <a:gd name="adj" fmla="val 15499"/>
-            </a:avLst>
-          </a:prstGeom>
-          <a:solidFill>
-            <a:srgbClr val="2B2722"/>
-          </a:solidFill>
-          <a:ln/>
-        </p:spPr>
-      </p:sp>
-      <p:sp>
-        <p:nvSpPr>
-          <p:cNvPr id="9" name="Text 6">
-            <a:extLst>
-              <a:ext uri="{FF2B5EF4-FFF2-40B4-BE49-F238E27FC236}">
-                <a16:creationId xmlns:a16="http://schemas.microsoft.com/office/drawing/2014/main" id="{9E21C803-36D5-107A-67E1-EDC94873373F}"/>
-              </a:ext>
-            </a:extLst>
-          </p:cNvPr>
-          <p:cNvSpPr/>
-          <p:nvPr/>
-        </p:nvSpPr>
-        <p:spPr>
-          <a:xfrm>
-            <a:off x="3311843" y="9928860"/>
-            <a:ext cx="438031" cy="118110"/>
-          </a:xfrm>
-          <a:prstGeom prst="rect">
-            <a:avLst/>
-          </a:prstGeom>
-          <a:noFill/>
-          <a:ln/>
-        </p:spPr>
-        <p:txBody>
-          <a:bodyPr wrap="none" lIns="0" tIns="0" rIns="0" bIns="0" rtlCol="0" anchor="t"/>
-          <a:lstStyle/>
-          <a:p>
-            <a:pPr marL="0" indent="0" algn="l">
-              <a:lnSpc>
-                <a:spcPts val="900"/>
-              </a:lnSpc>
-              <a:buNone/>
-            </a:pPr>
-            <a:r>
-              <a:rPr lang="en-US" sz="900" dirty="0">
-                <a:solidFill>
-                  <a:srgbClr val="4C4C4C"/>
-                </a:solidFill>
-                <a:latin typeface="Noto Serif" pitchFamily="34" charset="0"/>
-                <a:ea typeface="Noto Serif" pitchFamily="34" charset="-122"/>
-                <a:cs typeface="Noto Serif" pitchFamily="34" charset="-120"/>
-              </a:rPr>
-              <a:t>Applied</a:t>
-            </a:r>
-            <a:endParaRPr lang="en-US" sz="900" dirty="0"/>
-          </a:p>
-        </p:txBody>
-      </p:sp>
-      <p:sp>
-        <p:nvSpPr>
-          <p:cNvPr id="10" name="Shape 7">
-            <a:extLst>
-              <a:ext uri="{FF2B5EF4-FFF2-40B4-BE49-F238E27FC236}">
-                <a16:creationId xmlns:a16="http://schemas.microsoft.com/office/drawing/2014/main" id="{D7B398F7-6A69-18A5-5BF5-F8D9DB79FE95}"/>
-              </a:ext>
-            </a:extLst>
-          </p:cNvPr>
-          <p:cNvSpPr/>
-          <p:nvPr/>
-        </p:nvSpPr>
-        <p:spPr>
-          <a:xfrm>
-            <a:off x="5205889" y="9928860"/>
-            <a:ext cx="117991" cy="117991"/>
-          </a:xfrm>
-          <a:prstGeom prst="roundRect">
-            <a:avLst>
-              <a:gd name="adj" fmla="val 15499"/>
-            </a:avLst>
-          </a:prstGeom>
-          <a:solidFill>
-            <a:srgbClr val="5D554A"/>
-          </a:solidFill>
-          <a:ln/>
-        </p:spPr>
-      </p:sp>
-      <p:sp>
-        <p:nvSpPr>
-          <p:cNvPr id="11" name="Text 8">
-            <a:extLst>
-              <a:ext uri="{FF2B5EF4-FFF2-40B4-BE49-F238E27FC236}">
-                <a16:creationId xmlns:a16="http://schemas.microsoft.com/office/drawing/2014/main" id="{884E397D-2E29-343E-84BD-513F0CF09A92}"/>
-              </a:ext>
-            </a:extLst>
-          </p:cNvPr>
-          <p:cNvSpPr/>
-          <p:nvPr/>
-        </p:nvSpPr>
-        <p:spPr>
-          <a:xfrm>
-            <a:off x="5384840" y="9928860"/>
-            <a:ext cx="550545" cy="118110"/>
-          </a:xfrm>
-          <a:prstGeom prst="rect">
-            <a:avLst/>
-          </a:prstGeom>
-          <a:noFill/>
-          <a:ln/>
-        </p:spPr>
-        <p:txBody>
-          <a:bodyPr wrap="none" lIns="0" tIns="0" rIns="0" bIns="0" rtlCol="0" anchor="t"/>
-          <a:lstStyle/>
-          <a:p>
-            <a:pPr marL="0" indent="0" algn="l">
-              <a:lnSpc>
-                <a:spcPts val="900"/>
-              </a:lnSpc>
-              <a:buNone/>
-            </a:pPr>
-            <a:r>
-              <a:rPr lang="en-US" sz="900" dirty="0">
-                <a:solidFill>
-                  <a:srgbClr val="4C4C4C"/>
-                </a:solidFill>
-                <a:latin typeface="Noto Serif" pitchFamily="34" charset="0"/>
-                <a:ea typeface="Noto Serif" pitchFamily="34" charset="-122"/>
-                <a:cs typeface="Noto Serif" pitchFamily="34" charset="-120"/>
-              </a:rPr>
-              <a:t>Interview</a:t>
-            </a:r>
-            <a:endParaRPr lang="en-US" sz="900" dirty="0"/>
-          </a:p>
-        </p:txBody>
-      </p:sp>
-      <p:sp>
-        <p:nvSpPr>
-          <p:cNvPr id="12" name="Shape 9">
-            <a:extLst>
-              <a:ext uri="{FF2B5EF4-FFF2-40B4-BE49-F238E27FC236}">
-                <a16:creationId xmlns:a16="http://schemas.microsoft.com/office/drawing/2014/main" id="{2C3D0BA0-93C6-EE20-0546-CA2E945B1ECB}"/>
-              </a:ext>
-            </a:extLst>
-          </p:cNvPr>
-          <p:cNvSpPr/>
-          <p:nvPr/>
-        </p:nvSpPr>
-        <p:spPr>
-          <a:xfrm>
-            <a:off x="8733115" y="9928860"/>
-            <a:ext cx="117991" cy="117991"/>
-          </a:xfrm>
-          <a:prstGeom prst="roundRect">
-            <a:avLst>
-              <a:gd name="adj" fmla="val 15499"/>
-            </a:avLst>
-          </a:prstGeom>
-          <a:solidFill>
-            <a:srgbClr val="8F8473"/>
-          </a:solidFill>
-          <a:ln/>
-        </p:spPr>
-      </p:sp>
-      <p:sp>
-        <p:nvSpPr>
-          <p:cNvPr id="13" name="Text 10">
-            <a:extLst>
-              <a:ext uri="{FF2B5EF4-FFF2-40B4-BE49-F238E27FC236}">
-                <a16:creationId xmlns:a16="http://schemas.microsoft.com/office/drawing/2014/main" id="{CB4B2EF6-C291-1DA1-F9E8-C1F2886FBDA1}"/>
-              </a:ext>
-            </a:extLst>
-          </p:cNvPr>
-          <p:cNvSpPr/>
-          <p:nvPr/>
-        </p:nvSpPr>
-        <p:spPr>
-          <a:xfrm>
-            <a:off x="8912066" y="9928860"/>
-            <a:ext cx="474226" cy="118110"/>
-          </a:xfrm>
-          <a:prstGeom prst="rect">
-            <a:avLst/>
-          </a:prstGeom>
-          <a:noFill/>
-          <a:ln/>
-        </p:spPr>
-        <p:txBody>
-          <a:bodyPr wrap="none" lIns="0" tIns="0" rIns="0" bIns="0" rtlCol="0" anchor="t"/>
-          <a:lstStyle/>
-          <a:p>
-            <a:pPr marL="0" indent="0" algn="l">
-              <a:lnSpc>
-                <a:spcPts val="900"/>
-              </a:lnSpc>
-              <a:buNone/>
-            </a:pPr>
-            <a:r>
-              <a:rPr lang="en-US" sz="900" dirty="0">
-                <a:solidFill>
-                  <a:srgbClr val="4C4C4C"/>
-                </a:solidFill>
-                <a:latin typeface="Noto Serif" pitchFamily="34" charset="0"/>
-                <a:ea typeface="Noto Serif" pitchFamily="34" charset="-122"/>
-                <a:cs typeface="Noto Serif" pitchFamily="34" charset="-120"/>
-              </a:rPr>
-              <a:t>Rejected</a:t>
-            </a:r>
-            <a:endParaRPr lang="en-US" sz="900" dirty="0"/>
-          </a:p>
-        </p:txBody>
-      </p:sp>
-      <p:sp>
-        <p:nvSpPr>
-          <p:cNvPr id="14" name="Shape 11">
-            <a:extLst>
-              <a:ext uri="{FF2B5EF4-FFF2-40B4-BE49-F238E27FC236}">
-                <a16:creationId xmlns:a16="http://schemas.microsoft.com/office/drawing/2014/main" id="{AC86271C-B284-AF97-3C71-A6B3F4C677BF}"/>
-              </a:ext>
-            </a:extLst>
-          </p:cNvPr>
-          <p:cNvSpPr/>
-          <p:nvPr/>
-        </p:nvSpPr>
-        <p:spPr>
-          <a:xfrm>
-            <a:off x="10880527" y="9928860"/>
-            <a:ext cx="117991" cy="117991"/>
-          </a:xfrm>
-          <a:prstGeom prst="roundRect">
-            <a:avLst>
-              <a:gd name="adj" fmla="val 15499"/>
-            </a:avLst>
-          </a:prstGeom>
-          <a:solidFill>
-            <a:srgbClr val="B7B0A5"/>
-          </a:solidFill>
-          <a:ln/>
-        </p:spPr>
-      </p:sp>
-      <p:sp>
-        <p:nvSpPr>
-          <p:cNvPr id="15" name="Text 12">
-            <a:extLst>
-              <a:ext uri="{FF2B5EF4-FFF2-40B4-BE49-F238E27FC236}">
-                <a16:creationId xmlns:a16="http://schemas.microsoft.com/office/drawing/2014/main" id="{E4FE581E-E307-0A24-6353-751893A5B996}"/>
-              </a:ext>
-            </a:extLst>
-          </p:cNvPr>
-          <p:cNvSpPr/>
-          <p:nvPr/>
-        </p:nvSpPr>
-        <p:spPr>
-          <a:xfrm>
-            <a:off x="11059478" y="9928860"/>
-            <a:ext cx="293370" cy="118110"/>
-          </a:xfrm>
-          <a:prstGeom prst="rect">
-            <a:avLst/>
-          </a:prstGeom>
-          <a:noFill/>
-          <a:ln/>
-        </p:spPr>
-        <p:txBody>
-          <a:bodyPr wrap="none" lIns="0" tIns="0" rIns="0" bIns="0" rtlCol="0" anchor="t"/>
-          <a:lstStyle/>
-          <a:p>
-            <a:pPr marL="0" indent="0" algn="l">
-              <a:lnSpc>
-                <a:spcPts val="900"/>
-              </a:lnSpc>
-              <a:buNone/>
-            </a:pPr>
-            <a:r>
-              <a:rPr lang="en-US" sz="900" dirty="0">
-                <a:solidFill>
-                  <a:srgbClr val="4C4C4C"/>
-                </a:solidFill>
-                <a:latin typeface="Noto Serif" pitchFamily="34" charset="0"/>
-                <a:ea typeface="Noto Serif" pitchFamily="34" charset="-122"/>
-                <a:cs typeface="Noto Serif" pitchFamily="34" charset="-120"/>
-              </a:rPr>
-              <a:t>Offer</a:t>
-            </a:r>
-            <a:endParaRPr lang="en-US" sz="900" dirty="0"/>
-          </a:p>
-        </p:txBody>
-      </p:sp>
-      <p:sp>
-        <p:nvSpPr>
-          <p:cNvPr id="16" name="Text 13">
-            <a:extLst>
-              <a:ext uri="{FF2B5EF4-FFF2-40B4-BE49-F238E27FC236}">
-                <a16:creationId xmlns:a16="http://schemas.microsoft.com/office/drawing/2014/main" id="{FC7825C2-3AF9-F48E-9AC1-5BA5CA1525BF}"/>
-              </a:ext>
-            </a:extLst>
-          </p:cNvPr>
-          <p:cNvSpPr/>
-          <p:nvPr/>
-        </p:nvSpPr>
-        <p:spPr>
-          <a:xfrm>
-            <a:off x="413147" y="10179725"/>
-            <a:ext cx="13804106" cy="188952"/>
-          </a:xfrm>
-          <a:prstGeom prst="rect">
-            <a:avLst/>
-          </a:prstGeom>
-          <a:noFill/>
-          <a:ln/>
-        </p:spPr>
-        <p:txBody>
-          <a:bodyPr wrap="none" lIns="0" tIns="0" rIns="0" bIns="0" rtlCol="0" anchor="t"/>
-          <a:lstStyle/>
-          <a:p>
-            <a:pPr marL="0" indent="0" algn="l">
+              <a:t> select </a:t>
+            </a:r>
+            <a:r>
+              <a:rPr lang="en-US" sz="1400" dirty="0" err="1">
+                <a:solidFill>
+                  <a:srgbClr val="4C4C4C"/>
+                </a:solidFill>
+                <a:latin typeface="Consolas" pitchFamily="34" charset="0"/>
+                <a:ea typeface="Consolas" pitchFamily="34" charset="-122"/>
+                <a:cs typeface="Consolas" pitchFamily="34" charset="-120"/>
+              </a:rPr>
+              <a:t>company_name,count</a:t>
+            </a:r>
+            <a:r>
+              <a:rPr lang="en-US" sz="1400" dirty="0">
+                <a:solidFill>
+                  <a:srgbClr val="4C4C4C"/>
+                </a:solidFill>
+                <a:latin typeface="Consolas" pitchFamily="34" charset="0"/>
+                <a:ea typeface="Consolas" pitchFamily="34" charset="-122"/>
+                <a:cs typeface="Consolas" pitchFamily="34" charset="-120"/>
+              </a:rPr>
+              <a:t>(*) as </a:t>
+            </a:r>
+            <a:r>
+              <a:rPr lang="en-US" sz="1400" dirty="0" err="1">
+                <a:solidFill>
+                  <a:srgbClr val="4C4C4C"/>
+                </a:solidFill>
+                <a:latin typeface="Consolas" pitchFamily="34" charset="0"/>
+                <a:ea typeface="Consolas" pitchFamily="34" charset="-122"/>
+                <a:cs typeface="Consolas" pitchFamily="34" charset="-120"/>
+              </a:rPr>
+              <a:t>Number_of_rejected</a:t>
+            </a:r>
+            <a:r>
+              <a:rPr lang="en-US" sz="1400" dirty="0">
+                <a:solidFill>
+                  <a:srgbClr val="4C4C4C"/>
+                </a:solidFill>
+                <a:latin typeface="Consolas" pitchFamily="34" charset="0"/>
+                <a:ea typeface="Consolas" pitchFamily="34" charset="-122"/>
+                <a:cs typeface="Consolas" pitchFamily="34" charset="-120"/>
+              </a:rPr>
+              <a:t>,             </a:t>
+            </a:r>
+          </a:p>
+          <a:p>
+            <a:pPr>
               <a:lnSpc>
                 <a:spcPts val="1450"/>
               </a:lnSpc>
-              <a:buNone/>
             </a:pPr>
             <a:r>
-              <a:rPr lang="en-US" sz="900" b="1" dirty="0">
-                <a:solidFill>
-                  <a:srgbClr val="4C4C4C"/>
-                </a:solidFill>
-                <a:latin typeface="Noto Serif" pitchFamily="34" charset="0"/>
-                <a:ea typeface="Noto Serif" pitchFamily="34" charset="-122"/>
-                <a:cs typeface="Noto Serif" pitchFamily="34" charset="-120"/>
-              </a:rPr>
-              <a:t>Key Insight:</a:t>
-            </a:r>
-            <a:r>
-              <a:rPr lang="en-US" sz="900" dirty="0">
-                <a:solidFill>
-                  <a:srgbClr val="4C4C4C"/>
-                </a:solidFill>
-                <a:latin typeface="Noto Serif" pitchFamily="34" charset="0"/>
-                <a:ea typeface="Noto Serif" pitchFamily="34" charset="-122"/>
-                <a:cs typeface="Noto Serif" pitchFamily="34" charset="-120"/>
-              </a:rPr>
-              <a:t> 45 applications remain in progress, while 28 rejections indicate competitive screening processes requiring strategic focus.</a:t>
-            </a:r>
-            <a:endParaRPr lang="en-US" sz="900" dirty="0"/>
+              <a:rPr lang="en-US" sz="1400" dirty="0">
+                <a:solidFill>
+                  <a:srgbClr val="4C4C4C"/>
+                </a:solidFill>
+                <a:latin typeface="Consolas" pitchFamily="34" charset="0"/>
+                <a:ea typeface="Consolas" pitchFamily="34" charset="-122"/>
+                <a:cs typeface="Consolas" pitchFamily="34" charset="-120"/>
+              </a:rPr>
+              <a:t> ROUND(COUNT(*) * 100.0 / (SELECT COUNT(*) FROM applications WHERE </a:t>
+            </a:r>
+            <a:r>
+              <a:rPr lang="en-US" sz="1400" dirty="0" err="1">
+                <a:solidFill>
+                  <a:srgbClr val="4C4C4C"/>
+                </a:solidFill>
+                <a:latin typeface="Consolas" pitchFamily="34" charset="0"/>
+                <a:ea typeface="Consolas" pitchFamily="34" charset="-122"/>
+                <a:cs typeface="Consolas" pitchFamily="34" charset="-120"/>
+              </a:rPr>
+              <a:t>company_name</a:t>
+            </a:r>
+            <a:r>
+              <a:rPr lang="en-US" sz="1400" dirty="0">
+                <a:solidFill>
+                  <a:srgbClr val="4C4C4C"/>
+                </a:solidFill>
+                <a:latin typeface="Consolas" pitchFamily="34" charset="0"/>
+                <a:ea typeface="Consolas" pitchFamily="34" charset="-122"/>
+                <a:cs typeface="Consolas" pitchFamily="34" charset="-120"/>
+              </a:rPr>
+              <a:t> = </a:t>
+            </a:r>
+            <a:r>
+              <a:rPr lang="en-US" sz="1400" dirty="0" err="1">
+                <a:solidFill>
+                  <a:srgbClr val="4C4C4C"/>
+                </a:solidFill>
+                <a:latin typeface="Consolas" pitchFamily="34" charset="0"/>
+                <a:ea typeface="Consolas" pitchFamily="34" charset="-122"/>
+                <a:cs typeface="Consolas" pitchFamily="34" charset="-120"/>
+              </a:rPr>
+              <a:t>a.company_name</a:t>
+            </a:r>
+            <a:r>
+              <a:rPr lang="en-US" sz="1400" dirty="0">
+                <a:solidFill>
+                  <a:srgbClr val="4C4C4C"/>
+                </a:solidFill>
+                <a:latin typeface="Consolas" pitchFamily="34" charset="0"/>
+                <a:ea typeface="Consolas" pitchFamily="34" charset="-122"/>
+                <a:cs typeface="Consolas" pitchFamily="34" charset="-120"/>
+              </a:rPr>
+              <a:t>), 2) AS </a:t>
+            </a:r>
+            <a:r>
+              <a:rPr lang="en-US" sz="1400" dirty="0" err="1">
+                <a:solidFill>
+                  <a:srgbClr val="4C4C4C"/>
+                </a:solidFill>
+                <a:latin typeface="Consolas" pitchFamily="34" charset="0"/>
+                <a:ea typeface="Consolas" pitchFamily="34" charset="-122"/>
+                <a:cs typeface="Consolas" pitchFamily="34" charset="-120"/>
+              </a:rPr>
+              <a:t>Rejection_Rate_Percent</a:t>
+            </a:r>
+            <a:r>
+              <a:rPr lang="en-US" sz="1400" dirty="0">
+                <a:solidFill>
+                  <a:srgbClr val="4C4C4C"/>
+                </a:solidFill>
+                <a:latin typeface="Consolas" pitchFamily="34" charset="0"/>
+                <a:ea typeface="Consolas" pitchFamily="34" charset="-122"/>
+                <a:cs typeface="Consolas" pitchFamily="34" charset="-120"/>
+              </a:rPr>
+              <a:t>               </a:t>
+            </a:r>
+          </a:p>
+          <a:p>
+            <a:pPr>
+              <a:lnSpc>
+                <a:spcPts val="1450"/>
+              </a:lnSpc>
+            </a:pPr>
+            <a:r>
+              <a:rPr lang="en-US" sz="1400" dirty="0">
+                <a:solidFill>
+                  <a:srgbClr val="4C4C4C"/>
+                </a:solidFill>
+                <a:latin typeface="Consolas" pitchFamily="34" charset="0"/>
+                <a:ea typeface="Consolas" pitchFamily="34" charset="-122"/>
+                <a:cs typeface="Consolas" pitchFamily="34" charset="-120"/>
+              </a:rPr>
+              <a:t> from applications a</a:t>
+            </a:r>
+          </a:p>
+          <a:p>
+            <a:pPr>
+              <a:lnSpc>
+                <a:spcPts val="1450"/>
+              </a:lnSpc>
+            </a:pPr>
+            <a:r>
+              <a:rPr lang="en-US" sz="1400" dirty="0">
+                <a:solidFill>
+                  <a:srgbClr val="4C4C4C"/>
+                </a:solidFill>
+                <a:latin typeface="Consolas" pitchFamily="34" charset="0"/>
+                <a:ea typeface="Consolas" pitchFamily="34" charset="-122"/>
+                <a:cs typeface="Consolas" pitchFamily="34" charset="-120"/>
+              </a:rPr>
+              <a:t> where status = 'rejected'             </a:t>
+            </a:r>
+          </a:p>
+          <a:p>
+            <a:pPr>
+              <a:lnSpc>
+                <a:spcPts val="1450"/>
+              </a:lnSpc>
+            </a:pPr>
+            <a:r>
+              <a:rPr lang="en-US" sz="1400" dirty="0">
+                <a:solidFill>
+                  <a:srgbClr val="4C4C4C"/>
+                </a:solidFill>
+                <a:latin typeface="Consolas" pitchFamily="34" charset="0"/>
+                <a:ea typeface="Consolas" pitchFamily="34" charset="-122"/>
+                <a:cs typeface="Consolas" pitchFamily="34" charset="-120"/>
+              </a:rPr>
+              <a:t> group by </a:t>
+            </a:r>
+            <a:r>
+              <a:rPr lang="en-US" sz="1400" dirty="0" err="1">
+                <a:solidFill>
+                  <a:srgbClr val="4C4C4C"/>
+                </a:solidFill>
+                <a:latin typeface="Consolas" pitchFamily="34" charset="0"/>
+                <a:ea typeface="Consolas" pitchFamily="34" charset="-122"/>
+                <a:cs typeface="Consolas" pitchFamily="34" charset="-120"/>
+              </a:rPr>
+              <a:t>company_name</a:t>
+            </a:r>
+            <a:r>
+              <a:rPr lang="en-US" sz="1400" dirty="0">
+                <a:solidFill>
+                  <a:srgbClr val="4C4C4C"/>
+                </a:solidFill>
+                <a:latin typeface="Consolas" pitchFamily="34" charset="0"/>
+                <a:ea typeface="Consolas" pitchFamily="34" charset="-122"/>
+                <a:cs typeface="Consolas" pitchFamily="34" charset="-120"/>
+              </a:rPr>
+              <a:t>           </a:t>
+            </a:r>
+          </a:p>
+          <a:p>
+            <a:pPr>
+              <a:lnSpc>
+                <a:spcPts val="1450"/>
+              </a:lnSpc>
+            </a:pPr>
+            <a:r>
+              <a:rPr lang="en-US" sz="1400" dirty="0">
+                <a:solidFill>
+                  <a:srgbClr val="4C4C4C"/>
+                </a:solidFill>
+                <a:latin typeface="Consolas" pitchFamily="34" charset="0"/>
+                <a:ea typeface="Consolas" pitchFamily="34" charset="-122"/>
+                <a:cs typeface="Consolas" pitchFamily="34" charset="-120"/>
+              </a:rPr>
+              <a:t> order by </a:t>
+            </a:r>
+            <a:r>
+              <a:rPr lang="en-US" sz="1400" dirty="0" err="1">
+                <a:solidFill>
+                  <a:srgbClr val="4C4C4C"/>
+                </a:solidFill>
+                <a:latin typeface="Consolas" pitchFamily="34" charset="0"/>
+                <a:ea typeface="Consolas" pitchFamily="34" charset="-122"/>
+                <a:cs typeface="Consolas" pitchFamily="34" charset="-120"/>
+              </a:rPr>
+              <a:t>Number_of_rejected</a:t>
+            </a:r>
+            <a:r>
+              <a:rPr lang="en-US" sz="1400" dirty="0">
+                <a:solidFill>
+                  <a:srgbClr val="4C4C4C"/>
+                </a:solidFill>
+                <a:latin typeface="Consolas" pitchFamily="34" charset="0"/>
+                <a:ea typeface="Consolas" pitchFamily="34" charset="-122"/>
+                <a:cs typeface="Consolas" pitchFamily="34" charset="-120"/>
+              </a:rPr>
+              <a:t> desc;</a:t>
+            </a:r>
+            <a:endParaRPr lang="en-US" sz="1400" dirty="0"/>
           </a:p>
         </p:txBody>
       </p:sp>
@@ -8964,16 +9545,16 @@
           <p:cNvPr id="17" name="Text 6">
             <a:extLst>
               <a:ext uri="{FF2B5EF4-FFF2-40B4-BE49-F238E27FC236}">
-                <a16:creationId xmlns:a16="http://schemas.microsoft.com/office/drawing/2014/main" id="{67897BD9-B406-610E-56DE-55AECB73C736}"/>
-              </a:ext>
-            </a:extLst>
-          </p:cNvPr>
-          <p:cNvSpPr/>
-          <p:nvPr/>
-        </p:nvSpPr>
-        <p:spPr>
-          <a:xfrm>
-            <a:off x="793790" y="6954798"/>
+                <a16:creationId xmlns:a16="http://schemas.microsoft.com/office/drawing/2014/main" id="{8BE4ABAA-6F7C-6301-1CBD-68D7A84DB00C}"/>
+              </a:ext>
+            </a:extLst>
+          </p:cNvPr>
+          <p:cNvSpPr/>
+          <p:nvPr/>
+        </p:nvSpPr>
+        <p:spPr>
+          <a:xfrm>
+            <a:off x="668042" y="7587461"/>
             <a:ext cx="13042821" cy="362903"/>
           </a:xfrm>
           <a:prstGeom prst="rect">
@@ -8986,35 +9567,35 @@
           <a:bodyPr wrap="none" lIns="0" tIns="0" rIns="0" bIns="0" rtlCol="0" anchor="t"/>
           <a:lstStyle/>
           <a:p>
-            <a:pPr marL="0" indent="0" algn="l">
+            <a:pPr>
               <a:lnSpc>
                 <a:spcPts val="2850"/>
               </a:lnSpc>
-              <a:buNone/>
             </a:pPr>
             <a:r>
               <a:rPr lang="en-US" sz="1750" b="1" dirty="0">
                 <a:solidFill>
                   <a:srgbClr val="4C4C4C"/>
                 </a:solidFill>
-                <a:latin typeface="Noto Serif" pitchFamily="34" charset="0"/>
                 <a:ea typeface="Noto Serif" pitchFamily="34" charset="-122"/>
                 <a:cs typeface="Noto Serif" pitchFamily="34" charset="-120"/>
               </a:rPr>
-              <a:t>Key Finding:</a:t>
+              <a:t>Key Finding :</a:t>
             </a:r>
             <a:r>
               <a:rPr lang="en-US" sz="1750" dirty="0">
                 <a:solidFill>
                   <a:srgbClr val="4C4C4C"/>
                 </a:solidFill>
-                <a:latin typeface="Noto Serif" pitchFamily="34" charset="0"/>
                 <a:ea typeface="Noto Serif" pitchFamily="34" charset="-122"/>
                 <a:cs typeface="Noto Serif" pitchFamily="34" charset="-120"/>
               </a:rPr>
-              <a:t> Large tech firms show 75% rejection rates; smaller startups average 45%, suggesting better fit potential.</a:t>
-            </a:r>
-            <a:endParaRPr lang="en-US" sz="1750" dirty="0"/>
+              <a:t> </a:t>
+            </a:r>
+            <a:r>
+              <a:rPr lang="en-US" sz="1750" dirty="0"/>
+              <a:t>Big firms reject more candidates, while mid-sized ones are more selective.</a:t>
+            </a:r>
           </a:p>
         </p:txBody>
       </p:sp>
@@ -9023,7 +9604,7 @@
           <p:cNvPr id="7" name="Rectangle 6">
             <a:extLst>
               <a:ext uri="{FF2B5EF4-FFF2-40B4-BE49-F238E27FC236}">
-                <a16:creationId xmlns:a16="http://schemas.microsoft.com/office/drawing/2014/main" id="{D8E96A99-7EBD-8814-C964-47D5A71C4F6F}"/>
+                <a16:creationId xmlns:a16="http://schemas.microsoft.com/office/drawing/2014/main" id="{F596563B-D22A-E3D3-3B79-1289391FBA71}"/>
               </a:ext>
             </a:extLst>
           </p:cNvPr>
@@ -9070,10 +9651,51 @@
           </a:p>
         </p:txBody>
       </p:sp>
+      <p:pic>
+        <p:nvPicPr>
+          <p:cNvPr id="5" name="Picture 4">
+            <a:extLst>
+              <a:ext uri="{FF2B5EF4-FFF2-40B4-BE49-F238E27FC236}">
+                <a16:creationId xmlns:a16="http://schemas.microsoft.com/office/drawing/2014/main" id="{78843862-F4B0-B45D-50EA-A75255CD9A67}"/>
+              </a:ext>
+            </a:extLst>
+          </p:cNvPr>
+          <p:cNvPicPr>
+            <a:picLocks noChangeAspect="1"/>
+          </p:cNvPicPr>
+          <p:nvPr/>
+        </p:nvPicPr>
+        <p:blipFill>
+          <a:blip r:embed="rId3">
+            <a:clrChange>
+              <a:clrFrom>
+                <a:srgbClr val="FFFFFF"/>
+              </a:clrFrom>
+              <a:clrTo>
+                <a:srgbClr val="FFFFFF">
+                  <a:alpha val="0"/>
+                </a:srgbClr>
+              </a:clrTo>
+            </a:clrChange>
+          </a:blip>
+          <a:stretch>
+            <a:fillRect/>
+          </a:stretch>
+        </p:blipFill>
+        <p:spPr>
+          <a:xfrm>
+            <a:off x="1469203" y="2465456"/>
+            <a:ext cx="10878073" cy="5055568"/>
+          </a:xfrm>
+          <a:prstGeom prst="rect">
+            <a:avLst/>
+          </a:prstGeom>
+        </p:spPr>
+      </p:pic>
     </p:spTree>
     <p:extLst>
       <p:ext uri="{BB962C8B-B14F-4D97-AF65-F5344CB8AC3E}">
-        <p14:creationId xmlns:p14="http://schemas.microsoft.com/office/powerpoint/2010/main" val="1720716659"/>
+        <p14:creationId xmlns:p14="http://schemas.microsoft.com/office/powerpoint/2010/main" val="497619790"/>
       </p:ext>
     </p:extLst>
   </p:cSld>
@@ -9091,7 +9713,7 @@
         <p:cNvPr id="1" name="">
           <a:extLst>
             <a:ext uri="{FF2B5EF4-FFF2-40B4-BE49-F238E27FC236}">
-              <a16:creationId xmlns:a16="http://schemas.microsoft.com/office/drawing/2014/main" id="{3CB99E8E-6452-52F6-A36C-3D7420922688}"/>
+              <a16:creationId xmlns:a16="http://schemas.microsoft.com/office/drawing/2014/main" id="{39AC81A5-8DED-43D4-C972-BEAB94834ADC}"/>
             </a:ext>
           </a:extLst>
         </p:cNvPr>
@@ -9111,7 +9733,7 @@
           <p:cNvPr id="2" name="Text 0">
             <a:extLst>
               <a:ext uri="{FF2B5EF4-FFF2-40B4-BE49-F238E27FC236}">
-                <a16:creationId xmlns:a16="http://schemas.microsoft.com/office/drawing/2014/main" id="{C50D5D7B-277A-3E8B-73F4-0A94758CF91F}"/>
+                <a16:creationId xmlns:a16="http://schemas.microsoft.com/office/drawing/2014/main" id="{E6FCCC5D-81F3-530B-E98E-57B7AAEA42A1}"/>
               </a:ext>
             </a:extLst>
           </p:cNvPr>
@@ -9121,7 +9743,7 @@
         <p:spPr>
           <a:xfrm>
             <a:off x="413147" y="324564"/>
-            <a:ext cx="5767387" cy="368856"/>
+            <a:ext cx="6275329" cy="288959"/>
           </a:xfrm>
           <a:prstGeom prst="rect">
             <a:avLst/>
@@ -9133,11 +9755,10 @@
           <a:bodyPr wrap="none" lIns="0" tIns="0" rIns="0" bIns="0" rtlCol="0" anchor="t"/>
           <a:lstStyle/>
           <a:p>
-            <a:pPr marL="0" indent="0" algn="l">
+            <a:pPr>
               <a:lnSpc>
                 <a:spcPts val="2900"/>
               </a:lnSpc>
-              <a:buNone/>
             </a:pPr>
             <a:r>
               <a:rPr lang="en-US" sz="2300" dirty="0">
@@ -9148,7 +9769,7 @@
                 <a:ea typeface="Noto Serif Medium" pitchFamily="34" charset="-122"/>
                 <a:cs typeface="Noto Serif Medium" pitchFamily="34" charset="-120"/>
               </a:rPr>
-              <a:t>SQL Query: Application Status Overview</a:t>
+              <a:t>SQL Query: Selection rate per applicant</a:t>
             </a:r>
             <a:endParaRPr lang="en-US" sz="2300" dirty="0"/>
           </a:p>
@@ -9156,19 +9777,699 @@
       </p:sp>
       <p:sp>
         <p:nvSpPr>
-          <p:cNvPr id="3" name="Text 1">
-            <a:extLst>
-              <a:ext uri="{FF2B5EF4-FFF2-40B4-BE49-F238E27FC236}">
-                <a16:creationId xmlns:a16="http://schemas.microsoft.com/office/drawing/2014/main" id="{45E7B239-3028-1252-860C-48BFC90BE51E}"/>
-              </a:ext>
-            </a:extLst>
-          </p:cNvPr>
-          <p:cNvSpPr/>
-          <p:nvPr/>
-        </p:nvSpPr>
-        <p:spPr>
-          <a:xfrm>
-            <a:off x="413147" y="929521"/>
+          <p:cNvPr id="4" name="Shape 2">
+            <a:extLst>
+              <a:ext uri="{FF2B5EF4-FFF2-40B4-BE49-F238E27FC236}">
+                <a16:creationId xmlns:a16="http://schemas.microsoft.com/office/drawing/2014/main" id="{FCDCFD0A-03A7-FB97-F3B1-8D98463C882B}"/>
+              </a:ext>
+            </a:extLst>
+          </p:cNvPr>
+          <p:cNvSpPr/>
+          <p:nvPr/>
+        </p:nvSpPr>
+        <p:spPr>
+          <a:xfrm>
+            <a:off x="413147" y="911898"/>
+            <a:ext cx="13804106" cy="1410061"/>
+          </a:xfrm>
+          <a:prstGeom prst="roundRect">
+            <a:avLst>
+              <a:gd name="adj" fmla="val 5316"/>
+            </a:avLst>
+          </a:prstGeom>
+          <a:solidFill>
+            <a:srgbClr val="F0EEEA"/>
+          </a:solidFill>
+          <a:ln/>
+        </p:spPr>
+        <p:txBody>
+          <a:bodyPr/>
+          <a:lstStyle/>
+          <a:p>
+            <a:endParaRPr lang="en-IN"/>
+          </a:p>
+        </p:txBody>
+      </p:sp>
+      <p:sp>
+        <p:nvSpPr>
+          <p:cNvPr id="6" name="Text 4">
+            <a:extLst>
+              <a:ext uri="{FF2B5EF4-FFF2-40B4-BE49-F238E27FC236}">
+                <a16:creationId xmlns:a16="http://schemas.microsoft.com/office/drawing/2014/main" id="{83C8CFD3-CCEA-516C-2707-E6248FCCA7A0}"/>
+              </a:ext>
+            </a:extLst>
+          </p:cNvPr>
+          <p:cNvSpPr/>
+          <p:nvPr/>
+        </p:nvSpPr>
+        <p:spPr>
+          <a:xfrm>
+            <a:off x="413147" y="1042588"/>
+            <a:ext cx="13579793" cy="1279372"/>
+          </a:xfrm>
+          <a:prstGeom prst="rect">
+            <a:avLst/>
+          </a:prstGeom>
+          <a:noFill/>
+          <a:ln/>
+        </p:spPr>
+        <p:txBody>
+          <a:bodyPr wrap="square" lIns="0" tIns="0" rIns="0" bIns="0" rtlCol="0" anchor="t"/>
+          <a:lstStyle/>
+          <a:p>
+            <a:pPr>
+              <a:lnSpc>
+                <a:spcPts val="1450"/>
+              </a:lnSpc>
+            </a:pPr>
+            <a:r>
+              <a:rPr lang="en-US" sz="1400" dirty="0">
+                <a:solidFill>
+                  <a:srgbClr val="4C4C4C"/>
+                </a:solidFill>
+                <a:latin typeface="Consolas" pitchFamily="34" charset="0"/>
+                <a:ea typeface="Consolas" pitchFamily="34" charset="-122"/>
+                <a:cs typeface="Consolas" pitchFamily="34" charset="-120"/>
+              </a:rPr>
+              <a:t> select a.name, count(case when </a:t>
+            </a:r>
+            <a:r>
+              <a:rPr lang="en-US" sz="1400" dirty="0" err="1">
+                <a:solidFill>
+                  <a:srgbClr val="4C4C4C"/>
+                </a:solidFill>
+                <a:latin typeface="Consolas" pitchFamily="34" charset="0"/>
+                <a:ea typeface="Consolas" pitchFamily="34" charset="-122"/>
+                <a:cs typeface="Consolas" pitchFamily="34" charset="-120"/>
+              </a:rPr>
+              <a:t>app.status</a:t>
+            </a:r>
+            <a:r>
+              <a:rPr lang="en-US" sz="1400" dirty="0">
+                <a:solidFill>
+                  <a:srgbClr val="4C4C4C"/>
+                </a:solidFill>
+                <a:latin typeface="Consolas" pitchFamily="34" charset="0"/>
+                <a:ea typeface="Consolas" pitchFamily="34" charset="-122"/>
+                <a:cs typeface="Consolas" pitchFamily="34" charset="-120"/>
+              </a:rPr>
+              <a:t> = 'selected' then 1 end) as </a:t>
+            </a:r>
+            <a:r>
+              <a:rPr lang="en-US" sz="1400" dirty="0" err="1">
+                <a:solidFill>
+                  <a:srgbClr val="4C4C4C"/>
+                </a:solidFill>
+                <a:latin typeface="Consolas" pitchFamily="34" charset="0"/>
+                <a:ea typeface="Consolas" pitchFamily="34" charset="-122"/>
+                <a:cs typeface="Consolas" pitchFamily="34" charset="-120"/>
+              </a:rPr>
+              <a:t>selected_count</a:t>
+            </a:r>
+            <a:r>
+              <a:rPr lang="en-US" sz="1400" dirty="0">
+                <a:solidFill>
+                  <a:srgbClr val="4C4C4C"/>
+                </a:solidFill>
+                <a:latin typeface="Consolas" pitchFamily="34" charset="0"/>
+                <a:ea typeface="Consolas" pitchFamily="34" charset="-122"/>
+                <a:cs typeface="Consolas" pitchFamily="34" charset="-120"/>
+              </a:rPr>
+              <a:t>, count(*) as </a:t>
+            </a:r>
+            <a:r>
+              <a:rPr lang="en-US" sz="1400" dirty="0" err="1">
+                <a:solidFill>
+                  <a:srgbClr val="4C4C4C"/>
+                </a:solidFill>
+                <a:latin typeface="Consolas" pitchFamily="34" charset="0"/>
+                <a:ea typeface="Consolas" pitchFamily="34" charset="-122"/>
+                <a:cs typeface="Consolas" pitchFamily="34" charset="-120"/>
+              </a:rPr>
+              <a:t>total_applications</a:t>
+            </a:r>
+            <a:r>
+              <a:rPr lang="en-US" sz="1400" dirty="0">
+                <a:solidFill>
+                  <a:srgbClr val="4C4C4C"/>
+                </a:solidFill>
+                <a:latin typeface="Consolas" pitchFamily="34" charset="0"/>
+                <a:ea typeface="Consolas" pitchFamily="34" charset="-122"/>
+                <a:cs typeface="Consolas" pitchFamily="34" charset="-120"/>
+              </a:rPr>
+              <a:t>,           </a:t>
+            </a:r>
+          </a:p>
+          <a:p>
+            <a:pPr>
+              <a:lnSpc>
+                <a:spcPts val="1450"/>
+              </a:lnSpc>
+            </a:pPr>
+            <a:r>
+              <a:rPr lang="en-US" sz="1400" dirty="0">
+                <a:solidFill>
+                  <a:srgbClr val="4C4C4C"/>
+                </a:solidFill>
+                <a:latin typeface="Consolas" pitchFamily="34" charset="0"/>
+                <a:ea typeface="Consolas" pitchFamily="34" charset="-122"/>
+                <a:cs typeface="Consolas" pitchFamily="34" charset="-120"/>
+              </a:rPr>
+              <a:t> round(count(case when </a:t>
+            </a:r>
+            <a:r>
+              <a:rPr lang="en-US" sz="1400" dirty="0" err="1">
+                <a:solidFill>
+                  <a:srgbClr val="4C4C4C"/>
+                </a:solidFill>
+                <a:latin typeface="Consolas" pitchFamily="34" charset="0"/>
+                <a:ea typeface="Consolas" pitchFamily="34" charset="-122"/>
+                <a:cs typeface="Consolas" pitchFamily="34" charset="-120"/>
+              </a:rPr>
+              <a:t>app.status</a:t>
+            </a:r>
+            <a:r>
+              <a:rPr lang="en-US" sz="1400" dirty="0">
+                <a:solidFill>
+                  <a:srgbClr val="4C4C4C"/>
+                </a:solidFill>
+                <a:latin typeface="Consolas" pitchFamily="34" charset="0"/>
+                <a:ea typeface="Consolas" pitchFamily="34" charset="-122"/>
+                <a:cs typeface="Consolas" pitchFamily="34" charset="-120"/>
+              </a:rPr>
+              <a:t> = 'selected' then 1 end) * 100.0 / count(*),2 ) as </a:t>
+            </a:r>
+            <a:r>
+              <a:rPr lang="en-US" sz="1400" dirty="0" err="1">
+                <a:solidFill>
+                  <a:srgbClr val="4C4C4C"/>
+                </a:solidFill>
+                <a:latin typeface="Consolas" pitchFamily="34" charset="0"/>
+                <a:ea typeface="Consolas" pitchFamily="34" charset="-122"/>
+                <a:cs typeface="Consolas" pitchFamily="34" charset="-120"/>
+              </a:rPr>
+              <a:t>selection_rate_percent</a:t>
+            </a:r>
+            <a:r>
+              <a:rPr lang="en-US" sz="1400" dirty="0">
+                <a:solidFill>
+                  <a:srgbClr val="4C4C4C"/>
+                </a:solidFill>
+                <a:latin typeface="Consolas" pitchFamily="34" charset="0"/>
+                <a:ea typeface="Consolas" pitchFamily="34" charset="-122"/>
+                <a:cs typeface="Consolas" pitchFamily="34" charset="-120"/>
+              </a:rPr>
+              <a:t>           </a:t>
+            </a:r>
+          </a:p>
+          <a:p>
+            <a:pPr>
+              <a:lnSpc>
+                <a:spcPts val="1450"/>
+              </a:lnSpc>
+            </a:pPr>
+            <a:r>
+              <a:rPr lang="en-US" sz="1400" dirty="0">
+                <a:solidFill>
+                  <a:srgbClr val="4C4C4C"/>
+                </a:solidFill>
+                <a:latin typeface="Consolas" pitchFamily="34" charset="0"/>
+                <a:ea typeface="Consolas" pitchFamily="34" charset="-122"/>
+                <a:cs typeface="Consolas" pitchFamily="34" charset="-120"/>
+              </a:rPr>
+              <a:t> from applicants a           </a:t>
+            </a:r>
+          </a:p>
+          <a:p>
+            <a:pPr>
+              <a:lnSpc>
+                <a:spcPts val="1450"/>
+              </a:lnSpc>
+            </a:pPr>
+            <a:r>
+              <a:rPr lang="en-US" sz="1400" dirty="0">
+                <a:solidFill>
+                  <a:srgbClr val="4C4C4C"/>
+                </a:solidFill>
+                <a:latin typeface="Consolas" pitchFamily="34" charset="0"/>
+                <a:ea typeface="Consolas" pitchFamily="34" charset="-122"/>
+                <a:cs typeface="Consolas" pitchFamily="34" charset="-120"/>
+              </a:rPr>
+              <a:t> join applications app on </a:t>
+            </a:r>
+            <a:r>
+              <a:rPr lang="en-US" sz="1400" dirty="0" err="1">
+                <a:solidFill>
+                  <a:srgbClr val="4C4C4C"/>
+                </a:solidFill>
+                <a:latin typeface="Consolas" pitchFamily="34" charset="0"/>
+                <a:ea typeface="Consolas" pitchFamily="34" charset="-122"/>
+                <a:cs typeface="Consolas" pitchFamily="34" charset="-120"/>
+              </a:rPr>
+              <a:t>a.applicant_id</a:t>
+            </a:r>
+            <a:r>
+              <a:rPr lang="en-US" sz="1400" dirty="0">
+                <a:solidFill>
+                  <a:srgbClr val="4C4C4C"/>
+                </a:solidFill>
+                <a:latin typeface="Consolas" pitchFamily="34" charset="0"/>
+                <a:ea typeface="Consolas" pitchFamily="34" charset="-122"/>
+                <a:cs typeface="Consolas" pitchFamily="34" charset="-120"/>
+              </a:rPr>
+              <a:t> = </a:t>
+            </a:r>
+            <a:r>
+              <a:rPr lang="en-US" sz="1400" dirty="0" err="1">
+                <a:solidFill>
+                  <a:srgbClr val="4C4C4C"/>
+                </a:solidFill>
+                <a:latin typeface="Consolas" pitchFamily="34" charset="0"/>
+                <a:ea typeface="Consolas" pitchFamily="34" charset="-122"/>
+                <a:cs typeface="Consolas" pitchFamily="34" charset="-120"/>
+              </a:rPr>
+              <a:t>app.applicant_id</a:t>
+            </a:r>
+            <a:r>
+              <a:rPr lang="en-US" sz="1400" dirty="0">
+                <a:solidFill>
+                  <a:srgbClr val="4C4C4C"/>
+                </a:solidFill>
+                <a:latin typeface="Consolas" pitchFamily="34" charset="0"/>
+                <a:ea typeface="Consolas" pitchFamily="34" charset="-122"/>
+                <a:cs typeface="Consolas" pitchFamily="34" charset="-120"/>
+              </a:rPr>
+              <a:t>           </a:t>
+            </a:r>
+          </a:p>
+          <a:p>
+            <a:pPr>
+              <a:lnSpc>
+                <a:spcPts val="1450"/>
+              </a:lnSpc>
+            </a:pPr>
+            <a:r>
+              <a:rPr lang="en-US" sz="1400" dirty="0">
+                <a:solidFill>
+                  <a:srgbClr val="4C4C4C"/>
+                </a:solidFill>
+                <a:latin typeface="Consolas" pitchFamily="34" charset="0"/>
+                <a:ea typeface="Consolas" pitchFamily="34" charset="-122"/>
+                <a:cs typeface="Consolas" pitchFamily="34" charset="-120"/>
+              </a:rPr>
+              <a:t> group by a.name           </a:t>
+            </a:r>
+          </a:p>
+          <a:p>
+            <a:pPr>
+              <a:lnSpc>
+                <a:spcPts val="1450"/>
+              </a:lnSpc>
+            </a:pPr>
+            <a:r>
+              <a:rPr lang="en-US" sz="1400" dirty="0">
+                <a:solidFill>
+                  <a:srgbClr val="4C4C4C"/>
+                </a:solidFill>
+                <a:latin typeface="Consolas" pitchFamily="34" charset="0"/>
+                <a:ea typeface="Consolas" pitchFamily="34" charset="-122"/>
+                <a:cs typeface="Consolas" pitchFamily="34" charset="-120"/>
+              </a:rPr>
+              <a:t> order by </a:t>
+            </a:r>
+            <a:r>
+              <a:rPr lang="en-US" sz="1400" dirty="0" err="1">
+                <a:solidFill>
+                  <a:srgbClr val="4C4C4C"/>
+                </a:solidFill>
+                <a:latin typeface="Consolas" pitchFamily="34" charset="0"/>
+                <a:ea typeface="Consolas" pitchFamily="34" charset="-122"/>
+                <a:cs typeface="Consolas" pitchFamily="34" charset="-120"/>
+              </a:rPr>
+              <a:t>selection_rate_percent</a:t>
+            </a:r>
+            <a:r>
+              <a:rPr lang="en-US" sz="1400" dirty="0">
+                <a:solidFill>
+                  <a:srgbClr val="4C4C4C"/>
+                </a:solidFill>
+                <a:latin typeface="Consolas" pitchFamily="34" charset="0"/>
+                <a:ea typeface="Consolas" pitchFamily="34" charset="-122"/>
+                <a:cs typeface="Consolas" pitchFamily="34" charset="-120"/>
+              </a:rPr>
+              <a:t> desc;</a:t>
+            </a:r>
+            <a:endParaRPr lang="en-US" sz="1400" dirty="0"/>
+          </a:p>
+        </p:txBody>
+      </p:sp>
+      <p:sp>
+        <p:nvSpPr>
+          <p:cNvPr id="8" name="Shape 5">
+            <a:extLst>
+              <a:ext uri="{FF2B5EF4-FFF2-40B4-BE49-F238E27FC236}">
+                <a16:creationId xmlns:a16="http://schemas.microsoft.com/office/drawing/2014/main" id="{3F3788E2-EBBD-838B-F6F9-F81EAE8FE770}"/>
+              </a:ext>
+            </a:extLst>
+          </p:cNvPr>
+          <p:cNvSpPr/>
+          <p:nvPr/>
+        </p:nvSpPr>
+        <p:spPr>
+          <a:xfrm>
+            <a:off x="3132892" y="9928860"/>
+            <a:ext cx="117991" cy="117991"/>
+          </a:xfrm>
+          <a:prstGeom prst="roundRect">
+            <a:avLst>
+              <a:gd name="adj" fmla="val 15499"/>
+            </a:avLst>
+          </a:prstGeom>
+          <a:solidFill>
+            <a:srgbClr val="2B2722"/>
+          </a:solidFill>
+          <a:ln/>
+        </p:spPr>
+        <p:txBody>
+          <a:bodyPr/>
+          <a:lstStyle/>
+          <a:p>
+            <a:endParaRPr lang="en-IN"/>
+          </a:p>
+        </p:txBody>
+      </p:sp>
+      <p:sp>
+        <p:nvSpPr>
+          <p:cNvPr id="9" name="Text 6">
+            <a:extLst>
+              <a:ext uri="{FF2B5EF4-FFF2-40B4-BE49-F238E27FC236}">
+                <a16:creationId xmlns:a16="http://schemas.microsoft.com/office/drawing/2014/main" id="{D54CE626-04DF-F919-1785-352FDE519BAB}"/>
+              </a:ext>
+            </a:extLst>
+          </p:cNvPr>
+          <p:cNvSpPr/>
+          <p:nvPr/>
+        </p:nvSpPr>
+        <p:spPr>
+          <a:xfrm>
+            <a:off x="3311843" y="9928860"/>
+            <a:ext cx="438031" cy="118110"/>
+          </a:xfrm>
+          <a:prstGeom prst="rect">
+            <a:avLst/>
+          </a:prstGeom>
+          <a:noFill/>
+          <a:ln/>
+        </p:spPr>
+        <p:txBody>
+          <a:bodyPr wrap="none" lIns="0" tIns="0" rIns="0" bIns="0" rtlCol="0" anchor="t"/>
+          <a:lstStyle/>
+          <a:p>
+            <a:pPr marL="0" indent="0" algn="l">
+              <a:lnSpc>
+                <a:spcPts val="900"/>
+              </a:lnSpc>
+              <a:buNone/>
+            </a:pPr>
+            <a:r>
+              <a:rPr lang="en-US" sz="900" dirty="0">
+                <a:solidFill>
+                  <a:srgbClr val="4C4C4C"/>
+                </a:solidFill>
+                <a:latin typeface="Noto Serif" pitchFamily="34" charset="0"/>
+                <a:ea typeface="Noto Serif" pitchFamily="34" charset="-122"/>
+                <a:cs typeface="Noto Serif" pitchFamily="34" charset="-120"/>
+              </a:rPr>
+              <a:t>Applied</a:t>
+            </a:r>
+            <a:endParaRPr lang="en-US" sz="900" dirty="0"/>
+          </a:p>
+        </p:txBody>
+      </p:sp>
+      <p:sp>
+        <p:nvSpPr>
+          <p:cNvPr id="10" name="Shape 7">
+            <a:extLst>
+              <a:ext uri="{FF2B5EF4-FFF2-40B4-BE49-F238E27FC236}">
+                <a16:creationId xmlns:a16="http://schemas.microsoft.com/office/drawing/2014/main" id="{0BF20A74-0D22-76DE-FA23-CFEB6A16AE0C}"/>
+              </a:ext>
+            </a:extLst>
+          </p:cNvPr>
+          <p:cNvSpPr/>
+          <p:nvPr/>
+        </p:nvSpPr>
+        <p:spPr>
+          <a:xfrm>
+            <a:off x="5205889" y="9928860"/>
+            <a:ext cx="117991" cy="117991"/>
+          </a:xfrm>
+          <a:prstGeom prst="roundRect">
+            <a:avLst>
+              <a:gd name="adj" fmla="val 15499"/>
+            </a:avLst>
+          </a:prstGeom>
+          <a:solidFill>
+            <a:srgbClr val="5D554A"/>
+          </a:solidFill>
+          <a:ln/>
+        </p:spPr>
+        <p:txBody>
+          <a:bodyPr/>
+          <a:lstStyle/>
+          <a:p>
+            <a:endParaRPr lang="en-IN"/>
+          </a:p>
+        </p:txBody>
+      </p:sp>
+      <p:sp>
+        <p:nvSpPr>
+          <p:cNvPr id="11" name="Text 8">
+            <a:extLst>
+              <a:ext uri="{FF2B5EF4-FFF2-40B4-BE49-F238E27FC236}">
+                <a16:creationId xmlns:a16="http://schemas.microsoft.com/office/drawing/2014/main" id="{19DFA9F4-72EA-A9A3-7A16-9173C8BFE85E}"/>
+              </a:ext>
+            </a:extLst>
+          </p:cNvPr>
+          <p:cNvSpPr/>
+          <p:nvPr/>
+        </p:nvSpPr>
+        <p:spPr>
+          <a:xfrm>
+            <a:off x="5384840" y="9928860"/>
+            <a:ext cx="550545" cy="118110"/>
+          </a:xfrm>
+          <a:prstGeom prst="rect">
+            <a:avLst/>
+          </a:prstGeom>
+          <a:noFill/>
+          <a:ln/>
+        </p:spPr>
+        <p:txBody>
+          <a:bodyPr wrap="none" lIns="0" tIns="0" rIns="0" bIns="0" rtlCol="0" anchor="t"/>
+          <a:lstStyle/>
+          <a:p>
+            <a:pPr marL="0" indent="0" algn="l">
+              <a:lnSpc>
+                <a:spcPts val="900"/>
+              </a:lnSpc>
+              <a:buNone/>
+            </a:pPr>
+            <a:r>
+              <a:rPr lang="en-US" sz="900" dirty="0">
+                <a:solidFill>
+                  <a:srgbClr val="4C4C4C"/>
+                </a:solidFill>
+                <a:latin typeface="Noto Serif" pitchFamily="34" charset="0"/>
+                <a:ea typeface="Noto Serif" pitchFamily="34" charset="-122"/>
+                <a:cs typeface="Noto Serif" pitchFamily="34" charset="-120"/>
+              </a:rPr>
+              <a:t>Interview</a:t>
+            </a:r>
+            <a:endParaRPr lang="en-US" sz="900" dirty="0"/>
+          </a:p>
+        </p:txBody>
+      </p:sp>
+      <p:sp>
+        <p:nvSpPr>
+          <p:cNvPr id="12" name="Shape 9">
+            <a:extLst>
+              <a:ext uri="{FF2B5EF4-FFF2-40B4-BE49-F238E27FC236}">
+                <a16:creationId xmlns:a16="http://schemas.microsoft.com/office/drawing/2014/main" id="{AA9A12D9-E8E5-FEDE-B2C0-5E164BF62757}"/>
+              </a:ext>
+            </a:extLst>
+          </p:cNvPr>
+          <p:cNvSpPr/>
+          <p:nvPr/>
+        </p:nvSpPr>
+        <p:spPr>
+          <a:xfrm>
+            <a:off x="8733115" y="9928860"/>
+            <a:ext cx="117991" cy="117991"/>
+          </a:xfrm>
+          <a:prstGeom prst="roundRect">
+            <a:avLst>
+              <a:gd name="adj" fmla="val 15499"/>
+            </a:avLst>
+          </a:prstGeom>
+          <a:solidFill>
+            <a:srgbClr val="8F8473"/>
+          </a:solidFill>
+          <a:ln/>
+        </p:spPr>
+        <p:txBody>
+          <a:bodyPr/>
+          <a:lstStyle/>
+          <a:p>
+            <a:endParaRPr lang="en-IN"/>
+          </a:p>
+        </p:txBody>
+      </p:sp>
+      <p:sp>
+        <p:nvSpPr>
+          <p:cNvPr id="13" name="Text 10">
+            <a:extLst>
+              <a:ext uri="{FF2B5EF4-FFF2-40B4-BE49-F238E27FC236}">
+                <a16:creationId xmlns:a16="http://schemas.microsoft.com/office/drawing/2014/main" id="{05E6D973-1B3E-3A1D-D0FE-2F922F309348}"/>
+              </a:ext>
+            </a:extLst>
+          </p:cNvPr>
+          <p:cNvSpPr/>
+          <p:nvPr/>
+        </p:nvSpPr>
+        <p:spPr>
+          <a:xfrm>
+            <a:off x="8912066" y="9928860"/>
+            <a:ext cx="474226" cy="118110"/>
+          </a:xfrm>
+          <a:prstGeom prst="rect">
+            <a:avLst/>
+          </a:prstGeom>
+          <a:noFill/>
+          <a:ln/>
+        </p:spPr>
+        <p:txBody>
+          <a:bodyPr wrap="none" lIns="0" tIns="0" rIns="0" bIns="0" rtlCol="0" anchor="t"/>
+          <a:lstStyle/>
+          <a:p>
+            <a:pPr marL="0" indent="0" algn="l">
+              <a:lnSpc>
+                <a:spcPts val="900"/>
+              </a:lnSpc>
+              <a:buNone/>
+            </a:pPr>
+            <a:r>
+              <a:rPr lang="en-US" sz="900" dirty="0">
+                <a:solidFill>
+                  <a:srgbClr val="4C4C4C"/>
+                </a:solidFill>
+                <a:latin typeface="Noto Serif" pitchFamily="34" charset="0"/>
+                <a:ea typeface="Noto Serif" pitchFamily="34" charset="-122"/>
+                <a:cs typeface="Noto Serif" pitchFamily="34" charset="-120"/>
+              </a:rPr>
+              <a:t>Rejected</a:t>
+            </a:r>
+            <a:endParaRPr lang="en-US" sz="900" dirty="0"/>
+          </a:p>
+        </p:txBody>
+      </p:sp>
+      <p:sp>
+        <p:nvSpPr>
+          <p:cNvPr id="14" name="Shape 11">
+            <a:extLst>
+              <a:ext uri="{FF2B5EF4-FFF2-40B4-BE49-F238E27FC236}">
+                <a16:creationId xmlns:a16="http://schemas.microsoft.com/office/drawing/2014/main" id="{4F0D2DCB-685D-70E8-15B8-36983C968E15}"/>
+              </a:ext>
+            </a:extLst>
+          </p:cNvPr>
+          <p:cNvSpPr/>
+          <p:nvPr/>
+        </p:nvSpPr>
+        <p:spPr>
+          <a:xfrm>
+            <a:off x="10880527" y="9928860"/>
+            <a:ext cx="117991" cy="117991"/>
+          </a:xfrm>
+          <a:prstGeom prst="roundRect">
+            <a:avLst>
+              <a:gd name="adj" fmla="val 15499"/>
+            </a:avLst>
+          </a:prstGeom>
+          <a:solidFill>
+            <a:srgbClr val="B7B0A5"/>
+          </a:solidFill>
+          <a:ln/>
+        </p:spPr>
+        <p:txBody>
+          <a:bodyPr/>
+          <a:lstStyle/>
+          <a:p>
+            <a:endParaRPr lang="en-IN"/>
+          </a:p>
+        </p:txBody>
+      </p:sp>
+      <p:sp>
+        <p:nvSpPr>
+          <p:cNvPr id="15" name="Text 12">
+            <a:extLst>
+              <a:ext uri="{FF2B5EF4-FFF2-40B4-BE49-F238E27FC236}">
+                <a16:creationId xmlns:a16="http://schemas.microsoft.com/office/drawing/2014/main" id="{E979A6A9-0C52-84D2-CC1E-671D196C005C}"/>
+              </a:ext>
+            </a:extLst>
+          </p:cNvPr>
+          <p:cNvSpPr/>
+          <p:nvPr/>
+        </p:nvSpPr>
+        <p:spPr>
+          <a:xfrm>
+            <a:off x="11059478" y="9928860"/>
+            <a:ext cx="293370" cy="118110"/>
+          </a:xfrm>
+          <a:prstGeom prst="rect">
+            <a:avLst/>
+          </a:prstGeom>
+          <a:noFill/>
+          <a:ln/>
+        </p:spPr>
+        <p:txBody>
+          <a:bodyPr wrap="none" lIns="0" tIns="0" rIns="0" bIns="0" rtlCol="0" anchor="t"/>
+          <a:lstStyle/>
+          <a:p>
+            <a:pPr marL="0" indent="0" algn="l">
+              <a:lnSpc>
+                <a:spcPts val="900"/>
+              </a:lnSpc>
+              <a:buNone/>
+            </a:pPr>
+            <a:r>
+              <a:rPr lang="en-US" sz="900" dirty="0">
+                <a:solidFill>
+                  <a:srgbClr val="4C4C4C"/>
+                </a:solidFill>
+                <a:latin typeface="Noto Serif" pitchFamily="34" charset="0"/>
+                <a:ea typeface="Noto Serif" pitchFamily="34" charset="-122"/>
+                <a:cs typeface="Noto Serif" pitchFamily="34" charset="-120"/>
+              </a:rPr>
+              <a:t>Offer</a:t>
+            </a:r>
+            <a:endParaRPr lang="en-US" sz="900" dirty="0"/>
+          </a:p>
+        </p:txBody>
+      </p:sp>
+      <p:sp>
+        <p:nvSpPr>
+          <p:cNvPr id="16" name="Text 13">
+            <a:extLst>
+              <a:ext uri="{FF2B5EF4-FFF2-40B4-BE49-F238E27FC236}">
+                <a16:creationId xmlns:a16="http://schemas.microsoft.com/office/drawing/2014/main" id="{9C4FED8F-1304-427F-1D7C-E1E44D79A5EE}"/>
+              </a:ext>
+            </a:extLst>
+          </p:cNvPr>
+          <p:cNvSpPr/>
+          <p:nvPr/>
+        </p:nvSpPr>
+        <p:spPr>
+          <a:xfrm>
+            <a:off x="413147" y="10179725"/>
             <a:ext cx="13804106" cy="188952"/>
           </a:xfrm>
           <a:prstGeom prst="rect">
@@ -9196,180 +10497,8 @@
                 <a:ea typeface="Noto Serif" pitchFamily="34" charset="-122"/>
                 <a:cs typeface="Noto Serif" pitchFamily="34" charset="-120"/>
               </a:rPr>
-              <a:t>Total applications by status across all submissions</a:t>
-            </a:r>
-            <a:endParaRPr lang="en-US" sz="900" dirty="0"/>
-          </a:p>
-        </p:txBody>
-      </p:sp>
-      <p:sp>
-        <p:nvSpPr>
-          <p:cNvPr id="4" name="Shape 2">
-            <a:extLst>
-              <a:ext uri="{FF2B5EF4-FFF2-40B4-BE49-F238E27FC236}">
-                <a16:creationId xmlns:a16="http://schemas.microsoft.com/office/drawing/2014/main" id="{C7CED8AC-A4D3-BD3F-61E6-85A0FB5556AD}"/>
-              </a:ext>
-            </a:extLst>
-          </p:cNvPr>
-          <p:cNvSpPr/>
-          <p:nvPr/>
-        </p:nvSpPr>
-        <p:spPr>
-          <a:xfrm>
-            <a:off x="413147" y="1251228"/>
-            <a:ext cx="13804106" cy="932736"/>
-          </a:xfrm>
-          <a:prstGeom prst="roundRect">
-            <a:avLst>
-              <a:gd name="adj" fmla="val 5316"/>
-            </a:avLst>
-          </a:prstGeom>
-          <a:solidFill>
-            <a:srgbClr val="F0EEEA"/>
-          </a:solidFill>
-          <a:ln/>
-        </p:spPr>
-      </p:sp>
-      <p:sp>
-        <p:nvSpPr>
-          <p:cNvPr id="5" name="Shape 3">
-            <a:extLst>
-              <a:ext uri="{FF2B5EF4-FFF2-40B4-BE49-F238E27FC236}">
-                <a16:creationId xmlns:a16="http://schemas.microsoft.com/office/drawing/2014/main" id="{4BB541A7-7847-AED4-6AD9-30AA2485C692}"/>
-              </a:ext>
-            </a:extLst>
-          </p:cNvPr>
-          <p:cNvSpPr/>
-          <p:nvPr/>
-        </p:nvSpPr>
-        <p:spPr>
-          <a:xfrm>
-            <a:off x="407313" y="1251228"/>
-            <a:ext cx="13815774" cy="932736"/>
-          </a:xfrm>
-          <a:prstGeom prst="roundRect">
-            <a:avLst>
-              <a:gd name="adj" fmla="val 1899"/>
-            </a:avLst>
-          </a:prstGeom>
-          <a:solidFill>
-            <a:srgbClr val="F0EEEA"/>
-          </a:solidFill>
-          <a:ln/>
-        </p:spPr>
-      </p:sp>
-      <p:sp>
-        <p:nvSpPr>
-          <p:cNvPr id="6" name="Text 4">
-            <a:extLst>
-              <a:ext uri="{FF2B5EF4-FFF2-40B4-BE49-F238E27FC236}">
-                <a16:creationId xmlns:a16="http://schemas.microsoft.com/office/drawing/2014/main" id="{3DF460E2-8F69-39DE-83BC-20C07BCE3658}"/>
-              </a:ext>
-            </a:extLst>
-          </p:cNvPr>
-          <p:cNvSpPr/>
-          <p:nvPr/>
-        </p:nvSpPr>
-        <p:spPr>
-          <a:xfrm>
-            <a:off x="525304" y="1339691"/>
-            <a:ext cx="13579793" cy="755809"/>
-          </a:xfrm>
-          <a:prstGeom prst="rect">
-            <a:avLst/>
-          </a:prstGeom>
-          <a:noFill/>
-          <a:ln/>
-        </p:spPr>
-        <p:txBody>
-          <a:bodyPr wrap="square" lIns="0" tIns="0" rIns="0" bIns="0" rtlCol="0" anchor="t"/>
-          <a:lstStyle/>
-          <a:p>
-            <a:pPr marL="0" indent="0" algn="l">
-              <a:lnSpc>
-                <a:spcPts val="1450"/>
-              </a:lnSpc>
-              <a:buNone/>
-            </a:pPr>
-            <a:r>
-              <a:rPr lang="en-US" sz="900" dirty="0">
-                <a:solidFill>
-                  <a:srgbClr val="4C4C4C"/>
-                </a:solidFill>
-                <a:highlight>
-                  <a:srgbClr val="F0EEEA"/>
-                </a:highlight>
-                <a:latin typeface="Consolas" pitchFamily="34" charset="0"/>
-                <a:ea typeface="Consolas" pitchFamily="34" charset="-122"/>
-                <a:cs typeface="Consolas" pitchFamily="34" charset="-120"/>
-              </a:rPr>
-              <a:t>SELECT status, COUNT(*) as total_countFROM applicationsGROUP BY statusORDER BY total_count DESC;</a:t>
-            </a:r>
-            <a:endParaRPr lang="en-US" sz="900" dirty="0"/>
-          </a:p>
-        </p:txBody>
-      </p:sp>
-      <p:sp>
-        <p:nvSpPr>
-          <p:cNvPr id="8" name="Shape 5">
-            <a:extLst>
-              <a:ext uri="{FF2B5EF4-FFF2-40B4-BE49-F238E27FC236}">
-                <a16:creationId xmlns:a16="http://schemas.microsoft.com/office/drawing/2014/main" id="{2A7B3447-53A1-7707-49A3-B87628AEC609}"/>
-              </a:ext>
-            </a:extLst>
-          </p:cNvPr>
-          <p:cNvSpPr/>
-          <p:nvPr/>
-        </p:nvSpPr>
-        <p:spPr>
-          <a:xfrm>
-            <a:off x="3132892" y="9928860"/>
-            <a:ext cx="117991" cy="117991"/>
-          </a:xfrm>
-          <a:prstGeom prst="roundRect">
-            <a:avLst>
-              <a:gd name="adj" fmla="val 15499"/>
-            </a:avLst>
-          </a:prstGeom>
-          <a:solidFill>
-            <a:srgbClr val="2B2722"/>
-          </a:solidFill>
-          <a:ln/>
-        </p:spPr>
-      </p:sp>
-      <p:sp>
-        <p:nvSpPr>
-          <p:cNvPr id="9" name="Text 6">
-            <a:extLst>
-              <a:ext uri="{FF2B5EF4-FFF2-40B4-BE49-F238E27FC236}">
-                <a16:creationId xmlns:a16="http://schemas.microsoft.com/office/drawing/2014/main" id="{95165C81-D6F8-044C-C5D4-2AE85FA04FFA}"/>
-              </a:ext>
-            </a:extLst>
-          </p:cNvPr>
-          <p:cNvSpPr/>
-          <p:nvPr/>
-        </p:nvSpPr>
-        <p:spPr>
-          <a:xfrm>
-            <a:off x="3311843" y="9928860"/>
-            <a:ext cx="438031" cy="118110"/>
-          </a:xfrm>
-          <a:prstGeom prst="rect">
-            <a:avLst/>
-          </a:prstGeom>
-          <a:noFill/>
-          <a:ln/>
-        </p:spPr>
-        <p:txBody>
-          <a:bodyPr wrap="none" lIns="0" tIns="0" rIns="0" bIns="0" rtlCol="0" anchor="t"/>
-          <a:lstStyle/>
-          <a:p>
-            <a:pPr marL="0" indent="0" algn="l">
-              <a:lnSpc>
-                <a:spcPts val="900"/>
-              </a:lnSpc>
-              <a:buNone/>
-            </a:pPr>
+              <a:t>Key Insight:</a:t>
+            </a:r>
             <a:r>
               <a:rPr lang="en-US" sz="900" dirty="0">
                 <a:solidFill>
@@ -9379,7 +10508,7 @@
                 <a:ea typeface="Noto Serif" pitchFamily="34" charset="-122"/>
                 <a:cs typeface="Noto Serif" pitchFamily="34" charset="-120"/>
               </a:rPr>
-              <a:t>Applied</a:t>
+              <a:t> 45 applications remain in progress, while 28 rejections indicate competitive screening processes requiring strategic focus.</a:t>
             </a:r>
             <a:endParaRPr lang="en-US" sz="900" dirty="0"/>
           </a:p>
@@ -9387,48 +10516,20 @@
       </p:sp>
       <p:sp>
         <p:nvSpPr>
-          <p:cNvPr id="10" name="Shape 7">
-            <a:extLst>
-              <a:ext uri="{FF2B5EF4-FFF2-40B4-BE49-F238E27FC236}">
-                <a16:creationId xmlns:a16="http://schemas.microsoft.com/office/drawing/2014/main" id="{9004E8C6-8951-4F3A-A24C-50BC83AB414E}"/>
-              </a:ext>
-            </a:extLst>
-          </p:cNvPr>
-          <p:cNvSpPr/>
-          <p:nvPr/>
-        </p:nvSpPr>
-        <p:spPr>
-          <a:xfrm>
-            <a:off x="5205889" y="9928860"/>
-            <a:ext cx="117991" cy="117991"/>
-          </a:xfrm>
-          <a:prstGeom prst="roundRect">
-            <a:avLst>
-              <a:gd name="adj" fmla="val 15499"/>
-            </a:avLst>
-          </a:prstGeom>
-          <a:solidFill>
-            <a:srgbClr val="5D554A"/>
-          </a:solidFill>
-          <a:ln/>
-        </p:spPr>
-      </p:sp>
-      <p:sp>
-        <p:nvSpPr>
-          <p:cNvPr id="11" name="Text 8">
-            <a:extLst>
-              <a:ext uri="{FF2B5EF4-FFF2-40B4-BE49-F238E27FC236}">
-                <a16:creationId xmlns:a16="http://schemas.microsoft.com/office/drawing/2014/main" id="{2DD4E0F8-72D5-E5C7-6025-2BEFE36E6130}"/>
-              </a:ext>
-            </a:extLst>
-          </p:cNvPr>
-          <p:cNvSpPr/>
-          <p:nvPr/>
-        </p:nvSpPr>
-        <p:spPr>
-          <a:xfrm>
-            <a:off x="5384840" y="9928860"/>
-            <a:ext cx="550545" cy="118110"/>
+          <p:cNvPr id="17" name="Text 6">
+            <a:extLst>
+              <a:ext uri="{FF2B5EF4-FFF2-40B4-BE49-F238E27FC236}">
+                <a16:creationId xmlns:a16="http://schemas.microsoft.com/office/drawing/2014/main" id="{4A75001D-5C76-F015-90D6-098A1DAA293E}"/>
+              </a:ext>
+            </a:extLst>
+          </p:cNvPr>
+          <p:cNvSpPr/>
+          <p:nvPr/>
+        </p:nvSpPr>
+        <p:spPr>
+          <a:xfrm>
+            <a:off x="668042" y="7587461"/>
+            <a:ext cx="13042821" cy="362903"/>
           </a:xfrm>
           <a:prstGeom prst="rect">
             <a:avLst/>
@@ -9440,292 +10541,44 @@
           <a:bodyPr wrap="none" lIns="0" tIns="0" rIns="0" bIns="0" rtlCol="0" anchor="t"/>
           <a:lstStyle/>
           <a:p>
-            <a:pPr marL="0" indent="0" algn="l">
-              <a:lnSpc>
-                <a:spcPts val="900"/>
-              </a:lnSpc>
-              <a:buNone/>
-            </a:pPr>
-            <a:r>
-              <a:rPr lang="en-US" sz="900" dirty="0">
-                <a:solidFill>
-                  <a:srgbClr val="4C4C4C"/>
-                </a:solidFill>
-                <a:latin typeface="Noto Serif" pitchFamily="34" charset="0"/>
-                <a:ea typeface="Noto Serif" pitchFamily="34" charset="-122"/>
-                <a:cs typeface="Noto Serif" pitchFamily="34" charset="-120"/>
-              </a:rPr>
-              <a:t>Interview</a:t>
-            </a:r>
-            <a:endParaRPr lang="en-US" sz="900" dirty="0"/>
-          </a:p>
-        </p:txBody>
-      </p:sp>
-      <p:sp>
-        <p:nvSpPr>
-          <p:cNvPr id="12" name="Shape 9">
-            <a:extLst>
-              <a:ext uri="{FF2B5EF4-FFF2-40B4-BE49-F238E27FC236}">
-                <a16:creationId xmlns:a16="http://schemas.microsoft.com/office/drawing/2014/main" id="{53AB9C2E-7448-80EE-C293-EF1967461D16}"/>
-              </a:ext>
-            </a:extLst>
-          </p:cNvPr>
-          <p:cNvSpPr/>
-          <p:nvPr/>
-        </p:nvSpPr>
-        <p:spPr>
-          <a:xfrm>
-            <a:off x="8733115" y="9928860"/>
-            <a:ext cx="117991" cy="117991"/>
-          </a:xfrm>
-          <a:prstGeom prst="roundRect">
-            <a:avLst>
-              <a:gd name="adj" fmla="val 15499"/>
-            </a:avLst>
-          </a:prstGeom>
-          <a:solidFill>
-            <a:srgbClr val="8F8473"/>
-          </a:solidFill>
-          <a:ln/>
-        </p:spPr>
-      </p:sp>
-      <p:sp>
-        <p:nvSpPr>
-          <p:cNvPr id="13" name="Text 10">
-            <a:extLst>
-              <a:ext uri="{FF2B5EF4-FFF2-40B4-BE49-F238E27FC236}">
-                <a16:creationId xmlns:a16="http://schemas.microsoft.com/office/drawing/2014/main" id="{DBF78CFE-A29D-8FA9-A9A8-4145A1212B04}"/>
-              </a:ext>
-            </a:extLst>
-          </p:cNvPr>
-          <p:cNvSpPr/>
-          <p:nvPr/>
-        </p:nvSpPr>
-        <p:spPr>
-          <a:xfrm>
-            <a:off x="8912066" y="9928860"/>
-            <a:ext cx="474226" cy="118110"/>
-          </a:xfrm>
-          <a:prstGeom prst="rect">
-            <a:avLst/>
-          </a:prstGeom>
-          <a:noFill/>
-          <a:ln/>
-        </p:spPr>
-        <p:txBody>
-          <a:bodyPr wrap="none" lIns="0" tIns="0" rIns="0" bIns="0" rtlCol="0" anchor="t"/>
-          <a:lstStyle/>
-          <a:p>
-            <a:pPr marL="0" indent="0" algn="l">
-              <a:lnSpc>
-                <a:spcPts val="900"/>
-              </a:lnSpc>
-              <a:buNone/>
-            </a:pPr>
-            <a:r>
-              <a:rPr lang="en-US" sz="900" dirty="0">
-                <a:solidFill>
-                  <a:srgbClr val="4C4C4C"/>
-                </a:solidFill>
-                <a:latin typeface="Noto Serif" pitchFamily="34" charset="0"/>
-                <a:ea typeface="Noto Serif" pitchFamily="34" charset="-122"/>
-                <a:cs typeface="Noto Serif" pitchFamily="34" charset="-120"/>
-              </a:rPr>
-              <a:t>Rejected</a:t>
-            </a:r>
-            <a:endParaRPr lang="en-US" sz="900" dirty="0"/>
-          </a:p>
-        </p:txBody>
-      </p:sp>
-      <p:sp>
-        <p:nvSpPr>
-          <p:cNvPr id="14" name="Shape 11">
-            <a:extLst>
-              <a:ext uri="{FF2B5EF4-FFF2-40B4-BE49-F238E27FC236}">
-                <a16:creationId xmlns:a16="http://schemas.microsoft.com/office/drawing/2014/main" id="{C083CB66-922E-0455-E0C9-A9BF049479D9}"/>
-              </a:ext>
-            </a:extLst>
-          </p:cNvPr>
-          <p:cNvSpPr/>
-          <p:nvPr/>
-        </p:nvSpPr>
-        <p:spPr>
-          <a:xfrm>
-            <a:off x="10880527" y="9928860"/>
-            <a:ext cx="117991" cy="117991"/>
-          </a:xfrm>
-          <a:prstGeom prst="roundRect">
-            <a:avLst>
-              <a:gd name="adj" fmla="val 15499"/>
-            </a:avLst>
-          </a:prstGeom>
-          <a:solidFill>
-            <a:srgbClr val="B7B0A5"/>
-          </a:solidFill>
-          <a:ln/>
-        </p:spPr>
-      </p:sp>
-      <p:sp>
-        <p:nvSpPr>
-          <p:cNvPr id="15" name="Text 12">
-            <a:extLst>
-              <a:ext uri="{FF2B5EF4-FFF2-40B4-BE49-F238E27FC236}">
-                <a16:creationId xmlns:a16="http://schemas.microsoft.com/office/drawing/2014/main" id="{0DAD13DE-DF36-EDB3-F74E-70DB413D67FF}"/>
-              </a:ext>
-            </a:extLst>
-          </p:cNvPr>
-          <p:cNvSpPr/>
-          <p:nvPr/>
-        </p:nvSpPr>
-        <p:spPr>
-          <a:xfrm>
-            <a:off x="11059478" y="9928860"/>
-            <a:ext cx="293370" cy="118110"/>
-          </a:xfrm>
-          <a:prstGeom prst="rect">
-            <a:avLst/>
-          </a:prstGeom>
-          <a:noFill/>
-          <a:ln/>
-        </p:spPr>
-        <p:txBody>
-          <a:bodyPr wrap="none" lIns="0" tIns="0" rIns="0" bIns="0" rtlCol="0" anchor="t"/>
-          <a:lstStyle/>
-          <a:p>
-            <a:pPr marL="0" indent="0" algn="l">
-              <a:lnSpc>
-                <a:spcPts val="900"/>
-              </a:lnSpc>
-              <a:buNone/>
-            </a:pPr>
-            <a:r>
-              <a:rPr lang="en-US" sz="900" dirty="0">
-                <a:solidFill>
-                  <a:srgbClr val="4C4C4C"/>
-                </a:solidFill>
-                <a:latin typeface="Noto Serif" pitchFamily="34" charset="0"/>
-                <a:ea typeface="Noto Serif" pitchFamily="34" charset="-122"/>
-                <a:cs typeface="Noto Serif" pitchFamily="34" charset="-120"/>
-              </a:rPr>
-              <a:t>Offer</a:t>
-            </a:r>
-            <a:endParaRPr lang="en-US" sz="900" dirty="0"/>
-          </a:p>
-        </p:txBody>
-      </p:sp>
-      <p:sp>
-        <p:nvSpPr>
-          <p:cNvPr id="16" name="Text 13">
-            <a:extLst>
-              <a:ext uri="{FF2B5EF4-FFF2-40B4-BE49-F238E27FC236}">
-                <a16:creationId xmlns:a16="http://schemas.microsoft.com/office/drawing/2014/main" id="{749BDD4F-AF51-E69C-7B8E-34C3DA4089AC}"/>
-              </a:ext>
-            </a:extLst>
-          </p:cNvPr>
-          <p:cNvSpPr/>
-          <p:nvPr/>
-        </p:nvSpPr>
-        <p:spPr>
-          <a:xfrm>
-            <a:off x="413147" y="10179725"/>
-            <a:ext cx="13804106" cy="188952"/>
-          </a:xfrm>
-          <a:prstGeom prst="rect">
-            <a:avLst/>
-          </a:prstGeom>
-          <a:noFill/>
-          <a:ln/>
-        </p:spPr>
-        <p:txBody>
-          <a:bodyPr wrap="none" lIns="0" tIns="0" rIns="0" bIns="0" rtlCol="0" anchor="t"/>
-          <a:lstStyle/>
-          <a:p>
-            <a:pPr marL="0" indent="0" algn="l">
-              <a:lnSpc>
-                <a:spcPts val="1450"/>
-              </a:lnSpc>
-              <a:buNone/>
-            </a:pPr>
-            <a:r>
-              <a:rPr lang="en-US" sz="900" b="1" dirty="0">
-                <a:solidFill>
-                  <a:srgbClr val="4C4C4C"/>
-                </a:solidFill>
-                <a:latin typeface="Noto Serif" pitchFamily="34" charset="0"/>
-                <a:ea typeface="Noto Serif" pitchFamily="34" charset="-122"/>
-                <a:cs typeface="Noto Serif" pitchFamily="34" charset="-120"/>
-              </a:rPr>
-              <a:t>Key Insight:</a:t>
-            </a:r>
-            <a:r>
-              <a:rPr lang="en-US" sz="900" dirty="0">
-                <a:solidFill>
-                  <a:srgbClr val="4C4C4C"/>
-                </a:solidFill>
-                <a:latin typeface="Noto Serif" pitchFamily="34" charset="0"/>
-                <a:ea typeface="Noto Serif" pitchFamily="34" charset="-122"/>
-                <a:cs typeface="Noto Serif" pitchFamily="34" charset="-120"/>
-              </a:rPr>
-              <a:t> 45 applications remain in progress, while 28 rejections indicate competitive screening processes requiring strategic focus.</a:t>
-            </a:r>
-            <a:endParaRPr lang="en-US" sz="900" dirty="0"/>
-          </a:p>
-        </p:txBody>
-      </p:sp>
-      <p:sp>
-        <p:nvSpPr>
-          <p:cNvPr id="17" name="Text 6">
-            <a:extLst>
-              <a:ext uri="{FF2B5EF4-FFF2-40B4-BE49-F238E27FC236}">
-                <a16:creationId xmlns:a16="http://schemas.microsoft.com/office/drawing/2014/main" id="{16A3F665-AD9C-AC64-DF51-94905FA70047}"/>
-              </a:ext>
-            </a:extLst>
-          </p:cNvPr>
-          <p:cNvSpPr/>
-          <p:nvPr/>
-        </p:nvSpPr>
-        <p:spPr>
-          <a:xfrm>
-            <a:off x="793790" y="6954798"/>
-            <a:ext cx="13042821" cy="362903"/>
-          </a:xfrm>
-          <a:prstGeom prst="rect">
-            <a:avLst/>
-          </a:prstGeom>
-          <a:noFill/>
-          <a:ln/>
-        </p:spPr>
-        <p:txBody>
-          <a:bodyPr wrap="none" lIns="0" tIns="0" rIns="0" bIns="0" rtlCol="0" anchor="t"/>
-          <a:lstStyle/>
-          <a:p>
-            <a:pPr marL="0" indent="0" algn="l">
+            <a:pPr>
               <a:lnSpc>
                 <a:spcPts val="2850"/>
               </a:lnSpc>
-              <a:buNone/>
             </a:pPr>
             <a:r>
               <a:rPr lang="en-US" sz="1750" b="1" dirty="0">
                 <a:solidFill>
                   <a:srgbClr val="4C4C4C"/>
                 </a:solidFill>
-                <a:latin typeface="Noto Serif" pitchFamily="34" charset="0"/>
                 <a:ea typeface="Noto Serif" pitchFamily="34" charset="-122"/>
                 <a:cs typeface="Noto Serif" pitchFamily="34" charset="-120"/>
               </a:rPr>
-              <a:t>Key Finding:</a:t>
+              <a:t>Key Finding :</a:t>
             </a:r>
             <a:r>
               <a:rPr lang="en-US" sz="1750" dirty="0">
                 <a:solidFill>
                   <a:srgbClr val="4C4C4C"/>
                 </a:solidFill>
-                <a:latin typeface="Noto Serif" pitchFamily="34" charset="0"/>
                 <a:ea typeface="Noto Serif" pitchFamily="34" charset="-122"/>
                 <a:cs typeface="Noto Serif" pitchFamily="34" charset="-120"/>
               </a:rPr>
-              <a:t> Large tech firms show 75% rejection rates; smaller startups average 45%, suggesting better fit potential.</a:t>
+              <a:t> </a:t>
+            </a:r>
+            <a:r>
+              <a:rPr lang="en-US" sz="1750" dirty="0"/>
+              <a:t>Tushar and Rohit achieved the highest selection rates</a:t>
+            </a:r>
+            <a:r>
+              <a:rPr lang="en-US" sz="1750" dirty="0">
+                <a:solidFill>
+                  <a:srgbClr val="4C4C4C"/>
+                </a:solidFill>
+                <a:ea typeface="Noto Serif" pitchFamily="34" charset="-122"/>
+                <a:cs typeface="Noto Serif" pitchFamily="34" charset="-120"/>
+              </a:rPr>
+              <a:t>.</a:t>
             </a:r>
             <a:endParaRPr lang="en-US" sz="1750" dirty="0"/>
           </a:p>
@@ -9736,7 +10589,7 @@
           <p:cNvPr id="7" name="Rectangle 6">
             <a:extLst>
               <a:ext uri="{FF2B5EF4-FFF2-40B4-BE49-F238E27FC236}">
-                <a16:creationId xmlns:a16="http://schemas.microsoft.com/office/drawing/2014/main" id="{0E80B976-F166-078B-1AD8-4D9ABB85AFCE}"/>
+                <a16:creationId xmlns:a16="http://schemas.microsoft.com/office/drawing/2014/main" id="{ABC3B669-D08A-6C1B-0183-811ADD2DE39A}"/>
               </a:ext>
             </a:extLst>
           </p:cNvPr>
@@ -9783,10 +10636,51 @@
           </a:p>
         </p:txBody>
       </p:sp>
+      <p:pic>
+        <p:nvPicPr>
+          <p:cNvPr id="5" name="Picture 4">
+            <a:extLst>
+              <a:ext uri="{FF2B5EF4-FFF2-40B4-BE49-F238E27FC236}">
+                <a16:creationId xmlns:a16="http://schemas.microsoft.com/office/drawing/2014/main" id="{CAE48BB1-3A8F-0C7F-B9FF-8B7A410EC136}"/>
+              </a:ext>
+            </a:extLst>
+          </p:cNvPr>
+          <p:cNvPicPr>
+            <a:picLocks noChangeAspect="1"/>
+          </p:cNvPicPr>
+          <p:nvPr/>
+        </p:nvPicPr>
+        <p:blipFill>
+          <a:blip r:embed="rId3">
+            <a:clrChange>
+              <a:clrFrom>
+                <a:srgbClr val="FFFFFF"/>
+              </a:clrFrom>
+              <a:clrTo>
+                <a:srgbClr val="FFFFFF">
+                  <a:alpha val="0"/>
+                </a:srgbClr>
+              </a:clrTo>
+            </a:clrChange>
+          </a:blip>
+          <a:stretch>
+            <a:fillRect/>
+          </a:stretch>
+        </p:blipFill>
+        <p:spPr>
+          <a:xfrm>
+            <a:off x="3530858" y="2321960"/>
+            <a:ext cx="6565187" cy="5232866"/>
+          </a:xfrm>
+          <a:prstGeom prst="rect">
+            <a:avLst/>
+          </a:prstGeom>
+        </p:spPr>
+      </p:pic>
     </p:spTree>
     <p:extLst>
       <p:ext uri="{BB962C8B-B14F-4D97-AF65-F5344CB8AC3E}">
-        <p14:creationId xmlns:p14="http://schemas.microsoft.com/office/powerpoint/2010/main" val="2779773466"/>
+        <p14:creationId xmlns:p14="http://schemas.microsoft.com/office/powerpoint/2010/main" val="2164737533"/>
       </p:ext>
     </p:extLst>
   </p:cSld>
@@ -9804,7 +10698,7 @@
         <p:cNvPr id="1" name="">
           <a:extLst>
             <a:ext uri="{FF2B5EF4-FFF2-40B4-BE49-F238E27FC236}">
-              <a16:creationId xmlns:a16="http://schemas.microsoft.com/office/drawing/2014/main" id="{416C2011-E5AD-F3DB-6EB3-E587B8A8EC32}"/>
+              <a16:creationId xmlns:a16="http://schemas.microsoft.com/office/drawing/2014/main" id="{3031E4A2-D1F0-AAE0-EFB6-C8DD9462D44A}"/>
             </a:ext>
           </a:extLst>
         </p:cNvPr>
@@ -9824,7 +10718,7 @@
           <p:cNvPr id="2" name="Text 0">
             <a:extLst>
               <a:ext uri="{FF2B5EF4-FFF2-40B4-BE49-F238E27FC236}">
-                <a16:creationId xmlns:a16="http://schemas.microsoft.com/office/drawing/2014/main" id="{52B7B24B-7A78-5E65-7F1F-9686209EE0B7}"/>
+                <a16:creationId xmlns:a16="http://schemas.microsoft.com/office/drawing/2014/main" id="{26F7CBEA-6DC1-CA08-4DD6-C307C1DAD3C5}"/>
               </a:ext>
             </a:extLst>
           </p:cNvPr>
@@ -9834,7 +10728,7 @@
         <p:spPr>
           <a:xfrm>
             <a:off x="413147" y="324564"/>
-            <a:ext cx="5767387" cy="368856"/>
+            <a:ext cx="6275329" cy="288959"/>
           </a:xfrm>
           <a:prstGeom prst="rect">
             <a:avLst/>
@@ -9846,11 +10740,10 @@
           <a:bodyPr wrap="none" lIns="0" tIns="0" rIns="0" bIns="0" rtlCol="0" anchor="t"/>
           <a:lstStyle/>
           <a:p>
-            <a:pPr marL="0" indent="0" algn="l">
+            <a:pPr>
               <a:lnSpc>
                 <a:spcPts val="2900"/>
               </a:lnSpc>
-              <a:buNone/>
             </a:pPr>
             <a:r>
               <a:rPr lang="en-US" sz="2300" dirty="0">
@@ -9861,7 +10754,7 @@
                 <a:ea typeface="Noto Serif Medium" pitchFamily="34" charset="-122"/>
                 <a:cs typeface="Noto Serif Medium" pitchFamily="34" charset="-120"/>
               </a:rPr>
-              <a:t>SQL Query: Application Status Overview</a:t>
+              <a:t>SQL Query: Total applications submitted per applicant</a:t>
             </a:r>
             <a:endParaRPr lang="en-US" sz="2300" dirty="0"/>
           </a:p>
@@ -9869,19 +10762,571 @@
       </p:sp>
       <p:sp>
         <p:nvSpPr>
-          <p:cNvPr id="3" name="Text 1">
-            <a:extLst>
-              <a:ext uri="{FF2B5EF4-FFF2-40B4-BE49-F238E27FC236}">
-                <a16:creationId xmlns:a16="http://schemas.microsoft.com/office/drawing/2014/main" id="{72829EC0-A3D9-E092-3692-9F8E7BD49509}"/>
-              </a:ext>
-            </a:extLst>
-          </p:cNvPr>
-          <p:cNvSpPr/>
-          <p:nvPr/>
-        </p:nvSpPr>
-        <p:spPr>
-          <a:xfrm>
-            <a:off x="413147" y="929521"/>
+          <p:cNvPr id="4" name="Shape 2">
+            <a:extLst>
+              <a:ext uri="{FF2B5EF4-FFF2-40B4-BE49-F238E27FC236}">
+                <a16:creationId xmlns:a16="http://schemas.microsoft.com/office/drawing/2014/main" id="{AB7BF20B-32A6-DB9D-B804-664CA1299F59}"/>
+              </a:ext>
+            </a:extLst>
+          </p:cNvPr>
+          <p:cNvSpPr/>
+          <p:nvPr/>
+        </p:nvSpPr>
+        <p:spPr>
+          <a:xfrm>
+            <a:off x="413147" y="911898"/>
+            <a:ext cx="13804106" cy="1184029"/>
+          </a:xfrm>
+          <a:prstGeom prst="roundRect">
+            <a:avLst>
+              <a:gd name="adj" fmla="val 5316"/>
+            </a:avLst>
+          </a:prstGeom>
+          <a:solidFill>
+            <a:srgbClr val="F0EEEA"/>
+          </a:solidFill>
+          <a:ln/>
+        </p:spPr>
+        <p:txBody>
+          <a:bodyPr/>
+          <a:lstStyle/>
+          <a:p>
+            <a:endParaRPr lang="en-IN"/>
+          </a:p>
+        </p:txBody>
+      </p:sp>
+      <p:sp>
+        <p:nvSpPr>
+          <p:cNvPr id="6" name="Text 4">
+            <a:extLst>
+              <a:ext uri="{FF2B5EF4-FFF2-40B4-BE49-F238E27FC236}">
+                <a16:creationId xmlns:a16="http://schemas.microsoft.com/office/drawing/2014/main" id="{3A6A9062-2322-56AD-AE7C-0C7EBDAD331F}"/>
+              </a:ext>
+            </a:extLst>
+          </p:cNvPr>
+          <p:cNvSpPr/>
+          <p:nvPr/>
+        </p:nvSpPr>
+        <p:spPr>
+          <a:xfrm>
+            <a:off x="413147" y="1042588"/>
+            <a:ext cx="13579793" cy="1279372"/>
+          </a:xfrm>
+          <a:prstGeom prst="rect">
+            <a:avLst/>
+          </a:prstGeom>
+          <a:noFill/>
+          <a:ln/>
+        </p:spPr>
+        <p:txBody>
+          <a:bodyPr wrap="square" lIns="0" tIns="0" rIns="0" bIns="0" rtlCol="0" anchor="t"/>
+          <a:lstStyle/>
+          <a:p>
+            <a:pPr>
+              <a:lnSpc>
+                <a:spcPts val="1450"/>
+              </a:lnSpc>
+            </a:pPr>
+            <a:r>
+              <a:rPr lang="en-US" sz="1400" dirty="0">
+                <a:solidFill>
+                  <a:srgbClr val="4C4C4C"/>
+                </a:solidFill>
+                <a:latin typeface="Consolas" pitchFamily="34" charset="0"/>
+                <a:ea typeface="Consolas" pitchFamily="34" charset="-122"/>
+                <a:cs typeface="Consolas" pitchFamily="34" charset="-120"/>
+              </a:rPr>
+              <a:t> select a.name, count(*) as </a:t>
+            </a:r>
+            <a:r>
+              <a:rPr lang="en-US" sz="1400" dirty="0" err="1">
+                <a:solidFill>
+                  <a:srgbClr val="4C4C4C"/>
+                </a:solidFill>
+                <a:latin typeface="Consolas" pitchFamily="34" charset="0"/>
+                <a:ea typeface="Consolas" pitchFamily="34" charset="-122"/>
+                <a:cs typeface="Consolas" pitchFamily="34" charset="-120"/>
+              </a:rPr>
+              <a:t>number_of_applications</a:t>
+            </a:r>
+            <a:r>
+              <a:rPr lang="en-US" sz="1400" dirty="0">
+                <a:solidFill>
+                  <a:srgbClr val="4C4C4C"/>
+                </a:solidFill>
+                <a:latin typeface="Consolas" pitchFamily="34" charset="0"/>
+                <a:ea typeface="Consolas" pitchFamily="34" charset="-122"/>
+                <a:cs typeface="Consolas" pitchFamily="34" charset="-120"/>
+              </a:rPr>
+              <a:t>           </a:t>
+            </a:r>
+          </a:p>
+          <a:p>
+            <a:pPr>
+              <a:lnSpc>
+                <a:spcPts val="1450"/>
+              </a:lnSpc>
+            </a:pPr>
+            <a:r>
+              <a:rPr lang="en-US" sz="1400" dirty="0">
+                <a:solidFill>
+                  <a:srgbClr val="4C4C4C"/>
+                </a:solidFill>
+                <a:latin typeface="Consolas" pitchFamily="34" charset="0"/>
+                <a:ea typeface="Consolas" pitchFamily="34" charset="-122"/>
+                <a:cs typeface="Consolas" pitchFamily="34" charset="-120"/>
+              </a:rPr>
+              <a:t> from applicants a           </a:t>
+            </a:r>
+          </a:p>
+          <a:p>
+            <a:pPr>
+              <a:lnSpc>
+                <a:spcPts val="1450"/>
+              </a:lnSpc>
+            </a:pPr>
+            <a:r>
+              <a:rPr lang="en-US" sz="1400" dirty="0">
+                <a:solidFill>
+                  <a:srgbClr val="4C4C4C"/>
+                </a:solidFill>
+                <a:latin typeface="Consolas" pitchFamily="34" charset="0"/>
+                <a:ea typeface="Consolas" pitchFamily="34" charset="-122"/>
+                <a:cs typeface="Consolas" pitchFamily="34" charset="-120"/>
+              </a:rPr>
+              <a:t> join applications app           </a:t>
+            </a:r>
+          </a:p>
+          <a:p>
+            <a:pPr>
+              <a:lnSpc>
+                <a:spcPts val="1450"/>
+              </a:lnSpc>
+            </a:pPr>
+            <a:r>
+              <a:rPr lang="en-US" sz="1400" dirty="0">
+                <a:solidFill>
+                  <a:srgbClr val="4C4C4C"/>
+                </a:solidFill>
+                <a:latin typeface="Consolas" pitchFamily="34" charset="0"/>
+                <a:ea typeface="Consolas" pitchFamily="34" charset="-122"/>
+                <a:cs typeface="Consolas" pitchFamily="34" charset="-120"/>
+              </a:rPr>
+              <a:t> on </a:t>
+            </a:r>
+            <a:r>
+              <a:rPr lang="en-US" sz="1400" dirty="0" err="1">
+                <a:solidFill>
+                  <a:srgbClr val="4C4C4C"/>
+                </a:solidFill>
+                <a:latin typeface="Consolas" pitchFamily="34" charset="0"/>
+                <a:ea typeface="Consolas" pitchFamily="34" charset="-122"/>
+                <a:cs typeface="Consolas" pitchFamily="34" charset="-120"/>
+              </a:rPr>
+              <a:t>a.applicant_id</a:t>
+            </a:r>
+            <a:r>
+              <a:rPr lang="en-US" sz="1400" dirty="0">
+                <a:solidFill>
+                  <a:srgbClr val="4C4C4C"/>
+                </a:solidFill>
+                <a:latin typeface="Consolas" pitchFamily="34" charset="0"/>
+                <a:ea typeface="Consolas" pitchFamily="34" charset="-122"/>
+                <a:cs typeface="Consolas" pitchFamily="34" charset="-120"/>
+              </a:rPr>
+              <a:t> = </a:t>
+            </a:r>
+            <a:r>
+              <a:rPr lang="en-US" sz="1400" dirty="0" err="1">
+                <a:solidFill>
+                  <a:srgbClr val="4C4C4C"/>
+                </a:solidFill>
+                <a:latin typeface="Consolas" pitchFamily="34" charset="0"/>
+                <a:ea typeface="Consolas" pitchFamily="34" charset="-122"/>
+                <a:cs typeface="Consolas" pitchFamily="34" charset="-120"/>
+              </a:rPr>
+              <a:t>app.applicant_id</a:t>
+            </a:r>
+            <a:r>
+              <a:rPr lang="en-US" sz="1400" dirty="0">
+                <a:solidFill>
+                  <a:srgbClr val="4C4C4C"/>
+                </a:solidFill>
+                <a:latin typeface="Consolas" pitchFamily="34" charset="0"/>
+                <a:ea typeface="Consolas" pitchFamily="34" charset="-122"/>
+                <a:cs typeface="Consolas" pitchFamily="34" charset="-120"/>
+              </a:rPr>
+              <a:t>           </a:t>
+            </a:r>
+          </a:p>
+          <a:p>
+            <a:pPr>
+              <a:lnSpc>
+                <a:spcPts val="1450"/>
+              </a:lnSpc>
+            </a:pPr>
+            <a:r>
+              <a:rPr lang="en-US" sz="1400" dirty="0">
+                <a:solidFill>
+                  <a:srgbClr val="4C4C4C"/>
+                </a:solidFill>
+                <a:latin typeface="Consolas" pitchFamily="34" charset="0"/>
+                <a:ea typeface="Consolas" pitchFamily="34" charset="-122"/>
+                <a:cs typeface="Consolas" pitchFamily="34" charset="-120"/>
+              </a:rPr>
+              <a:t> group by a.name;</a:t>
+            </a:r>
+            <a:endParaRPr lang="en-US" sz="1400" dirty="0"/>
+          </a:p>
+        </p:txBody>
+      </p:sp>
+      <p:sp>
+        <p:nvSpPr>
+          <p:cNvPr id="8" name="Shape 5">
+            <a:extLst>
+              <a:ext uri="{FF2B5EF4-FFF2-40B4-BE49-F238E27FC236}">
+                <a16:creationId xmlns:a16="http://schemas.microsoft.com/office/drawing/2014/main" id="{92565464-CD79-333E-B1B3-EC1095C16398}"/>
+              </a:ext>
+            </a:extLst>
+          </p:cNvPr>
+          <p:cNvSpPr/>
+          <p:nvPr/>
+        </p:nvSpPr>
+        <p:spPr>
+          <a:xfrm>
+            <a:off x="3132892" y="9928860"/>
+            <a:ext cx="117991" cy="117991"/>
+          </a:xfrm>
+          <a:prstGeom prst="roundRect">
+            <a:avLst>
+              <a:gd name="adj" fmla="val 15499"/>
+            </a:avLst>
+          </a:prstGeom>
+          <a:solidFill>
+            <a:srgbClr val="2B2722"/>
+          </a:solidFill>
+          <a:ln/>
+        </p:spPr>
+        <p:txBody>
+          <a:bodyPr/>
+          <a:lstStyle/>
+          <a:p>
+            <a:endParaRPr lang="en-IN"/>
+          </a:p>
+        </p:txBody>
+      </p:sp>
+      <p:sp>
+        <p:nvSpPr>
+          <p:cNvPr id="9" name="Text 6">
+            <a:extLst>
+              <a:ext uri="{FF2B5EF4-FFF2-40B4-BE49-F238E27FC236}">
+                <a16:creationId xmlns:a16="http://schemas.microsoft.com/office/drawing/2014/main" id="{F55243E6-FB53-0A03-BFB2-397F70BF305D}"/>
+              </a:ext>
+            </a:extLst>
+          </p:cNvPr>
+          <p:cNvSpPr/>
+          <p:nvPr/>
+        </p:nvSpPr>
+        <p:spPr>
+          <a:xfrm>
+            <a:off x="3311843" y="9928860"/>
+            <a:ext cx="438031" cy="118110"/>
+          </a:xfrm>
+          <a:prstGeom prst="rect">
+            <a:avLst/>
+          </a:prstGeom>
+          <a:noFill/>
+          <a:ln/>
+        </p:spPr>
+        <p:txBody>
+          <a:bodyPr wrap="none" lIns="0" tIns="0" rIns="0" bIns="0" rtlCol="0" anchor="t"/>
+          <a:lstStyle/>
+          <a:p>
+            <a:pPr marL="0" indent="0" algn="l">
+              <a:lnSpc>
+                <a:spcPts val="900"/>
+              </a:lnSpc>
+              <a:buNone/>
+            </a:pPr>
+            <a:r>
+              <a:rPr lang="en-US" sz="900" dirty="0">
+                <a:solidFill>
+                  <a:srgbClr val="4C4C4C"/>
+                </a:solidFill>
+                <a:latin typeface="Noto Serif" pitchFamily="34" charset="0"/>
+                <a:ea typeface="Noto Serif" pitchFamily="34" charset="-122"/>
+                <a:cs typeface="Noto Serif" pitchFamily="34" charset="-120"/>
+              </a:rPr>
+              <a:t>Applied</a:t>
+            </a:r>
+            <a:endParaRPr lang="en-US" sz="900" dirty="0"/>
+          </a:p>
+        </p:txBody>
+      </p:sp>
+      <p:sp>
+        <p:nvSpPr>
+          <p:cNvPr id="10" name="Shape 7">
+            <a:extLst>
+              <a:ext uri="{FF2B5EF4-FFF2-40B4-BE49-F238E27FC236}">
+                <a16:creationId xmlns:a16="http://schemas.microsoft.com/office/drawing/2014/main" id="{BFA510AF-1311-666E-A8E3-2891B6C58AE2}"/>
+              </a:ext>
+            </a:extLst>
+          </p:cNvPr>
+          <p:cNvSpPr/>
+          <p:nvPr/>
+        </p:nvSpPr>
+        <p:spPr>
+          <a:xfrm>
+            <a:off x="5205889" y="9928860"/>
+            <a:ext cx="117991" cy="117991"/>
+          </a:xfrm>
+          <a:prstGeom prst="roundRect">
+            <a:avLst>
+              <a:gd name="adj" fmla="val 15499"/>
+            </a:avLst>
+          </a:prstGeom>
+          <a:solidFill>
+            <a:srgbClr val="5D554A"/>
+          </a:solidFill>
+          <a:ln/>
+        </p:spPr>
+        <p:txBody>
+          <a:bodyPr/>
+          <a:lstStyle/>
+          <a:p>
+            <a:endParaRPr lang="en-IN"/>
+          </a:p>
+        </p:txBody>
+      </p:sp>
+      <p:sp>
+        <p:nvSpPr>
+          <p:cNvPr id="11" name="Text 8">
+            <a:extLst>
+              <a:ext uri="{FF2B5EF4-FFF2-40B4-BE49-F238E27FC236}">
+                <a16:creationId xmlns:a16="http://schemas.microsoft.com/office/drawing/2014/main" id="{F7506C02-EDD5-1238-3634-DFA84913CBE6}"/>
+              </a:ext>
+            </a:extLst>
+          </p:cNvPr>
+          <p:cNvSpPr/>
+          <p:nvPr/>
+        </p:nvSpPr>
+        <p:spPr>
+          <a:xfrm>
+            <a:off x="5384840" y="9928860"/>
+            <a:ext cx="550545" cy="118110"/>
+          </a:xfrm>
+          <a:prstGeom prst="rect">
+            <a:avLst/>
+          </a:prstGeom>
+          <a:noFill/>
+          <a:ln/>
+        </p:spPr>
+        <p:txBody>
+          <a:bodyPr wrap="none" lIns="0" tIns="0" rIns="0" bIns="0" rtlCol="0" anchor="t"/>
+          <a:lstStyle/>
+          <a:p>
+            <a:pPr marL="0" indent="0" algn="l">
+              <a:lnSpc>
+                <a:spcPts val="900"/>
+              </a:lnSpc>
+              <a:buNone/>
+            </a:pPr>
+            <a:r>
+              <a:rPr lang="en-US" sz="900" dirty="0">
+                <a:solidFill>
+                  <a:srgbClr val="4C4C4C"/>
+                </a:solidFill>
+                <a:latin typeface="Noto Serif" pitchFamily="34" charset="0"/>
+                <a:ea typeface="Noto Serif" pitchFamily="34" charset="-122"/>
+                <a:cs typeface="Noto Serif" pitchFamily="34" charset="-120"/>
+              </a:rPr>
+              <a:t>Interview</a:t>
+            </a:r>
+            <a:endParaRPr lang="en-US" sz="900" dirty="0"/>
+          </a:p>
+        </p:txBody>
+      </p:sp>
+      <p:sp>
+        <p:nvSpPr>
+          <p:cNvPr id="12" name="Shape 9">
+            <a:extLst>
+              <a:ext uri="{FF2B5EF4-FFF2-40B4-BE49-F238E27FC236}">
+                <a16:creationId xmlns:a16="http://schemas.microsoft.com/office/drawing/2014/main" id="{CD3B1DBF-C645-F235-EFAE-41B46D197255}"/>
+              </a:ext>
+            </a:extLst>
+          </p:cNvPr>
+          <p:cNvSpPr/>
+          <p:nvPr/>
+        </p:nvSpPr>
+        <p:spPr>
+          <a:xfrm>
+            <a:off x="8733115" y="9928860"/>
+            <a:ext cx="117991" cy="117991"/>
+          </a:xfrm>
+          <a:prstGeom prst="roundRect">
+            <a:avLst>
+              <a:gd name="adj" fmla="val 15499"/>
+            </a:avLst>
+          </a:prstGeom>
+          <a:solidFill>
+            <a:srgbClr val="8F8473"/>
+          </a:solidFill>
+          <a:ln/>
+        </p:spPr>
+        <p:txBody>
+          <a:bodyPr/>
+          <a:lstStyle/>
+          <a:p>
+            <a:endParaRPr lang="en-IN"/>
+          </a:p>
+        </p:txBody>
+      </p:sp>
+      <p:sp>
+        <p:nvSpPr>
+          <p:cNvPr id="13" name="Text 10">
+            <a:extLst>
+              <a:ext uri="{FF2B5EF4-FFF2-40B4-BE49-F238E27FC236}">
+                <a16:creationId xmlns:a16="http://schemas.microsoft.com/office/drawing/2014/main" id="{50B80F86-51E3-A572-37FD-DE46A65A9A11}"/>
+              </a:ext>
+            </a:extLst>
+          </p:cNvPr>
+          <p:cNvSpPr/>
+          <p:nvPr/>
+        </p:nvSpPr>
+        <p:spPr>
+          <a:xfrm>
+            <a:off x="8912066" y="9928860"/>
+            <a:ext cx="474226" cy="118110"/>
+          </a:xfrm>
+          <a:prstGeom prst="rect">
+            <a:avLst/>
+          </a:prstGeom>
+          <a:noFill/>
+          <a:ln/>
+        </p:spPr>
+        <p:txBody>
+          <a:bodyPr wrap="none" lIns="0" tIns="0" rIns="0" bIns="0" rtlCol="0" anchor="t"/>
+          <a:lstStyle/>
+          <a:p>
+            <a:pPr marL="0" indent="0" algn="l">
+              <a:lnSpc>
+                <a:spcPts val="900"/>
+              </a:lnSpc>
+              <a:buNone/>
+            </a:pPr>
+            <a:r>
+              <a:rPr lang="en-US" sz="900" dirty="0">
+                <a:solidFill>
+                  <a:srgbClr val="4C4C4C"/>
+                </a:solidFill>
+                <a:latin typeface="Noto Serif" pitchFamily="34" charset="0"/>
+                <a:ea typeface="Noto Serif" pitchFamily="34" charset="-122"/>
+                <a:cs typeface="Noto Serif" pitchFamily="34" charset="-120"/>
+              </a:rPr>
+              <a:t>Rejected</a:t>
+            </a:r>
+            <a:endParaRPr lang="en-US" sz="900" dirty="0"/>
+          </a:p>
+        </p:txBody>
+      </p:sp>
+      <p:sp>
+        <p:nvSpPr>
+          <p:cNvPr id="14" name="Shape 11">
+            <a:extLst>
+              <a:ext uri="{FF2B5EF4-FFF2-40B4-BE49-F238E27FC236}">
+                <a16:creationId xmlns:a16="http://schemas.microsoft.com/office/drawing/2014/main" id="{A6CA03F1-A4CF-4A0D-4C14-41F4D3D1CCE3}"/>
+              </a:ext>
+            </a:extLst>
+          </p:cNvPr>
+          <p:cNvSpPr/>
+          <p:nvPr/>
+        </p:nvSpPr>
+        <p:spPr>
+          <a:xfrm>
+            <a:off x="10880527" y="9928860"/>
+            <a:ext cx="117991" cy="117991"/>
+          </a:xfrm>
+          <a:prstGeom prst="roundRect">
+            <a:avLst>
+              <a:gd name="adj" fmla="val 15499"/>
+            </a:avLst>
+          </a:prstGeom>
+          <a:solidFill>
+            <a:srgbClr val="B7B0A5"/>
+          </a:solidFill>
+          <a:ln/>
+        </p:spPr>
+        <p:txBody>
+          <a:bodyPr/>
+          <a:lstStyle/>
+          <a:p>
+            <a:endParaRPr lang="en-IN"/>
+          </a:p>
+        </p:txBody>
+      </p:sp>
+      <p:sp>
+        <p:nvSpPr>
+          <p:cNvPr id="15" name="Text 12">
+            <a:extLst>
+              <a:ext uri="{FF2B5EF4-FFF2-40B4-BE49-F238E27FC236}">
+                <a16:creationId xmlns:a16="http://schemas.microsoft.com/office/drawing/2014/main" id="{B28BF94F-FC5F-F9FB-9622-594289AE325E}"/>
+              </a:ext>
+            </a:extLst>
+          </p:cNvPr>
+          <p:cNvSpPr/>
+          <p:nvPr/>
+        </p:nvSpPr>
+        <p:spPr>
+          <a:xfrm>
+            <a:off x="11059478" y="9928860"/>
+            <a:ext cx="293370" cy="118110"/>
+          </a:xfrm>
+          <a:prstGeom prst="rect">
+            <a:avLst/>
+          </a:prstGeom>
+          <a:noFill/>
+          <a:ln/>
+        </p:spPr>
+        <p:txBody>
+          <a:bodyPr wrap="none" lIns="0" tIns="0" rIns="0" bIns="0" rtlCol="0" anchor="t"/>
+          <a:lstStyle/>
+          <a:p>
+            <a:pPr marL="0" indent="0" algn="l">
+              <a:lnSpc>
+                <a:spcPts val="900"/>
+              </a:lnSpc>
+              <a:buNone/>
+            </a:pPr>
+            <a:r>
+              <a:rPr lang="en-US" sz="900" dirty="0">
+                <a:solidFill>
+                  <a:srgbClr val="4C4C4C"/>
+                </a:solidFill>
+                <a:latin typeface="Noto Serif" pitchFamily="34" charset="0"/>
+                <a:ea typeface="Noto Serif" pitchFamily="34" charset="-122"/>
+                <a:cs typeface="Noto Serif" pitchFamily="34" charset="-120"/>
+              </a:rPr>
+              <a:t>Offer</a:t>
+            </a:r>
+            <a:endParaRPr lang="en-US" sz="900" dirty="0"/>
+          </a:p>
+        </p:txBody>
+      </p:sp>
+      <p:sp>
+        <p:nvSpPr>
+          <p:cNvPr id="16" name="Text 13">
+            <a:extLst>
+              <a:ext uri="{FF2B5EF4-FFF2-40B4-BE49-F238E27FC236}">
+                <a16:creationId xmlns:a16="http://schemas.microsoft.com/office/drawing/2014/main" id="{F0A03991-6766-9EB3-41BD-63F73EC1B841}"/>
+              </a:ext>
+            </a:extLst>
+          </p:cNvPr>
+          <p:cNvSpPr/>
+          <p:nvPr/>
+        </p:nvSpPr>
+        <p:spPr>
+          <a:xfrm>
+            <a:off x="413147" y="10179725"/>
             <a:ext cx="13804106" cy="188952"/>
           </a:xfrm>
           <a:prstGeom prst="rect">
@@ -9909,180 +11354,8 @@
                 <a:ea typeface="Noto Serif" pitchFamily="34" charset="-122"/>
                 <a:cs typeface="Noto Serif" pitchFamily="34" charset="-120"/>
               </a:rPr>
-              <a:t>Total applications by status across all submissions</a:t>
-            </a:r>
-            <a:endParaRPr lang="en-US" sz="900" dirty="0"/>
-          </a:p>
-        </p:txBody>
-      </p:sp>
-      <p:sp>
-        <p:nvSpPr>
-          <p:cNvPr id="4" name="Shape 2">
-            <a:extLst>
-              <a:ext uri="{FF2B5EF4-FFF2-40B4-BE49-F238E27FC236}">
-                <a16:creationId xmlns:a16="http://schemas.microsoft.com/office/drawing/2014/main" id="{E8740606-9321-6263-1BC4-E8C86D020F15}"/>
-              </a:ext>
-            </a:extLst>
-          </p:cNvPr>
-          <p:cNvSpPr/>
-          <p:nvPr/>
-        </p:nvSpPr>
-        <p:spPr>
-          <a:xfrm>
-            <a:off x="413147" y="1251228"/>
-            <a:ext cx="13804106" cy="932736"/>
-          </a:xfrm>
-          <a:prstGeom prst="roundRect">
-            <a:avLst>
-              <a:gd name="adj" fmla="val 5316"/>
-            </a:avLst>
-          </a:prstGeom>
-          <a:solidFill>
-            <a:srgbClr val="F0EEEA"/>
-          </a:solidFill>
-          <a:ln/>
-        </p:spPr>
-      </p:sp>
-      <p:sp>
-        <p:nvSpPr>
-          <p:cNvPr id="5" name="Shape 3">
-            <a:extLst>
-              <a:ext uri="{FF2B5EF4-FFF2-40B4-BE49-F238E27FC236}">
-                <a16:creationId xmlns:a16="http://schemas.microsoft.com/office/drawing/2014/main" id="{A13F40DA-1EB4-4562-2F82-F0569849246B}"/>
-              </a:ext>
-            </a:extLst>
-          </p:cNvPr>
-          <p:cNvSpPr/>
-          <p:nvPr/>
-        </p:nvSpPr>
-        <p:spPr>
-          <a:xfrm>
-            <a:off x="407313" y="1251228"/>
-            <a:ext cx="13815774" cy="932736"/>
-          </a:xfrm>
-          <a:prstGeom prst="roundRect">
-            <a:avLst>
-              <a:gd name="adj" fmla="val 1899"/>
-            </a:avLst>
-          </a:prstGeom>
-          <a:solidFill>
-            <a:srgbClr val="F0EEEA"/>
-          </a:solidFill>
-          <a:ln/>
-        </p:spPr>
-      </p:sp>
-      <p:sp>
-        <p:nvSpPr>
-          <p:cNvPr id="6" name="Text 4">
-            <a:extLst>
-              <a:ext uri="{FF2B5EF4-FFF2-40B4-BE49-F238E27FC236}">
-                <a16:creationId xmlns:a16="http://schemas.microsoft.com/office/drawing/2014/main" id="{9AC41AC1-354F-1548-05C7-BBCE7DFA5432}"/>
-              </a:ext>
-            </a:extLst>
-          </p:cNvPr>
-          <p:cNvSpPr/>
-          <p:nvPr/>
-        </p:nvSpPr>
-        <p:spPr>
-          <a:xfrm>
-            <a:off x="525304" y="1339691"/>
-            <a:ext cx="13579793" cy="755809"/>
-          </a:xfrm>
-          <a:prstGeom prst="rect">
-            <a:avLst/>
-          </a:prstGeom>
-          <a:noFill/>
-          <a:ln/>
-        </p:spPr>
-        <p:txBody>
-          <a:bodyPr wrap="square" lIns="0" tIns="0" rIns="0" bIns="0" rtlCol="0" anchor="t"/>
-          <a:lstStyle/>
-          <a:p>
-            <a:pPr marL="0" indent="0" algn="l">
-              <a:lnSpc>
-                <a:spcPts val="1450"/>
-              </a:lnSpc>
-              <a:buNone/>
-            </a:pPr>
-            <a:r>
-              <a:rPr lang="en-US" sz="900" dirty="0">
-                <a:solidFill>
-                  <a:srgbClr val="4C4C4C"/>
-                </a:solidFill>
-                <a:highlight>
-                  <a:srgbClr val="F0EEEA"/>
-                </a:highlight>
-                <a:latin typeface="Consolas" pitchFamily="34" charset="0"/>
-                <a:ea typeface="Consolas" pitchFamily="34" charset="-122"/>
-                <a:cs typeface="Consolas" pitchFamily="34" charset="-120"/>
-              </a:rPr>
-              <a:t>SELECT status, COUNT(*) as total_countFROM applicationsGROUP BY statusORDER BY total_count DESC;</a:t>
-            </a:r>
-            <a:endParaRPr lang="en-US" sz="900" dirty="0"/>
-          </a:p>
-        </p:txBody>
-      </p:sp>
-      <p:sp>
-        <p:nvSpPr>
-          <p:cNvPr id="8" name="Shape 5">
-            <a:extLst>
-              <a:ext uri="{FF2B5EF4-FFF2-40B4-BE49-F238E27FC236}">
-                <a16:creationId xmlns:a16="http://schemas.microsoft.com/office/drawing/2014/main" id="{AE32C15C-2461-E199-A886-8614497ECC15}"/>
-              </a:ext>
-            </a:extLst>
-          </p:cNvPr>
-          <p:cNvSpPr/>
-          <p:nvPr/>
-        </p:nvSpPr>
-        <p:spPr>
-          <a:xfrm>
-            <a:off x="3132892" y="9928860"/>
-            <a:ext cx="117991" cy="117991"/>
-          </a:xfrm>
-          <a:prstGeom prst="roundRect">
-            <a:avLst>
-              <a:gd name="adj" fmla="val 15499"/>
-            </a:avLst>
-          </a:prstGeom>
-          <a:solidFill>
-            <a:srgbClr val="2B2722"/>
-          </a:solidFill>
-          <a:ln/>
-        </p:spPr>
-      </p:sp>
-      <p:sp>
-        <p:nvSpPr>
-          <p:cNvPr id="9" name="Text 6">
-            <a:extLst>
-              <a:ext uri="{FF2B5EF4-FFF2-40B4-BE49-F238E27FC236}">
-                <a16:creationId xmlns:a16="http://schemas.microsoft.com/office/drawing/2014/main" id="{5CA261A9-D412-DA91-3DF2-648F9720FB36}"/>
-              </a:ext>
-            </a:extLst>
-          </p:cNvPr>
-          <p:cNvSpPr/>
-          <p:nvPr/>
-        </p:nvSpPr>
-        <p:spPr>
-          <a:xfrm>
-            <a:off x="3311843" y="9928860"/>
-            <a:ext cx="438031" cy="118110"/>
-          </a:xfrm>
-          <a:prstGeom prst="rect">
-            <a:avLst/>
-          </a:prstGeom>
-          <a:noFill/>
-          <a:ln/>
-        </p:spPr>
-        <p:txBody>
-          <a:bodyPr wrap="none" lIns="0" tIns="0" rIns="0" bIns="0" rtlCol="0" anchor="t"/>
-          <a:lstStyle/>
-          <a:p>
-            <a:pPr marL="0" indent="0" algn="l">
-              <a:lnSpc>
-                <a:spcPts val="900"/>
-              </a:lnSpc>
-              <a:buNone/>
-            </a:pPr>
+              <a:t>Key Insight:</a:t>
+            </a:r>
             <a:r>
               <a:rPr lang="en-US" sz="900" dirty="0">
                 <a:solidFill>
@@ -10092,7 +11365,7 @@
                 <a:ea typeface="Noto Serif" pitchFamily="34" charset="-122"/>
                 <a:cs typeface="Noto Serif" pitchFamily="34" charset="-120"/>
               </a:rPr>
-              <a:t>Applied</a:t>
+              <a:t> 45 applications remain in progress, while 28 rejections indicate competitive screening processes requiring strategic focus.</a:t>
             </a:r>
             <a:endParaRPr lang="en-US" sz="900" dirty="0"/>
           </a:p>
@@ -10100,48 +11373,20 @@
       </p:sp>
       <p:sp>
         <p:nvSpPr>
-          <p:cNvPr id="10" name="Shape 7">
-            <a:extLst>
-              <a:ext uri="{FF2B5EF4-FFF2-40B4-BE49-F238E27FC236}">
-                <a16:creationId xmlns:a16="http://schemas.microsoft.com/office/drawing/2014/main" id="{EAD47CA2-7C9B-7B45-66A4-C066CAD96387}"/>
-              </a:ext>
-            </a:extLst>
-          </p:cNvPr>
-          <p:cNvSpPr/>
-          <p:nvPr/>
-        </p:nvSpPr>
-        <p:spPr>
-          <a:xfrm>
-            <a:off x="5205889" y="9928860"/>
-            <a:ext cx="117991" cy="117991"/>
-          </a:xfrm>
-          <a:prstGeom prst="roundRect">
-            <a:avLst>
-              <a:gd name="adj" fmla="val 15499"/>
-            </a:avLst>
-          </a:prstGeom>
-          <a:solidFill>
-            <a:srgbClr val="5D554A"/>
-          </a:solidFill>
-          <a:ln/>
-        </p:spPr>
-      </p:sp>
-      <p:sp>
-        <p:nvSpPr>
-          <p:cNvPr id="11" name="Text 8">
-            <a:extLst>
-              <a:ext uri="{FF2B5EF4-FFF2-40B4-BE49-F238E27FC236}">
-                <a16:creationId xmlns:a16="http://schemas.microsoft.com/office/drawing/2014/main" id="{3E859558-50B1-FCF7-EA92-B400C6281649}"/>
-              </a:ext>
-            </a:extLst>
-          </p:cNvPr>
-          <p:cNvSpPr/>
-          <p:nvPr/>
-        </p:nvSpPr>
-        <p:spPr>
-          <a:xfrm>
-            <a:off x="5384840" y="9928860"/>
-            <a:ext cx="550545" cy="118110"/>
+          <p:cNvPr id="17" name="Text 6">
+            <a:extLst>
+              <a:ext uri="{FF2B5EF4-FFF2-40B4-BE49-F238E27FC236}">
+                <a16:creationId xmlns:a16="http://schemas.microsoft.com/office/drawing/2014/main" id="{E76969AF-2FAC-C8BA-181E-EFC5D97C6752}"/>
+              </a:ext>
+            </a:extLst>
+          </p:cNvPr>
+          <p:cNvSpPr/>
+          <p:nvPr/>
+        </p:nvSpPr>
+        <p:spPr>
+          <a:xfrm>
+            <a:off x="668042" y="7587461"/>
+            <a:ext cx="13042821" cy="362903"/>
           </a:xfrm>
           <a:prstGeom prst="rect">
             <a:avLst/>
@@ -10153,292 +11398,44 @@
           <a:bodyPr wrap="none" lIns="0" tIns="0" rIns="0" bIns="0" rtlCol="0" anchor="t"/>
           <a:lstStyle/>
           <a:p>
-            <a:pPr marL="0" indent="0" algn="l">
-              <a:lnSpc>
-                <a:spcPts val="900"/>
-              </a:lnSpc>
-              <a:buNone/>
-            </a:pPr>
-            <a:r>
-              <a:rPr lang="en-US" sz="900" dirty="0">
-                <a:solidFill>
-                  <a:srgbClr val="4C4C4C"/>
-                </a:solidFill>
-                <a:latin typeface="Noto Serif" pitchFamily="34" charset="0"/>
-                <a:ea typeface="Noto Serif" pitchFamily="34" charset="-122"/>
-                <a:cs typeface="Noto Serif" pitchFamily="34" charset="-120"/>
-              </a:rPr>
-              <a:t>Interview</a:t>
-            </a:r>
-            <a:endParaRPr lang="en-US" sz="900" dirty="0"/>
-          </a:p>
-        </p:txBody>
-      </p:sp>
-      <p:sp>
-        <p:nvSpPr>
-          <p:cNvPr id="12" name="Shape 9">
-            <a:extLst>
-              <a:ext uri="{FF2B5EF4-FFF2-40B4-BE49-F238E27FC236}">
-                <a16:creationId xmlns:a16="http://schemas.microsoft.com/office/drawing/2014/main" id="{CA1C19EE-54CB-6223-5BE1-5F2A9B154928}"/>
-              </a:ext>
-            </a:extLst>
-          </p:cNvPr>
-          <p:cNvSpPr/>
-          <p:nvPr/>
-        </p:nvSpPr>
-        <p:spPr>
-          <a:xfrm>
-            <a:off x="8733115" y="9928860"/>
-            <a:ext cx="117991" cy="117991"/>
-          </a:xfrm>
-          <a:prstGeom prst="roundRect">
-            <a:avLst>
-              <a:gd name="adj" fmla="val 15499"/>
-            </a:avLst>
-          </a:prstGeom>
-          <a:solidFill>
-            <a:srgbClr val="8F8473"/>
-          </a:solidFill>
-          <a:ln/>
-        </p:spPr>
-      </p:sp>
-      <p:sp>
-        <p:nvSpPr>
-          <p:cNvPr id="13" name="Text 10">
-            <a:extLst>
-              <a:ext uri="{FF2B5EF4-FFF2-40B4-BE49-F238E27FC236}">
-                <a16:creationId xmlns:a16="http://schemas.microsoft.com/office/drawing/2014/main" id="{9BFA3908-EA79-ABB4-237B-DD5E8EADDE91}"/>
-              </a:ext>
-            </a:extLst>
-          </p:cNvPr>
-          <p:cNvSpPr/>
-          <p:nvPr/>
-        </p:nvSpPr>
-        <p:spPr>
-          <a:xfrm>
-            <a:off x="8912066" y="9928860"/>
-            <a:ext cx="474226" cy="118110"/>
-          </a:xfrm>
-          <a:prstGeom prst="rect">
-            <a:avLst/>
-          </a:prstGeom>
-          <a:noFill/>
-          <a:ln/>
-        </p:spPr>
-        <p:txBody>
-          <a:bodyPr wrap="none" lIns="0" tIns="0" rIns="0" bIns="0" rtlCol="0" anchor="t"/>
-          <a:lstStyle/>
-          <a:p>
-            <a:pPr marL="0" indent="0" algn="l">
-              <a:lnSpc>
-                <a:spcPts val="900"/>
-              </a:lnSpc>
-              <a:buNone/>
-            </a:pPr>
-            <a:r>
-              <a:rPr lang="en-US" sz="900" dirty="0">
-                <a:solidFill>
-                  <a:srgbClr val="4C4C4C"/>
-                </a:solidFill>
-                <a:latin typeface="Noto Serif" pitchFamily="34" charset="0"/>
-                <a:ea typeface="Noto Serif" pitchFamily="34" charset="-122"/>
-                <a:cs typeface="Noto Serif" pitchFamily="34" charset="-120"/>
-              </a:rPr>
-              <a:t>Rejected</a:t>
-            </a:r>
-            <a:endParaRPr lang="en-US" sz="900" dirty="0"/>
-          </a:p>
-        </p:txBody>
-      </p:sp>
-      <p:sp>
-        <p:nvSpPr>
-          <p:cNvPr id="14" name="Shape 11">
-            <a:extLst>
-              <a:ext uri="{FF2B5EF4-FFF2-40B4-BE49-F238E27FC236}">
-                <a16:creationId xmlns:a16="http://schemas.microsoft.com/office/drawing/2014/main" id="{3DC25551-3E05-186E-8A79-F8CF435B11B1}"/>
-              </a:ext>
-            </a:extLst>
-          </p:cNvPr>
-          <p:cNvSpPr/>
-          <p:nvPr/>
-        </p:nvSpPr>
-        <p:spPr>
-          <a:xfrm>
-            <a:off x="10880527" y="9928860"/>
-            <a:ext cx="117991" cy="117991"/>
-          </a:xfrm>
-          <a:prstGeom prst="roundRect">
-            <a:avLst>
-              <a:gd name="adj" fmla="val 15499"/>
-            </a:avLst>
-          </a:prstGeom>
-          <a:solidFill>
-            <a:srgbClr val="B7B0A5"/>
-          </a:solidFill>
-          <a:ln/>
-        </p:spPr>
-      </p:sp>
-      <p:sp>
-        <p:nvSpPr>
-          <p:cNvPr id="15" name="Text 12">
-            <a:extLst>
-              <a:ext uri="{FF2B5EF4-FFF2-40B4-BE49-F238E27FC236}">
-                <a16:creationId xmlns:a16="http://schemas.microsoft.com/office/drawing/2014/main" id="{BF46C7E7-89F3-2541-E7A4-DDECCB5C2646}"/>
-              </a:ext>
-            </a:extLst>
-          </p:cNvPr>
-          <p:cNvSpPr/>
-          <p:nvPr/>
-        </p:nvSpPr>
-        <p:spPr>
-          <a:xfrm>
-            <a:off x="11059478" y="9928860"/>
-            <a:ext cx="293370" cy="118110"/>
-          </a:xfrm>
-          <a:prstGeom prst="rect">
-            <a:avLst/>
-          </a:prstGeom>
-          <a:noFill/>
-          <a:ln/>
-        </p:spPr>
-        <p:txBody>
-          <a:bodyPr wrap="none" lIns="0" tIns="0" rIns="0" bIns="0" rtlCol="0" anchor="t"/>
-          <a:lstStyle/>
-          <a:p>
-            <a:pPr marL="0" indent="0" algn="l">
-              <a:lnSpc>
-                <a:spcPts val="900"/>
-              </a:lnSpc>
-              <a:buNone/>
-            </a:pPr>
-            <a:r>
-              <a:rPr lang="en-US" sz="900" dirty="0">
-                <a:solidFill>
-                  <a:srgbClr val="4C4C4C"/>
-                </a:solidFill>
-                <a:latin typeface="Noto Serif" pitchFamily="34" charset="0"/>
-                <a:ea typeface="Noto Serif" pitchFamily="34" charset="-122"/>
-                <a:cs typeface="Noto Serif" pitchFamily="34" charset="-120"/>
-              </a:rPr>
-              <a:t>Offer</a:t>
-            </a:r>
-            <a:endParaRPr lang="en-US" sz="900" dirty="0"/>
-          </a:p>
-        </p:txBody>
-      </p:sp>
-      <p:sp>
-        <p:nvSpPr>
-          <p:cNvPr id="16" name="Text 13">
-            <a:extLst>
-              <a:ext uri="{FF2B5EF4-FFF2-40B4-BE49-F238E27FC236}">
-                <a16:creationId xmlns:a16="http://schemas.microsoft.com/office/drawing/2014/main" id="{D424E4FD-543E-F671-B8EB-C68C7DF5D12C}"/>
-              </a:ext>
-            </a:extLst>
-          </p:cNvPr>
-          <p:cNvSpPr/>
-          <p:nvPr/>
-        </p:nvSpPr>
-        <p:spPr>
-          <a:xfrm>
-            <a:off x="413147" y="10179725"/>
-            <a:ext cx="13804106" cy="188952"/>
-          </a:xfrm>
-          <a:prstGeom prst="rect">
-            <a:avLst/>
-          </a:prstGeom>
-          <a:noFill/>
-          <a:ln/>
-        </p:spPr>
-        <p:txBody>
-          <a:bodyPr wrap="none" lIns="0" tIns="0" rIns="0" bIns="0" rtlCol="0" anchor="t"/>
-          <a:lstStyle/>
-          <a:p>
-            <a:pPr marL="0" indent="0" algn="l">
-              <a:lnSpc>
-                <a:spcPts val="1450"/>
-              </a:lnSpc>
-              <a:buNone/>
-            </a:pPr>
-            <a:r>
-              <a:rPr lang="en-US" sz="900" b="1" dirty="0">
-                <a:solidFill>
-                  <a:srgbClr val="4C4C4C"/>
-                </a:solidFill>
-                <a:latin typeface="Noto Serif" pitchFamily="34" charset="0"/>
-                <a:ea typeface="Noto Serif" pitchFamily="34" charset="-122"/>
-                <a:cs typeface="Noto Serif" pitchFamily="34" charset="-120"/>
-              </a:rPr>
-              <a:t>Key Insight:</a:t>
-            </a:r>
-            <a:r>
-              <a:rPr lang="en-US" sz="900" dirty="0">
-                <a:solidFill>
-                  <a:srgbClr val="4C4C4C"/>
-                </a:solidFill>
-                <a:latin typeface="Noto Serif" pitchFamily="34" charset="0"/>
-                <a:ea typeface="Noto Serif" pitchFamily="34" charset="-122"/>
-                <a:cs typeface="Noto Serif" pitchFamily="34" charset="-120"/>
-              </a:rPr>
-              <a:t> 45 applications remain in progress, while 28 rejections indicate competitive screening processes requiring strategic focus.</a:t>
-            </a:r>
-            <a:endParaRPr lang="en-US" sz="900" dirty="0"/>
-          </a:p>
-        </p:txBody>
-      </p:sp>
-      <p:sp>
-        <p:nvSpPr>
-          <p:cNvPr id="17" name="Text 6">
-            <a:extLst>
-              <a:ext uri="{FF2B5EF4-FFF2-40B4-BE49-F238E27FC236}">
-                <a16:creationId xmlns:a16="http://schemas.microsoft.com/office/drawing/2014/main" id="{7F56BAA0-3BCF-DD5D-3397-DF6C65F78E9D}"/>
-              </a:ext>
-            </a:extLst>
-          </p:cNvPr>
-          <p:cNvSpPr/>
-          <p:nvPr/>
-        </p:nvSpPr>
-        <p:spPr>
-          <a:xfrm>
-            <a:off x="793790" y="6954798"/>
-            <a:ext cx="13042821" cy="362903"/>
-          </a:xfrm>
-          <a:prstGeom prst="rect">
-            <a:avLst/>
-          </a:prstGeom>
-          <a:noFill/>
-          <a:ln/>
-        </p:spPr>
-        <p:txBody>
-          <a:bodyPr wrap="none" lIns="0" tIns="0" rIns="0" bIns="0" rtlCol="0" anchor="t"/>
-          <a:lstStyle/>
-          <a:p>
-            <a:pPr marL="0" indent="0" algn="l">
+            <a:pPr>
               <a:lnSpc>
                 <a:spcPts val="2850"/>
               </a:lnSpc>
-              <a:buNone/>
             </a:pPr>
             <a:r>
               <a:rPr lang="en-US" sz="1750" b="1" dirty="0">
                 <a:solidFill>
                   <a:srgbClr val="4C4C4C"/>
                 </a:solidFill>
-                <a:latin typeface="Noto Serif" pitchFamily="34" charset="0"/>
                 <a:ea typeface="Noto Serif" pitchFamily="34" charset="-122"/>
                 <a:cs typeface="Noto Serif" pitchFamily="34" charset="-120"/>
               </a:rPr>
-              <a:t>Key Finding:</a:t>
+              <a:t>Key Finding :</a:t>
             </a:r>
             <a:r>
               <a:rPr lang="en-US" sz="1750" dirty="0">
                 <a:solidFill>
                   <a:srgbClr val="4C4C4C"/>
                 </a:solidFill>
-                <a:latin typeface="Noto Serif" pitchFamily="34" charset="0"/>
                 <a:ea typeface="Noto Serif" pitchFamily="34" charset="-122"/>
                 <a:cs typeface="Noto Serif" pitchFamily="34" charset="-120"/>
               </a:rPr>
-              <a:t> Large tech firms show 75% rejection rates; smaller startups average 45%, suggesting better fit potential.</a:t>
+              <a:t> </a:t>
+            </a:r>
+            <a:r>
+              <a:rPr lang="en-US" sz="1750" dirty="0"/>
+              <a:t>Tushar applied to the most companies, showing strong consistency</a:t>
+            </a:r>
+            <a:r>
+              <a:rPr lang="en-US" sz="1750" dirty="0">
+                <a:solidFill>
+                  <a:srgbClr val="4C4C4C"/>
+                </a:solidFill>
+                <a:ea typeface="Noto Serif" pitchFamily="34" charset="-122"/>
+                <a:cs typeface="Noto Serif" pitchFamily="34" charset="-120"/>
+              </a:rPr>
+              <a:t>.</a:t>
             </a:r>
             <a:endParaRPr lang="en-US" sz="1750" dirty="0"/>
           </a:p>
@@ -10449,7 +11446,7 @@
           <p:cNvPr id="7" name="Rectangle 6">
             <a:extLst>
               <a:ext uri="{FF2B5EF4-FFF2-40B4-BE49-F238E27FC236}">
-                <a16:creationId xmlns:a16="http://schemas.microsoft.com/office/drawing/2014/main" id="{4903835C-BE29-691C-912F-5956F26BB0A8}"/>
+                <a16:creationId xmlns:a16="http://schemas.microsoft.com/office/drawing/2014/main" id="{3FE92164-1DBE-B89B-8EC9-A4DD4C51FDB4}"/>
               </a:ext>
             </a:extLst>
           </p:cNvPr>
@@ -10496,10 +11493,51 @@
           </a:p>
         </p:txBody>
       </p:sp>
+      <p:pic>
+        <p:nvPicPr>
+          <p:cNvPr id="5" name="Picture 4">
+            <a:extLst>
+              <a:ext uri="{FF2B5EF4-FFF2-40B4-BE49-F238E27FC236}">
+                <a16:creationId xmlns:a16="http://schemas.microsoft.com/office/drawing/2014/main" id="{4847A8B1-CD00-8234-B78D-7D8BB5FDC6D0}"/>
+              </a:ext>
+            </a:extLst>
+          </p:cNvPr>
+          <p:cNvPicPr>
+            <a:picLocks noChangeAspect="1"/>
+          </p:cNvPicPr>
+          <p:nvPr/>
+        </p:nvPicPr>
+        <p:blipFill>
+          <a:blip r:embed="rId3">
+            <a:clrChange>
+              <a:clrFrom>
+                <a:srgbClr val="FFFFFF"/>
+              </a:clrFrom>
+              <a:clrTo>
+                <a:srgbClr val="FFFFFF">
+                  <a:alpha val="0"/>
+                </a:srgbClr>
+              </a:clrTo>
+            </a:clrChange>
+          </a:blip>
+          <a:stretch>
+            <a:fillRect/>
+          </a:stretch>
+        </p:blipFill>
+        <p:spPr>
+          <a:xfrm>
+            <a:off x="2523828" y="2160180"/>
+            <a:ext cx="8120200" cy="5360844"/>
+          </a:xfrm>
+          <a:prstGeom prst="rect">
+            <a:avLst/>
+          </a:prstGeom>
+        </p:spPr>
+      </p:pic>
     </p:spTree>
     <p:extLst>
       <p:ext uri="{BB962C8B-B14F-4D97-AF65-F5344CB8AC3E}">
-        <p14:creationId xmlns:p14="http://schemas.microsoft.com/office/powerpoint/2010/main" val="3903654968"/>
+        <p14:creationId xmlns:p14="http://schemas.microsoft.com/office/powerpoint/2010/main" val="1029587422"/>
       </p:ext>
     </p:extLst>
   </p:cSld>
